--- a/Whiteboard design session trainer presentation - Lift and shift.pptx
+++ b/Whiteboard design session trainer presentation - Lift and shift.pptx
@@ -2,55 +2,54 @@
 <file path=ppt/presentation.xml><?xml version="1.0" encoding="utf-8"?>
 <p:presentation xmlns:a="http://schemas.openxmlformats.org/drawingml/2006/main" xmlns:r="http://schemas.openxmlformats.org/officeDocument/2006/relationships" xmlns:p="http://schemas.openxmlformats.org/presentationml/2006/main" removePersonalInfoOnSave="1" saveSubsetFonts="1">
   <p:sldMasterIdLst>
-    <p:sldMasterId id="2147483660" r:id="rId1"/>
-    <p:sldMasterId id="2147483665" r:id="rId2"/>
+    <p:sldMasterId id="2147483665" r:id="rId1"/>
   </p:sldMasterIdLst>
   <p:notesMasterIdLst>
-    <p:notesMasterId r:id="rId42"/>
+    <p:notesMasterId r:id="rId41"/>
   </p:notesMasterIdLst>
   <p:handoutMasterIdLst>
-    <p:handoutMasterId r:id="rId43"/>
+    <p:handoutMasterId r:id="rId42"/>
   </p:handoutMasterIdLst>
   <p:sldIdLst>
-    <p:sldId id="300" r:id="rId3"/>
-    <p:sldId id="323" r:id="rId4"/>
-    <p:sldId id="302" r:id="rId5"/>
-    <p:sldId id="259" r:id="rId6"/>
-    <p:sldId id="324" r:id="rId7"/>
-    <p:sldId id="325" r:id="rId8"/>
-    <p:sldId id="326" r:id="rId9"/>
-    <p:sldId id="368" r:id="rId10"/>
-    <p:sldId id="327" r:id="rId11"/>
-    <p:sldId id="362" r:id="rId12"/>
-    <p:sldId id="366" r:id="rId13"/>
-    <p:sldId id="367" r:id="rId14"/>
-    <p:sldId id="320" r:id="rId15"/>
-    <p:sldId id="322" r:id="rId16"/>
-    <p:sldId id="321" r:id="rId17"/>
-    <p:sldId id="317" r:id="rId18"/>
-    <p:sldId id="316" r:id="rId19"/>
-    <p:sldId id="339" r:id="rId20"/>
-    <p:sldId id="340" r:id="rId21"/>
-    <p:sldId id="342" r:id="rId22"/>
-    <p:sldId id="343" r:id="rId23"/>
-    <p:sldId id="365" r:id="rId24"/>
-    <p:sldId id="345" r:id="rId25"/>
-    <p:sldId id="346" r:id="rId26"/>
-    <p:sldId id="349" r:id="rId27"/>
-    <p:sldId id="350" r:id="rId28"/>
-    <p:sldId id="351" r:id="rId29"/>
-    <p:sldId id="352" r:id="rId30"/>
-    <p:sldId id="353" r:id="rId31"/>
-    <p:sldId id="354" r:id="rId32"/>
-    <p:sldId id="355" r:id="rId33"/>
-    <p:sldId id="363" r:id="rId34"/>
-    <p:sldId id="356" r:id="rId35"/>
-    <p:sldId id="357" r:id="rId36"/>
-    <p:sldId id="358" r:id="rId37"/>
-    <p:sldId id="360" r:id="rId38"/>
-    <p:sldId id="364" r:id="rId39"/>
-    <p:sldId id="361" r:id="rId40"/>
-    <p:sldId id="315" r:id="rId41"/>
+    <p:sldId id="300" r:id="rId2"/>
+    <p:sldId id="323" r:id="rId3"/>
+    <p:sldId id="302" r:id="rId4"/>
+    <p:sldId id="259" r:id="rId5"/>
+    <p:sldId id="324" r:id="rId6"/>
+    <p:sldId id="325" r:id="rId7"/>
+    <p:sldId id="326" r:id="rId8"/>
+    <p:sldId id="368" r:id="rId9"/>
+    <p:sldId id="327" r:id="rId10"/>
+    <p:sldId id="362" r:id="rId11"/>
+    <p:sldId id="366" r:id="rId12"/>
+    <p:sldId id="367" r:id="rId13"/>
+    <p:sldId id="320" r:id="rId14"/>
+    <p:sldId id="322" r:id="rId15"/>
+    <p:sldId id="321" r:id="rId16"/>
+    <p:sldId id="317" r:id="rId17"/>
+    <p:sldId id="316" r:id="rId18"/>
+    <p:sldId id="339" r:id="rId19"/>
+    <p:sldId id="340" r:id="rId20"/>
+    <p:sldId id="342" r:id="rId21"/>
+    <p:sldId id="343" r:id="rId22"/>
+    <p:sldId id="365" r:id="rId23"/>
+    <p:sldId id="345" r:id="rId24"/>
+    <p:sldId id="346" r:id="rId25"/>
+    <p:sldId id="349" r:id="rId26"/>
+    <p:sldId id="350" r:id="rId27"/>
+    <p:sldId id="351" r:id="rId28"/>
+    <p:sldId id="352" r:id="rId29"/>
+    <p:sldId id="353" r:id="rId30"/>
+    <p:sldId id="354" r:id="rId31"/>
+    <p:sldId id="355" r:id="rId32"/>
+    <p:sldId id="363" r:id="rId33"/>
+    <p:sldId id="356" r:id="rId34"/>
+    <p:sldId id="357" r:id="rId35"/>
+    <p:sldId id="358" r:id="rId36"/>
+    <p:sldId id="360" r:id="rId37"/>
+    <p:sldId id="364" r:id="rId38"/>
+    <p:sldId id="361" r:id="rId39"/>
+    <p:sldId id="315" r:id="rId40"/>
   </p:sldIdLst>
   <p:sldSz cx="12192000" cy="6858000"/>
   <p:notesSz cx="6858000" cy="9144000"/>
@@ -260,7 +259,7 @@
           <a:p>
             <a:fld id="{0B4ED74A-224F-4188-850E-AD5C4B751E0D}" type="datetimeFigureOut">
               <a:rPr lang="en-US" smtClean="0"/>
-              <a:t>5/13/2018</a:t>
+              <a:t>5/18/2018</a:t>
             </a:fld>
             <a:endParaRPr lang="en-US" dirty="0"/>
           </a:p>
@@ -437,7 +436,7 @@
           <a:p>
             <a:fld id="{52A13B17-C506-4D51-BB37-16B365906619}" type="datetimeFigureOut">
               <a:rPr lang="en-US" smtClean="0"/>
-              <a:t>5/13/2018</a:t>
+              <a:t>5/18/2018</a:t>
             </a:fld>
             <a:endParaRPr lang="en-US" dirty="0"/>
           </a:p>
@@ -4447,7 +4446,7 @@
                   <a:prstClr val="black"/>
                 </a:solidFill>
               </a:rPr>
-              <a:t>5/13/2018 6:42 AM</a:t>
+              <a:t>5/18/2018 1:00 PM</a:t>
             </a:fld>
             <a:endParaRPr lang="en-US" dirty="0">
               <a:solidFill>
@@ -5258,1692 +5257,6 @@
 </file>
 
 <file path=ppt/slideLayouts/slideLayout1.xml><?xml version="1.0" encoding="utf-8"?>
-<p:sldLayout xmlns:a="http://schemas.openxmlformats.org/drawingml/2006/main" xmlns:r="http://schemas.openxmlformats.org/officeDocument/2006/relationships" xmlns:p="http://schemas.openxmlformats.org/presentationml/2006/main" preserve="1" userDrawn="1">
-  <p:cSld name="Title Slide 1">
-    <p:bg>
-      <p:bgPr>
-        <a:solidFill>
-          <a:schemeClr val="accent1"/>
-        </a:solidFill>
-        <a:effectLst/>
-      </p:bgPr>
-    </p:bg>
-    <p:spTree>
-      <p:nvGrpSpPr>
-        <p:cNvPr id="1" name=""/>
-        <p:cNvGrpSpPr/>
-        <p:nvPr/>
-      </p:nvGrpSpPr>
-      <p:grpSpPr>
-        <a:xfrm>
-          <a:off x="0" y="0"/>
-          <a:ext cx="0" cy="0"/>
-          <a:chOff x="0" y="0"/>
-          <a:chExt cx="0" cy="0"/>
-        </a:xfrm>
-      </p:grpSpPr>
-      <p:sp>
-        <p:nvSpPr>
-          <p:cNvPr id="9" name="Title 1"/>
-          <p:cNvSpPr>
-            <a:spLocks noGrp="1"/>
-          </p:cNvSpPr>
-          <p:nvPr>
-            <p:ph type="title" hasCustomPrompt="1"/>
-          </p:nvPr>
-        </p:nvSpPr>
-        <p:spPr>
-          <a:xfrm>
-            <a:off x="269307" y="2084187"/>
-            <a:ext cx="8964185" cy="1793090"/>
-          </a:xfrm>
-          <a:noFill/>
-        </p:spPr>
-        <p:txBody>
-          <a:bodyPr lIns="146304" tIns="91440" rIns="146304" bIns="91440" anchor="t" anchorCtr="0"/>
-          <a:lstStyle>
-            <a:lvl1pPr>
-              <a:defRPr sz="4411" spc="-74" baseline="0">
-                <a:gradFill>
-                  <a:gsLst>
-                    <a:gs pos="5833">
-                      <a:schemeClr val="tx1"/>
-                    </a:gs>
-                    <a:gs pos="53000">
-                      <a:schemeClr val="tx1"/>
-                    </a:gs>
-                  </a:gsLst>
-                  <a:lin ang="5400000" scaled="0"/>
-                </a:gradFill>
-              </a:defRPr>
-            </a:lvl1pPr>
-          </a:lstStyle>
-          <a:p>
-            <a:r>
-              <a:rPr lang="en-US" dirty="0"/>
-              <a:t>Presentation title</a:t>
-            </a:r>
-          </a:p>
-        </p:txBody>
-      </p:sp>
-      <p:sp>
-        <p:nvSpPr>
-          <p:cNvPr id="5" name="Text Placeholder 4"/>
-          <p:cNvSpPr>
-            <a:spLocks noGrp="1"/>
-          </p:cNvSpPr>
-          <p:nvPr>
-            <p:ph type="body" sz="quarter" idx="12" hasCustomPrompt="1"/>
-          </p:nvPr>
-        </p:nvSpPr>
-        <p:spPr>
-          <a:xfrm>
-            <a:off x="269303" y="3878586"/>
-            <a:ext cx="8964187" cy="1792326"/>
-          </a:xfrm>
-          <a:noFill/>
-        </p:spPr>
-        <p:txBody>
-          <a:bodyPr lIns="182880" tIns="146304" rIns="182880" bIns="146304">
-            <a:noAutofit/>
-          </a:bodyPr>
-          <a:lstStyle>
-            <a:lvl1pPr marL="0" indent="0">
-              <a:spcBef>
-                <a:spcPts val="0"/>
-              </a:spcBef>
-              <a:buNone/>
-              <a:defRPr sz="2647" spc="0" baseline="0">
-                <a:gradFill>
-                  <a:gsLst>
-                    <a:gs pos="5833">
-                      <a:schemeClr val="tx1"/>
-                    </a:gs>
-                    <a:gs pos="53000">
-                      <a:schemeClr val="tx1"/>
-                    </a:gs>
-                  </a:gsLst>
-                  <a:lin ang="5400000" scaled="0"/>
-                </a:gradFill>
-                <a:latin typeface="+mj-lt"/>
-              </a:defRPr>
-            </a:lvl1pPr>
-          </a:lstStyle>
-          <a:p>
-            <a:pPr lvl="0"/>
-            <a:r>
-              <a:rPr lang="en-US" dirty="0"/>
-              <a:t>Speaker Name</a:t>
-            </a:r>
-          </a:p>
-        </p:txBody>
-      </p:sp>
-      <p:sp>
-        <p:nvSpPr>
-          <p:cNvPr id="2" name="Footer Placeholder 1"/>
-          <p:cNvSpPr>
-            <a:spLocks noGrp="1"/>
-          </p:cNvSpPr>
-          <p:nvPr>
-            <p:ph type="ftr" sz="quarter" idx="13"/>
-          </p:nvPr>
-        </p:nvSpPr>
-        <p:spPr/>
-        <p:txBody>
-          <a:bodyPr/>
-          <a:lstStyle/>
-          <a:p>
-            <a:r>
-              <a:rPr dirty="0">
-                <a:gradFill>
-                  <a:gsLst>
-                    <a:gs pos="2239">
-                      <a:srgbClr val="FFFFFF"/>
-                    </a:gs>
-                    <a:gs pos="11940">
-                      <a:srgbClr val="FFFFFF"/>
-                    </a:gs>
-                  </a:gsLst>
-                  <a:lin ang="5400000" scaled="0"/>
-                </a:gradFill>
-              </a:rPr>
-              <a:t>Microsoft Confidential</a:t>
-            </a:r>
-          </a:p>
-        </p:txBody>
-      </p:sp>
-      <p:sp>
-        <p:nvSpPr>
-          <p:cNvPr id="3" name="Slide Number Placeholder 2"/>
-          <p:cNvSpPr>
-            <a:spLocks noGrp="1"/>
-          </p:cNvSpPr>
-          <p:nvPr>
-            <p:ph type="sldNum" sz="quarter" idx="14"/>
-          </p:nvPr>
-        </p:nvSpPr>
-        <p:spPr/>
-        <p:txBody>
-          <a:bodyPr/>
-          <a:lstStyle/>
-          <a:p>
-            <a:fld id="{27258FFF-F925-446B-8502-81C933981705}" type="slidenum">
-              <a:rPr>
-                <a:gradFill>
-                  <a:gsLst>
-                    <a:gs pos="2239">
-                      <a:srgbClr val="FFFFFF"/>
-                    </a:gs>
-                    <a:gs pos="11940">
-                      <a:srgbClr val="FFFFFF"/>
-                    </a:gs>
-                  </a:gsLst>
-                  <a:lin ang="5400000" scaled="0"/>
-                </a:gradFill>
-              </a:rPr>
-              <a:pPr/>
-              <a:t>‹#›</a:t>
-            </a:fld>
-            <a:endParaRPr dirty="0">
-              <a:gradFill>
-                <a:gsLst>
-                  <a:gs pos="2239">
-                    <a:srgbClr val="FFFFFF"/>
-                  </a:gs>
-                  <a:gs pos="11940">
-                    <a:srgbClr val="FFFFFF"/>
-                  </a:gs>
-                </a:gsLst>
-                <a:lin ang="5400000" scaled="0"/>
-              </a:gradFill>
-            </a:endParaRPr>
-          </a:p>
-        </p:txBody>
-      </p:sp>
-      <p:pic>
-        <p:nvPicPr>
-          <p:cNvPr id="7" name="Picture 6"/>
-          <p:cNvPicPr>
-            <a:picLocks noChangeAspect="1"/>
-          </p:cNvPicPr>
-          <p:nvPr userDrawn="1"/>
-        </p:nvPicPr>
-        <p:blipFill>
-          <a:blip r:embed="rId2" cstate="screen">
-            <a:extLst>
-              <a:ext uri="{28A0092B-C50C-407E-A947-70E740481C1C}">
-                <a14:useLocalDpi xmlns:a14="http://schemas.microsoft.com/office/drawing/2010/main" val="0"/>
-              </a:ext>
-            </a:extLst>
-          </a:blip>
-          <a:stretch>
-            <a:fillRect/>
-          </a:stretch>
-        </p:blipFill>
-        <p:spPr bwMode="invGray">
-          <a:xfrm>
-            <a:off x="455226" y="470410"/>
-            <a:ext cx="1606862" cy="352152"/>
-          </a:xfrm>
-          <a:prstGeom prst="rect">
-            <a:avLst/>
-          </a:prstGeom>
-        </p:spPr>
-      </p:pic>
-    </p:spTree>
-    <p:extLst>
-      <p:ext uri="{BB962C8B-B14F-4D97-AF65-F5344CB8AC3E}">
-        <p14:creationId xmlns:p14="http://schemas.microsoft.com/office/powerpoint/2010/main" val="3596857046"/>
-      </p:ext>
-    </p:extLst>
-  </p:cSld>
-  <p:clrMapOvr>
-    <a:overrideClrMapping bg1="dk1" tx1="lt1" bg2="dk2" tx2="lt2" accent1="accent1" accent2="accent2" accent3="accent3" accent4="accent4" accent5="accent5" accent6="accent6" hlink="hlink" folHlink="folHlink"/>
-  </p:clrMapOvr>
-  <mc:AlternateContent xmlns:mc="http://schemas.openxmlformats.org/markup-compatibility/2006" xmlns:p14="http://schemas.microsoft.com/office/powerpoint/2010/main">
-    <mc:Choice Requires="p14">
-      <p:transition spd="slow" p14:dur="3400">
-        <p14:reveal/>
-      </p:transition>
-    </mc:Choice>
-    <mc:Fallback xmlns="">
-      <p:transition spd="slow">
-        <p:fade/>
-      </p:transition>
-    </mc:Fallback>
-  </mc:AlternateContent>
-  <p:extLst mod="1">
-    <p:ext uri="{DCECCB84-F9BA-43D5-87BE-67443E8EF086}">
-      <p15:sldGuideLst xmlns:p15="http://schemas.microsoft.com/office/powerpoint/2012/main">
-        <p15:guide id="1" pos="288">
-          <p15:clr>
-            <a:srgbClr val="C35EA4"/>
-          </p15:clr>
-        </p15:guide>
-        <p15:guide id="2" pos="7545">
-          <p15:clr>
-            <a:srgbClr val="C35EA4"/>
-          </p15:clr>
-        </p15:guide>
-        <p15:guide id="3" orient="horz" pos="302">
-          <p15:clr>
-            <a:srgbClr val="C35EA4"/>
-          </p15:clr>
-        </p15:guide>
-        <p15:guide id="4" orient="horz" pos="4104">
-          <p15:clr>
-            <a:srgbClr val="C35EA4"/>
-          </p15:clr>
-        </p15:guide>
-      </p15:sldGuideLst>
-    </p:ext>
-  </p:extLst>
-</p:sldLayout>
-</file>
-
-<file path=ppt/slideLayouts/slideLayout10.xml><?xml version="1.0" encoding="utf-8"?>
-<p:sldLayout xmlns:a="http://schemas.openxmlformats.org/drawingml/2006/main" xmlns:r="http://schemas.openxmlformats.org/officeDocument/2006/relationships" xmlns:p="http://schemas.openxmlformats.org/presentationml/2006/main" userDrawn="1">
-  <p:cSld name="Closing logo slide">
-    <p:bg>
-      <p:bgPr>
-        <a:solidFill>
-          <a:schemeClr val="accent1"/>
-        </a:solidFill>
-        <a:effectLst/>
-      </p:bgPr>
-    </p:bg>
-    <p:spTree>
-      <p:nvGrpSpPr>
-        <p:cNvPr id="1" name=""/>
-        <p:cNvGrpSpPr/>
-        <p:nvPr/>
-      </p:nvGrpSpPr>
-      <p:grpSpPr>
-        <a:xfrm>
-          <a:off x="0" y="0"/>
-          <a:ext cx="0" cy="0"/>
-          <a:chOff x="0" y="0"/>
-          <a:chExt cx="0" cy="0"/>
-        </a:xfrm>
-      </p:grpSpPr>
-      <p:grpSp>
-        <p:nvGrpSpPr>
-          <p:cNvPr id="5" name="Group 4"/>
-          <p:cNvGrpSpPr>
-            <a:grpSpLocks noChangeAspect="1"/>
-          </p:cNvGrpSpPr>
-          <p:nvPr userDrawn="1"/>
-        </p:nvGrpSpPr>
-        <p:grpSpPr bwMode="black">
-          <a:xfrm>
-            <a:off x="459102" y="470067"/>
-            <a:ext cx="1419662" cy="304828"/>
-            <a:chOff x="457200" y="1643393"/>
-            <a:chExt cx="4492753" cy="964540"/>
-          </a:xfrm>
-        </p:grpSpPr>
-        <p:pic>
-          <p:nvPicPr>
-            <p:cNvPr id="6" name="Picture 5"/>
-            <p:cNvPicPr>
-              <a:picLocks noChangeAspect="1"/>
-            </p:cNvPicPr>
-            <p:nvPr/>
-          </p:nvPicPr>
-          <p:blipFill>
-            <a:blip r:embed="rId2"/>
-            <a:stretch>
-              <a:fillRect/>
-            </a:stretch>
-          </p:blipFill>
-          <p:spPr bwMode="black">
-            <a:xfrm>
-              <a:off x="457200" y="1643393"/>
-              <a:ext cx="964540" cy="964540"/>
-            </a:xfrm>
-            <a:prstGeom prst="rect">
-              <a:avLst/>
-            </a:prstGeom>
-          </p:spPr>
-        </p:pic>
-        <p:sp>
-          <p:nvSpPr>
-            <p:cNvPr id="7" name="Freeform 12"/>
-            <p:cNvSpPr>
-              <a:spLocks noEditPoints="1"/>
-            </p:cNvSpPr>
-            <p:nvPr/>
-          </p:nvSpPr>
-          <p:spPr bwMode="black">
-            <a:xfrm>
-              <a:off x="1703514" y="1792710"/>
-              <a:ext cx="3246439" cy="635329"/>
-            </a:xfrm>
-            <a:custGeom>
-              <a:avLst/>
-              <a:gdLst>
-                <a:gd name="T0" fmla="*/ 218 w 1139"/>
-                <a:gd name="T1" fmla="*/ 217 h 220"/>
-                <a:gd name="T2" fmla="*/ 185 w 1139"/>
-                <a:gd name="T3" fmla="*/ 52 h 220"/>
-                <a:gd name="T4" fmla="*/ 120 w 1139"/>
-                <a:gd name="T5" fmla="*/ 217 h 220"/>
-                <a:gd name="T6" fmla="*/ 32 w 1139"/>
-                <a:gd name="T7" fmla="*/ 52 h 220"/>
-                <a:gd name="T8" fmla="*/ 33 w 1139"/>
-                <a:gd name="T9" fmla="*/ 93 h 220"/>
-                <a:gd name="T10" fmla="*/ 0 w 1139"/>
-                <a:gd name="T11" fmla="*/ 15 h 220"/>
-                <a:gd name="T12" fmla="*/ 109 w 1139"/>
-                <a:gd name="T13" fmla="*/ 168 h 220"/>
-                <a:gd name="T14" fmla="*/ 171 w 1139"/>
-                <a:gd name="T15" fmla="*/ 15 h 220"/>
-                <a:gd name="T16" fmla="*/ 285 w 1139"/>
-                <a:gd name="T17" fmla="*/ 72 h 220"/>
-                <a:gd name="T18" fmla="*/ 269 w 1139"/>
-                <a:gd name="T19" fmla="*/ 11 h 220"/>
-                <a:gd name="T20" fmla="*/ 254 w 1139"/>
-                <a:gd name="T21" fmla="*/ 45 h 220"/>
-                <a:gd name="T22" fmla="*/ 289 w 1139"/>
-                <a:gd name="T23" fmla="*/ 31 h 220"/>
-                <a:gd name="T24" fmla="*/ 405 w 1139"/>
-                <a:gd name="T25" fmla="*/ 71 h 220"/>
-                <a:gd name="T26" fmla="*/ 318 w 1139"/>
-                <a:gd name="T27" fmla="*/ 107 h 220"/>
-                <a:gd name="T28" fmla="*/ 343 w 1139"/>
-                <a:gd name="T29" fmla="*/ 211 h 220"/>
-                <a:gd name="T30" fmla="*/ 422 w 1139"/>
-                <a:gd name="T31" fmla="*/ 210 h 220"/>
-                <a:gd name="T32" fmla="*/ 404 w 1139"/>
-                <a:gd name="T33" fmla="*/ 189 h 220"/>
-                <a:gd name="T34" fmla="*/ 344 w 1139"/>
-                <a:gd name="T35" fmla="*/ 145 h 220"/>
-                <a:gd name="T36" fmla="*/ 420 w 1139"/>
-                <a:gd name="T37" fmla="*/ 108 h 220"/>
-                <a:gd name="T38" fmla="*/ 421 w 1139"/>
-                <a:gd name="T39" fmla="*/ 76 h 220"/>
-                <a:gd name="T40" fmla="*/ 495 w 1139"/>
-                <a:gd name="T41" fmla="*/ 78 h 220"/>
-                <a:gd name="T42" fmla="*/ 481 w 1139"/>
-                <a:gd name="T43" fmla="*/ 72 h 220"/>
-                <a:gd name="T44" fmla="*/ 481 w 1139"/>
-                <a:gd name="T45" fmla="*/ 217 h 220"/>
-                <a:gd name="T46" fmla="*/ 512 w 1139"/>
-                <a:gd name="T47" fmla="*/ 100 h 220"/>
-                <a:gd name="T48" fmla="*/ 531 w 1139"/>
-                <a:gd name="T49" fmla="*/ 106 h 220"/>
-                <a:gd name="T50" fmla="*/ 517 w 1139"/>
-                <a:gd name="T51" fmla="*/ 70 h 220"/>
-                <a:gd name="T52" fmla="*/ 661 w 1139"/>
-                <a:gd name="T53" fmla="*/ 199 h 220"/>
-                <a:gd name="T54" fmla="*/ 533 w 1139"/>
-                <a:gd name="T55" fmla="*/ 146 h 220"/>
-                <a:gd name="T56" fmla="*/ 663 w 1139"/>
-                <a:gd name="T57" fmla="*/ 89 h 220"/>
-                <a:gd name="T58" fmla="*/ 608 w 1139"/>
-                <a:gd name="T59" fmla="*/ 97 h 220"/>
-                <a:gd name="T60" fmla="*/ 579 w 1139"/>
-                <a:gd name="T61" fmla="*/ 180 h 220"/>
-                <a:gd name="T62" fmla="*/ 646 w 1139"/>
-                <a:gd name="T63" fmla="*/ 144 h 220"/>
-                <a:gd name="T64" fmla="*/ 732 w 1139"/>
-                <a:gd name="T65" fmla="*/ 110 h 220"/>
-                <a:gd name="T66" fmla="*/ 770 w 1139"/>
-                <a:gd name="T67" fmla="*/ 98 h 220"/>
-                <a:gd name="T68" fmla="*/ 786 w 1139"/>
-                <a:gd name="T69" fmla="*/ 75 h 220"/>
-                <a:gd name="T70" fmla="*/ 753 w 1139"/>
-                <a:gd name="T71" fmla="*/ 69 h 220"/>
-                <a:gd name="T72" fmla="*/ 701 w 1139"/>
-                <a:gd name="T73" fmla="*/ 131 h 220"/>
-                <a:gd name="T74" fmla="*/ 750 w 1139"/>
-                <a:gd name="T75" fmla="*/ 164 h 220"/>
-                <a:gd name="T76" fmla="*/ 738 w 1139"/>
-                <a:gd name="T77" fmla="*/ 193 h 220"/>
-                <a:gd name="T78" fmla="*/ 698 w 1139"/>
-                <a:gd name="T79" fmla="*/ 179 h 220"/>
-                <a:gd name="T80" fmla="*/ 717 w 1139"/>
-                <a:gd name="T81" fmla="*/ 218 h 220"/>
-                <a:gd name="T82" fmla="*/ 794 w 1139"/>
-                <a:gd name="T83" fmla="*/ 175 h 220"/>
-                <a:gd name="T84" fmla="*/ 938 w 1139"/>
-                <a:gd name="T85" fmla="*/ 89 h 220"/>
-                <a:gd name="T86" fmla="*/ 882 w 1139"/>
-                <a:gd name="T87" fmla="*/ 220 h 220"/>
-                <a:gd name="T88" fmla="*/ 829 w 1139"/>
-                <a:gd name="T89" fmla="*/ 89 h 220"/>
-                <a:gd name="T90" fmla="*/ 922 w 1139"/>
-                <a:gd name="T91" fmla="*/ 144 h 220"/>
-                <a:gd name="T92" fmla="*/ 855 w 1139"/>
-                <a:gd name="T93" fmla="*/ 109 h 220"/>
-                <a:gd name="T94" fmla="*/ 884 w 1139"/>
-                <a:gd name="T95" fmla="*/ 192 h 220"/>
-                <a:gd name="T96" fmla="*/ 1139 w 1139"/>
-                <a:gd name="T97" fmla="*/ 100 h 220"/>
-                <a:gd name="T98" fmla="*/ 1104 w 1139"/>
-                <a:gd name="T99" fmla="*/ 29 h 220"/>
-                <a:gd name="T100" fmla="*/ 1070 w 1139"/>
-                <a:gd name="T101" fmla="*/ 40 h 220"/>
-                <a:gd name="T102" fmla="*/ 1019 w 1139"/>
-                <a:gd name="T103" fmla="*/ 54 h 220"/>
-                <a:gd name="T104" fmla="*/ 1055 w 1139"/>
-                <a:gd name="T105" fmla="*/ 32 h 220"/>
-                <a:gd name="T106" fmla="*/ 1056 w 1139"/>
-                <a:gd name="T107" fmla="*/ 3 h 220"/>
-                <a:gd name="T108" fmla="*/ 991 w 1139"/>
-                <a:gd name="T109" fmla="*/ 25 h 220"/>
-                <a:gd name="T110" fmla="*/ 961 w 1139"/>
-                <a:gd name="T111" fmla="*/ 72 h 220"/>
-                <a:gd name="T112" fmla="*/ 985 w 1139"/>
-                <a:gd name="T113" fmla="*/ 217 h 220"/>
-                <a:gd name="T114" fmla="*/ 1070 w 1139"/>
-                <a:gd name="T115" fmla="*/ 100 h 220"/>
-                <a:gd name="T116" fmla="*/ 1127 w 1139"/>
-                <a:gd name="T117" fmla="*/ 219 h 220"/>
-                <a:gd name="T118" fmla="*/ 1139 w 1139"/>
-                <a:gd name="T119" fmla="*/ 187 h 220"/>
-                <a:gd name="T120" fmla="*/ 1123 w 1139"/>
-                <a:gd name="T121" fmla="*/ 192 h 220"/>
-                <a:gd name="T122" fmla="*/ 1104 w 1139"/>
-                <a:gd name="T123" fmla="*/ 100 h 220"/>
-              </a:gdLst>
-              <a:ahLst/>
-              <a:cxnLst>
-                <a:cxn ang="0">
-                  <a:pos x="T0" y="T1"/>
-                </a:cxn>
-                <a:cxn ang="0">
-                  <a:pos x="T2" y="T3"/>
-                </a:cxn>
-                <a:cxn ang="0">
-                  <a:pos x="T4" y="T5"/>
-                </a:cxn>
-                <a:cxn ang="0">
-                  <a:pos x="T6" y="T7"/>
-                </a:cxn>
-                <a:cxn ang="0">
-                  <a:pos x="T8" y="T9"/>
-                </a:cxn>
-                <a:cxn ang="0">
-                  <a:pos x="T10" y="T11"/>
-                </a:cxn>
-                <a:cxn ang="0">
-                  <a:pos x="T12" y="T13"/>
-                </a:cxn>
-                <a:cxn ang="0">
-                  <a:pos x="T14" y="T15"/>
-                </a:cxn>
-                <a:cxn ang="0">
-                  <a:pos x="T16" y="T17"/>
-                </a:cxn>
-                <a:cxn ang="0">
-                  <a:pos x="T18" y="T19"/>
-                </a:cxn>
-                <a:cxn ang="0">
-                  <a:pos x="T20" y="T21"/>
-                </a:cxn>
-                <a:cxn ang="0">
-                  <a:pos x="T22" y="T23"/>
-                </a:cxn>
-                <a:cxn ang="0">
-                  <a:pos x="T24" y="T25"/>
-                </a:cxn>
-                <a:cxn ang="0">
-                  <a:pos x="T26" y="T27"/>
-                </a:cxn>
-                <a:cxn ang="0">
-                  <a:pos x="T28" y="T29"/>
-                </a:cxn>
-                <a:cxn ang="0">
-                  <a:pos x="T30" y="T31"/>
-                </a:cxn>
-                <a:cxn ang="0">
-                  <a:pos x="T32" y="T33"/>
-                </a:cxn>
-                <a:cxn ang="0">
-                  <a:pos x="T34" y="T35"/>
-                </a:cxn>
-                <a:cxn ang="0">
-                  <a:pos x="T36" y="T37"/>
-                </a:cxn>
-                <a:cxn ang="0">
-                  <a:pos x="T38" y="T39"/>
-                </a:cxn>
-                <a:cxn ang="0">
-                  <a:pos x="T40" y="T41"/>
-                </a:cxn>
-                <a:cxn ang="0">
-                  <a:pos x="T42" y="T43"/>
-                </a:cxn>
-                <a:cxn ang="0">
-                  <a:pos x="T44" y="T45"/>
-                </a:cxn>
-                <a:cxn ang="0">
-                  <a:pos x="T46" y="T47"/>
-                </a:cxn>
-                <a:cxn ang="0">
-                  <a:pos x="T48" y="T49"/>
-                </a:cxn>
-                <a:cxn ang="0">
-                  <a:pos x="T50" y="T51"/>
-                </a:cxn>
-                <a:cxn ang="0">
-                  <a:pos x="T52" y="T53"/>
-                </a:cxn>
-                <a:cxn ang="0">
-                  <a:pos x="T54" y="T55"/>
-                </a:cxn>
-                <a:cxn ang="0">
-                  <a:pos x="T56" y="T57"/>
-                </a:cxn>
-                <a:cxn ang="0">
-                  <a:pos x="T58" y="T59"/>
-                </a:cxn>
-                <a:cxn ang="0">
-                  <a:pos x="T60" y="T61"/>
-                </a:cxn>
-                <a:cxn ang="0">
-                  <a:pos x="T62" y="T63"/>
-                </a:cxn>
-                <a:cxn ang="0">
-                  <a:pos x="T64" y="T65"/>
-                </a:cxn>
-                <a:cxn ang="0">
-                  <a:pos x="T66" y="T67"/>
-                </a:cxn>
-                <a:cxn ang="0">
-                  <a:pos x="T68" y="T69"/>
-                </a:cxn>
-                <a:cxn ang="0">
-                  <a:pos x="T70" y="T71"/>
-                </a:cxn>
-                <a:cxn ang="0">
-                  <a:pos x="T72" y="T73"/>
-                </a:cxn>
-                <a:cxn ang="0">
-                  <a:pos x="T74" y="T75"/>
-                </a:cxn>
-                <a:cxn ang="0">
-                  <a:pos x="T76" y="T77"/>
-                </a:cxn>
-                <a:cxn ang="0">
-                  <a:pos x="T78" y="T79"/>
-                </a:cxn>
-                <a:cxn ang="0">
-                  <a:pos x="T80" y="T81"/>
-                </a:cxn>
-                <a:cxn ang="0">
-                  <a:pos x="T82" y="T83"/>
-                </a:cxn>
-                <a:cxn ang="0">
-                  <a:pos x="T84" y="T85"/>
-                </a:cxn>
-                <a:cxn ang="0">
-                  <a:pos x="T86" y="T87"/>
-                </a:cxn>
-                <a:cxn ang="0">
-                  <a:pos x="T88" y="T89"/>
-                </a:cxn>
-                <a:cxn ang="0">
-                  <a:pos x="T90" y="T91"/>
-                </a:cxn>
-                <a:cxn ang="0">
-                  <a:pos x="T92" y="T93"/>
-                </a:cxn>
-                <a:cxn ang="0">
-                  <a:pos x="T94" y="T95"/>
-                </a:cxn>
-                <a:cxn ang="0">
-                  <a:pos x="T96" y="T97"/>
-                </a:cxn>
-                <a:cxn ang="0">
-                  <a:pos x="T98" y="T99"/>
-                </a:cxn>
-                <a:cxn ang="0">
-                  <a:pos x="T100" y="T101"/>
-                </a:cxn>
-                <a:cxn ang="0">
-                  <a:pos x="T102" y="T103"/>
-                </a:cxn>
-                <a:cxn ang="0">
-                  <a:pos x="T104" y="T105"/>
-                </a:cxn>
-                <a:cxn ang="0">
-                  <a:pos x="T106" y="T107"/>
-                </a:cxn>
-                <a:cxn ang="0">
-                  <a:pos x="T108" y="T109"/>
-                </a:cxn>
-                <a:cxn ang="0">
-                  <a:pos x="T110" y="T111"/>
-                </a:cxn>
-                <a:cxn ang="0">
-                  <a:pos x="T112" y="T113"/>
-                </a:cxn>
-                <a:cxn ang="0">
-                  <a:pos x="T114" y="T115"/>
-                </a:cxn>
-                <a:cxn ang="0">
-                  <a:pos x="T116" y="T117"/>
-                </a:cxn>
-                <a:cxn ang="0">
-                  <a:pos x="T118" y="T119"/>
-                </a:cxn>
-                <a:cxn ang="0">
-                  <a:pos x="T120" y="T121"/>
-                </a:cxn>
-                <a:cxn ang="0">
-                  <a:pos x="T122" y="T123"/>
-                </a:cxn>
-              </a:cxnLst>
-              <a:rect l="0" t="0" r="r" b="b"/>
-              <a:pathLst>
-                <a:path w="1139" h="220">
-                  <a:moveTo>
-                    <a:pt x="171" y="15"/>
-                  </a:moveTo>
-                  <a:cubicBezTo>
-                    <a:pt x="218" y="15"/>
-                    <a:pt x="218" y="15"/>
-                    <a:pt x="218" y="15"/>
-                  </a:cubicBezTo>
-                  <a:cubicBezTo>
-                    <a:pt x="218" y="217"/>
-                    <a:pt x="218" y="217"/>
-                    <a:pt x="218" y="217"/>
-                  </a:cubicBezTo>
-                  <a:cubicBezTo>
-                    <a:pt x="184" y="217"/>
-                    <a:pt x="184" y="217"/>
-                    <a:pt x="184" y="217"/>
-                  </a:cubicBezTo>
-                  <a:cubicBezTo>
-                    <a:pt x="184" y="89"/>
-                    <a:pt x="184" y="89"/>
-                    <a:pt x="184" y="89"/>
-                  </a:cubicBezTo>
-                  <a:cubicBezTo>
-                    <a:pt x="184" y="80"/>
-                    <a:pt x="184" y="67"/>
-                    <a:pt x="185" y="52"/>
-                  </a:cubicBezTo>
-                  <a:cubicBezTo>
-                    <a:pt x="185" y="52"/>
-                    <a:pt x="185" y="52"/>
-                    <a:pt x="185" y="52"/>
-                  </a:cubicBezTo>
-                  <a:cubicBezTo>
-                    <a:pt x="183" y="58"/>
-                    <a:pt x="182" y="65"/>
-                    <a:pt x="180" y="68"/>
-                  </a:cubicBezTo>
-                  <a:cubicBezTo>
-                    <a:pt x="120" y="217"/>
-                    <a:pt x="120" y="217"/>
-                    <a:pt x="120" y="217"/>
-                  </a:cubicBezTo>
-                  <a:cubicBezTo>
-                    <a:pt x="97" y="217"/>
-                    <a:pt x="97" y="217"/>
-                    <a:pt x="97" y="217"/>
-                  </a:cubicBezTo>
-                  <a:cubicBezTo>
-                    <a:pt x="37" y="70"/>
-                    <a:pt x="37" y="70"/>
-                    <a:pt x="37" y="70"/>
-                  </a:cubicBezTo>
-                  <a:cubicBezTo>
-                    <a:pt x="36" y="66"/>
-                    <a:pt x="34" y="60"/>
-                    <a:pt x="32" y="52"/>
-                  </a:cubicBezTo>
-                  <a:cubicBezTo>
-                    <a:pt x="31" y="52"/>
-                    <a:pt x="31" y="52"/>
-                    <a:pt x="31" y="52"/>
-                  </a:cubicBezTo>
-                  <a:cubicBezTo>
-                    <a:pt x="32" y="56"/>
-                    <a:pt x="32" y="60"/>
-                    <a:pt x="32" y="65"/>
-                  </a:cubicBezTo>
-                  <a:cubicBezTo>
-                    <a:pt x="33" y="76"/>
-                    <a:pt x="33" y="85"/>
-                    <a:pt x="33" y="93"/>
-                  </a:cubicBezTo>
-                  <a:cubicBezTo>
-                    <a:pt x="33" y="217"/>
-                    <a:pt x="33" y="217"/>
-                    <a:pt x="33" y="217"/>
-                  </a:cubicBezTo>
-                  <a:cubicBezTo>
-                    <a:pt x="0" y="217"/>
-                    <a:pt x="0" y="217"/>
-                    <a:pt x="0" y="217"/>
-                  </a:cubicBezTo>
-                  <a:cubicBezTo>
-                    <a:pt x="0" y="15"/>
-                    <a:pt x="0" y="15"/>
-                    <a:pt x="0" y="15"/>
-                  </a:cubicBezTo>
-                  <a:cubicBezTo>
-                    <a:pt x="50" y="15"/>
-                    <a:pt x="50" y="15"/>
-                    <a:pt x="50" y="15"/>
-                  </a:cubicBezTo>
-                  <a:cubicBezTo>
-                    <a:pt x="100" y="142"/>
-                    <a:pt x="100" y="142"/>
-                    <a:pt x="100" y="142"/>
-                  </a:cubicBezTo>
-                  <a:cubicBezTo>
-                    <a:pt x="105" y="153"/>
-                    <a:pt x="108" y="162"/>
-                    <a:pt x="109" y="168"/>
-                  </a:cubicBezTo>
-                  <a:cubicBezTo>
-                    <a:pt x="110" y="168"/>
-                    <a:pt x="110" y="168"/>
-                    <a:pt x="110" y="168"/>
-                  </a:cubicBezTo>
-                  <a:cubicBezTo>
-                    <a:pt x="119" y="142"/>
-                    <a:pt x="119" y="142"/>
-                    <a:pt x="119" y="142"/>
-                  </a:cubicBezTo>
-                  <a:lnTo>
-                    <a:pt x="171" y="15"/>
-                  </a:lnTo>
-                  <a:close/>
-                  <a:moveTo>
-                    <a:pt x="251" y="217"/>
-                  </a:moveTo>
-                  <a:cubicBezTo>
-                    <a:pt x="285" y="217"/>
-                    <a:pt x="285" y="217"/>
-                    <a:pt x="285" y="217"/>
-                  </a:cubicBezTo>
-                  <a:cubicBezTo>
-                    <a:pt x="285" y="72"/>
-                    <a:pt x="285" y="72"/>
-                    <a:pt x="285" y="72"/>
-                  </a:cubicBezTo>
-                  <a:cubicBezTo>
-                    <a:pt x="251" y="72"/>
-                    <a:pt x="251" y="72"/>
-                    <a:pt x="251" y="72"/>
-                  </a:cubicBezTo>
-                  <a:lnTo>
-                    <a:pt x="251" y="217"/>
-                  </a:lnTo>
-                  <a:close/>
-                  <a:moveTo>
-                    <a:pt x="269" y="11"/>
-                  </a:moveTo>
-                  <a:cubicBezTo>
-                    <a:pt x="263" y="11"/>
-                    <a:pt x="258" y="13"/>
-                    <a:pt x="254" y="17"/>
-                  </a:cubicBezTo>
-                  <a:cubicBezTo>
-                    <a:pt x="250" y="20"/>
-                    <a:pt x="248" y="25"/>
-                    <a:pt x="248" y="31"/>
-                  </a:cubicBezTo>
-                  <a:cubicBezTo>
-                    <a:pt x="248" y="36"/>
-                    <a:pt x="250" y="41"/>
-                    <a:pt x="254" y="45"/>
-                  </a:cubicBezTo>
-                  <a:cubicBezTo>
-                    <a:pt x="258" y="48"/>
-                    <a:pt x="263" y="50"/>
-                    <a:pt x="269" y="50"/>
-                  </a:cubicBezTo>
-                  <a:cubicBezTo>
-                    <a:pt x="274" y="50"/>
-                    <a:pt x="279" y="48"/>
-                    <a:pt x="283" y="45"/>
-                  </a:cubicBezTo>
-                  <a:cubicBezTo>
-                    <a:pt x="287" y="41"/>
-                    <a:pt x="289" y="36"/>
-                    <a:pt x="289" y="31"/>
-                  </a:cubicBezTo>
-                  <a:cubicBezTo>
-                    <a:pt x="289" y="25"/>
-                    <a:pt x="287" y="21"/>
-                    <a:pt x="283" y="17"/>
-                  </a:cubicBezTo>
-                  <a:cubicBezTo>
-                    <a:pt x="279" y="13"/>
-                    <a:pt x="274" y="11"/>
-                    <a:pt x="269" y="11"/>
-                  </a:cubicBezTo>
-                  <a:close/>
-                  <a:moveTo>
-                    <a:pt x="405" y="71"/>
-                  </a:moveTo>
-                  <a:cubicBezTo>
-                    <a:pt x="399" y="69"/>
-                    <a:pt x="393" y="69"/>
-                    <a:pt x="386" y="69"/>
-                  </a:cubicBezTo>
-                  <a:cubicBezTo>
-                    <a:pt x="371" y="69"/>
-                    <a:pt x="357" y="72"/>
-                    <a:pt x="345" y="79"/>
-                  </a:cubicBezTo>
-                  <a:cubicBezTo>
-                    <a:pt x="333" y="85"/>
-                    <a:pt x="324" y="95"/>
-                    <a:pt x="318" y="107"/>
-                  </a:cubicBezTo>
-                  <a:cubicBezTo>
-                    <a:pt x="312" y="119"/>
-                    <a:pt x="309" y="133"/>
-                    <a:pt x="309" y="148"/>
-                  </a:cubicBezTo>
-                  <a:cubicBezTo>
-                    <a:pt x="309" y="162"/>
-                    <a:pt x="312" y="174"/>
-                    <a:pt x="318" y="185"/>
-                  </a:cubicBezTo>
-                  <a:cubicBezTo>
-                    <a:pt x="324" y="196"/>
-                    <a:pt x="332" y="205"/>
-                    <a:pt x="343" y="211"/>
-                  </a:cubicBezTo>
-                  <a:cubicBezTo>
-                    <a:pt x="354" y="217"/>
-                    <a:pt x="366" y="220"/>
-                    <a:pt x="380" y="220"/>
-                  </a:cubicBezTo>
-                  <a:cubicBezTo>
-                    <a:pt x="396" y="220"/>
-                    <a:pt x="410" y="217"/>
-                    <a:pt x="421" y="211"/>
-                  </a:cubicBezTo>
-                  <a:cubicBezTo>
-                    <a:pt x="422" y="210"/>
-                    <a:pt x="422" y="210"/>
-                    <a:pt x="422" y="210"/>
-                  </a:cubicBezTo>
-                  <a:cubicBezTo>
-                    <a:pt x="422" y="179"/>
-                    <a:pt x="422" y="179"/>
-                    <a:pt x="422" y="179"/>
-                  </a:cubicBezTo>
-                  <a:cubicBezTo>
-                    <a:pt x="420" y="180"/>
-                    <a:pt x="420" y="180"/>
-                    <a:pt x="420" y="180"/>
-                  </a:cubicBezTo>
-                  <a:cubicBezTo>
-                    <a:pt x="415" y="184"/>
-                    <a:pt x="410" y="187"/>
-                    <a:pt x="404" y="189"/>
-                  </a:cubicBezTo>
-                  <a:cubicBezTo>
-                    <a:pt x="398" y="191"/>
-                    <a:pt x="392" y="192"/>
-                    <a:pt x="387" y="192"/>
-                  </a:cubicBezTo>
-                  <a:cubicBezTo>
-                    <a:pt x="374" y="192"/>
-                    <a:pt x="363" y="188"/>
-                    <a:pt x="355" y="180"/>
-                  </a:cubicBezTo>
-                  <a:cubicBezTo>
-                    <a:pt x="348" y="171"/>
-                    <a:pt x="344" y="160"/>
-                    <a:pt x="344" y="145"/>
-                  </a:cubicBezTo>
-                  <a:cubicBezTo>
-                    <a:pt x="344" y="131"/>
-                    <a:pt x="348" y="119"/>
-                    <a:pt x="356" y="110"/>
-                  </a:cubicBezTo>
-                  <a:cubicBezTo>
-                    <a:pt x="364" y="101"/>
-                    <a:pt x="375" y="97"/>
-                    <a:pt x="388" y="97"/>
-                  </a:cubicBezTo>
-                  <a:cubicBezTo>
-                    <a:pt x="399" y="97"/>
-                    <a:pt x="410" y="101"/>
-                    <a:pt x="420" y="108"/>
-                  </a:cubicBezTo>
-                  <a:cubicBezTo>
-                    <a:pt x="422" y="109"/>
-                    <a:pt x="422" y="109"/>
-                    <a:pt x="422" y="109"/>
-                  </a:cubicBezTo>
-                  <a:cubicBezTo>
-                    <a:pt x="422" y="76"/>
-                    <a:pt x="422" y="76"/>
-                    <a:pt x="422" y="76"/>
-                  </a:cubicBezTo>
-                  <a:cubicBezTo>
-                    <a:pt x="421" y="76"/>
-                    <a:pt x="421" y="76"/>
-                    <a:pt x="421" y="76"/>
-                  </a:cubicBezTo>
-                  <a:cubicBezTo>
-                    <a:pt x="417" y="74"/>
-                    <a:pt x="412" y="72"/>
-                    <a:pt x="405" y="71"/>
-                  </a:cubicBezTo>
-                  <a:close/>
-                  <a:moveTo>
-                    <a:pt x="517" y="70"/>
-                  </a:moveTo>
-                  <a:cubicBezTo>
-                    <a:pt x="509" y="70"/>
-                    <a:pt x="501" y="72"/>
-                    <a:pt x="495" y="78"/>
-                  </a:cubicBezTo>
-                  <a:cubicBezTo>
-                    <a:pt x="489" y="83"/>
-                    <a:pt x="485" y="89"/>
-                    <a:pt x="482" y="97"/>
-                  </a:cubicBezTo>
-                  <a:cubicBezTo>
-                    <a:pt x="481" y="97"/>
-                    <a:pt x="481" y="97"/>
-                    <a:pt x="481" y="97"/>
-                  </a:cubicBezTo>
-                  <a:cubicBezTo>
-                    <a:pt x="481" y="72"/>
-                    <a:pt x="481" y="72"/>
-                    <a:pt x="481" y="72"/>
-                  </a:cubicBezTo>
-                  <a:cubicBezTo>
-                    <a:pt x="447" y="72"/>
-                    <a:pt x="447" y="72"/>
-                    <a:pt x="447" y="72"/>
-                  </a:cubicBezTo>
-                  <a:cubicBezTo>
-                    <a:pt x="447" y="217"/>
-                    <a:pt x="447" y="217"/>
-                    <a:pt x="447" y="217"/>
-                  </a:cubicBezTo>
-                  <a:cubicBezTo>
-                    <a:pt x="481" y="217"/>
-                    <a:pt x="481" y="217"/>
-                    <a:pt x="481" y="217"/>
-                  </a:cubicBezTo>
-                  <a:cubicBezTo>
-                    <a:pt x="481" y="143"/>
-                    <a:pt x="481" y="143"/>
-                    <a:pt x="481" y="143"/>
-                  </a:cubicBezTo>
-                  <a:cubicBezTo>
-                    <a:pt x="481" y="130"/>
-                    <a:pt x="484" y="120"/>
-                    <a:pt x="490" y="112"/>
-                  </a:cubicBezTo>
-                  <a:cubicBezTo>
-                    <a:pt x="495" y="104"/>
-                    <a:pt x="503" y="100"/>
-                    <a:pt x="512" y="100"/>
-                  </a:cubicBezTo>
-                  <a:cubicBezTo>
-                    <a:pt x="515" y="100"/>
-                    <a:pt x="518" y="101"/>
-                    <a:pt x="522" y="102"/>
-                  </a:cubicBezTo>
-                  <a:cubicBezTo>
-                    <a:pt x="526" y="103"/>
-                    <a:pt x="528" y="104"/>
-                    <a:pt x="530" y="105"/>
-                  </a:cubicBezTo>
-                  <a:cubicBezTo>
-                    <a:pt x="531" y="106"/>
-                    <a:pt x="531" y="106"/>
-                    <a:pt x="531" y="106"/>
-                  </a:cubicBezTo>
-                  <a:cubicBezTo>
-                    <a:pt x="531" y="72"/>
-                    <a:pt x="531" y="72"/>
-                    <a:pt x="531" y="72"/>
-                  </a:cubicBezTo>
-                  <a:cubicBezTo>
-                    <a:pt x="531" y="72"/>
-                    <a:pt x="531" y="72"/>
-                    <a:pt x="531" y="72"/>
-                  </a:cubicBezTo>
-                  <a:cubicBezTo>
-                    <a:pt x="528" y="70"/>
-                    <a:pt x="523" y="70"/>
-                    <a:pt x="517" y="70"/>
-                  </a:cubicBezTo>
-                  <a:close/>
-                  <a:moveTo>
-                    <a:pt x="663" y="89"/>
-                  </a:moveTo>
-                  <a:cubicBezTo>
-                    <a:pt x="675" y="102"/>
-                    <a:pt x="682" y="120"/>
-                    <a:pt x="682" y="143"/>
-                  </a:cubicBezTo>
-                  <a:cubicBezTo>
-                    <a:pt x="682" y="166"/>
-                    <a:pt x="675" y="185"/>
-                    <a:pt x="661" y="199"/>
-                  </a:cubicBezTo>
-                  <a:cubicBezTo>
-                    <a:pt x="648" y="213"/>
-                    <a:pt x="629" y="220"/>
-                    <a:pt x="606" y="220"/>
-                  </a:cubicBezTo>
-                  <a:cubicBezTo>
-                    <a:pt x="584" y="220"/>
-                    <a:pt x="566" y="213"/>
-                    <a:pt x="553" y="200"/>
-                  </a:cubicBezTo>
-                  <a:cubicBezTo>
-                    <a:pt x="540" y="187"/>
-                    <a:pt x="533" y="169"/>
-                    <a:pt x="533" y="146"/>
-                  </a:cubicBezTo>
-                  <a:cubicBezTo>
-                    <a:pt x="533" y="122"/>
-                    <a:pt x="540" y="103"/>
-                    <a:pt x="553" y="89"/>
-                  </a:cubicBezTo>
-                  <a:cubicBezTo>
-                    <a:pt x="567" y="76"/>
-                    <a:pt x="586" y="69"/>
-                    <a:pt x="610" y="69"/>
-                  </a:cubicBezTo>
-                  <a:cubicBezTo>
-                    <a:pt x="632" y="69"/>
-                    <a:pt x="650" y="75"/>
-                    <a:pt x="663" y="89"/>
-                  </a:cubicBezTo>
-                  <a:close/>
-                  <a:moveTo>
-                    <a:pt x="646" y="144"/>
-                  </a:moveTo>
-                  <a:cubicBezTo>
-                    <a:pt x="646" y="129"/>
-                    <a:pt x="643" y="117"/>
-                    <a:pt x="636" y="109"/>
-                  </a:cubicBezTo>
-                  <a:cubicBezTo>
-                    <a:pt x="629" y="101"/>
-                    <a:pt x="620" y="97"/>
-                    <a:pt x="608" y="97"/>
-                  </a:cubicBezTo>
-                  <a:cubicBezTo>
-                    <a:pt x="596" y="97"/>
-                    <a:pt x="586" y="101"/>
-                    <a:pt x="579" y="109"/>
-                  </a:cubicBezTo>
-                  <a:cubicBezTo>
-                    <a:pt x="572" y="118"/>
-                    <a:pt x="568" y="130"/>
-                    <a:pt x="568" y="145"/>
-                  </a:cubicBezTo>
-                  <a:cubicBezTo>
-                    <a:pt x="568" y="160"/>
-                    <a:pt x="572" y="172"/>
-                    <a:pt x="579" y="180"/>
-                  </a:cubicBezTo>
-                  <a:cubicBezTo>
-                    <a:pt x="586" y="188"/>
-                    <a:pt x="596" y="192"/>
-                    <a:pt x="608" y="192"/>
-                  </a:cubicBezTo>
-                  <a:cubicBezTo>
-                    <a:pt x="621" y="192"/>
-                    <a:pt x="630" y="188"/>
-                    <a:pt x="637" y="180"/>
-                  </a:cubicBezTo>
-                  <a:cubicBezTo>
-                    <a:pt x="643" y="172"/>
-                    <a:pt x="646" y="160"/>
-                    <a:pt x="646" y="144"/>
-                  </a:cubicBezTo>
-                  <a:close/>
-                  <a:moveTo>
-                    <a:pt x="757" y="132"/>
-                  </a:moveTo>
-                  <a:cubicBezTo>
-                    <a:pt x="746" y="128"/>
-                    <a:pt x="739" y="124"/>
-                    <a:pt x="737" y="121"/>
-                  </a:cubicBezTo>
-                  <a:cubicBezTo>
-                    <a:pt x="734" y="119"/>
-                    <a:pt x="732" y="115"/>
-                    <a:pt x="732" y="110"/>
-                  </a:cubicBezTo>
-                  <a:cubicBezTo>
-                    <a:pt x="732" y="106"/>
-                    <a:pt x="734" y="103"/>
-                    <a:pt x="738" y="100"/>
-                  </a:cubicBezTo>
-                  <a:cubicBezTo>
-                    <a:pt x="741" y="97"/>
-                    <a:pt x="746" y="96"/>
-                    <a:pt x="752" y="96"/>
-                  </a:cubicBezTo>
-                  <a:cubicBezTo>
-                    <a:pt x="758" y="96"/>
-                    <a:pt x="764" y="97"/>
-                    <a:pt x="770" y="98"/>
-                  </a:cubicBezTo>
-                  <a:cubicBezTo>
-                    <a:pt x="776" y="100"/>
-                    <a:pt x="781" y="103"/>
-                    <a:pt x="785" y="105"/>
-                  </a:cubicBezTo>
-                  <a:cubicBezTo>
-                    <a:pt x="786" y="106"/>
-                    <a:pt x="786" y="106"/>
-                    <a:pt x="786" y="106"/>
-                  </a:cubicBezTo>
-                  <a:cubicBezTo>
-                    <a:pt x="786" y="75"/>
-                    <a:pt x="786" y="75"/>
-                    <a:pt x="786" y="75"/>
-                  </a:cubicBezTo>
-                  <a:cubicBezTo>
-                    <a:pt x="786" y="75"/>
-                    <a:pt x="786" y="75"/>
-                    <a:pt x="786" y="75"/>
-                  </a:cubicBezTo>
-                  <a:cubicBezTo>
-                    <a:pt x="782" y="73"/>
-                    <a:pt x="777" y="72"/>
-                    <a:pt x="770" y="70"/>
-                  </a:cubicBezTo>
-                  <a:cubicBezTo>
-                    <a:pt x="764" y="69"/>
-                    <a:pt x="758" y="69"/>
-                    <a:pt x="753" y="69"/>
-                  </a:cubicBezTo>
-                  <a:cubicBezTo>
-                    <a:pt x="737" y="69"/>
-                    <a:pt x="724" y="73"/>
-                    <a:pt x="714" y="81"/>
-                  </a:cubicBezTo>
-                  <a:cubicBezTo>
-                    <a:pt x="703" y="89"/>
-                    <a:pt x="698" y="100"/>
-                    <a:pt x="698" y="113"/>
-                  </a:cubicBezTo>
-                  <a:cubicBezTo>
-                    <a:pt x="698" y="120"/>
-                    <a:pt x="699" y="126"/>
-                    <a:pt x="701" y="131"/>
-                  </a:cubicBezTo>
-                  <a:cubicBezTo>
-                    <a:pt x="704" y="136"/>
-                    <a:pt x="707" y="141"/>
-                    <a:pt x="712" y="144"/>
-                  </a:cubicBezTo>
-                  <a:cubicBezTo>
-                    <a:pt x="716" y="148"/>
-                    <a:pt x="723" y="152"/>
-                    <a:pt x="733" y="156"/>
-                  </a:cubicBezTo>
-                  <a:cubicBezTo>
-                    <a:pt x="740" y="159"/>
-                    <a:pt x="746" y="162"/>
-                    <a:pt x="750" y="164"/>
-                  </a:cubicBezTo>
-                  <a:cubicBezTo>
-                    <a:pt x="754" y="166"/>
-                    <a:pt x="756" y="168"/>
-                    <a:pt x="758" y="171"/>
-                  </a:cubicBezTo>
-                  <a:cubicBezTo>
-                    <a:pt x="759" y="173"/>
-                    <a:pt x="760" y="175"/>
-                    <a:pt x="760" y="179"/>
-                  </a:cubicBezTo>
-                  <a:cubicBezTo>
-                    <a:pt x="760" y="188"/>
-                    <a:pt x="753" y="193"/>
-                    <a:pt x="738" y="193"/>
-                  </a:cubicBezTo>
-                  <a:cubicBezTo>
-                    <a:pt x="732" y="193"/>
-                    <a:pt x="726" y="192"/>
-                    <a:pt x="719" y="190"/>
-                  </a:cubicBezTo>
-                  <a:cubicBezTo>
-                    <a:pt x="712" y="187"/>
-                    <a:pt x="705" y="184"/>
-                    <a:pt x="700" y="180"/>
-                  </a:cubicBezTo>
-                  <a:cubicBezTo>
-                    <a:pt x="698" y="179"/>
-                    <a:pt x="698" y="179"/>
-                    <a:pt x="698" y="179"/>
-                  </a:cubicBezTo>
-                  <a:cubicBezTo>
-                    <a:pt x="698" y="212"/>
-                    <a:pt x="698" y="212"/>
-                    <a:pt x="698" y="212"/>
-                  </a:cubicBezTo>
-                  <a:cubicBezTo>
-                    <a:pt x="699" y="212"/>
-                    <a:pt x="699" y="212"/>
-                    <a:pt x="699" y="212"/>
-                  </a:cubicBezTo>
-                  <a:cubicBezTo>
-                    <a:pt x="703" y="215"/>
-                    <a:pt x="710" y="216"/>
-                    <a:pt x="717" y="218"/>
-                  </a:cubicBezTo>
-                  <a:cubicBezTo>
-                    <a:pt x="724" y="219"/>
-                    <a:pt x="731" y="220"/>
-                    <a:pt x="736" y="220"/>
-                  </a:cubicBezTo>
-                  <a:cubicBezTo>
-                    <a:pt x="754" y="220"/>
-                    <a:pt x="768" y="216"/>
-                    <a:pt x="778" y="208"/>
-                  </a:cubicBezTo>
-                  <a:cubicBezTo>
-                    <a:pt x="789" y="199"/>
-                    <a:pt x="794" y="188"/>
-                    <a:pt x="794" y="175"/>
-                  </a:cubicBezTo>
-                  <a:cubicBezTo>
-                    <a:pt x="794" y="165"/>
-                    <a:pt x="791" y="157"/>
-                    <a:pt x="786" y="150"/>
-                  </a:cubicBezTo>
-                  <a:cubicBezTo>
-                    <a:pt x="780" y="143"/>
-                    <a:pt x="770" y="137"/>
-                    <a:pt x="757" y="132"/>
-                  </a:cubicBezTo>
-                  <a:close/>
-                  <a:moveTo>
-                    <a:pt x="938" y="89"/>
-                  </a:moveTo>
-                  <a:cubicBezTo>
-                    <a:pt x="951" y="102"/>
-                    <a:pt x="957" y="120"/>
-                    <a:pt x="957" y="143"/>
-                  </a:cubicBezTo>
-                  <a:cubicBezTo>
-                    <a:pt x="957" y="166"/>
-                    <a:pt x="951" y="185"/>
-                    <a:pt x="937" y="199"/>
-                  </a:cubicBezTo>
-                  <a:cubicBezTo>
-                    <a:pt x="924" y="213"/>
-                    <a:pt x="905" y="220"/>
-                    <a:pt x="882" y="220"/>
-                  </a:cubicBezTo>
-                  <a:cubicBezTo>
-                    <a:pt x="860" y="220"/>
-                    <a:pt x="842" y="213"/>
-                    <a:pt x="829" y="200"/>
-                  </a:cubicBezTo>
-                  <a:cubicBezTo>
-                    <a:pt x="816" y="187"/>
-                    <a:pt x="809" y="169"/>
-                    <a:pt x="809" y="146"/>
-                  </a:cubicBezTo>
-                  <a:cubicBezTo>
-                    <a:pt x="809" y="122"/>
-                    <a:pt x="816" y="103"/>
-                    <a:pt x="829" y="89"/>
-                  </a:cubicBezTo>
-                  <a:cubicBezTo>
-                    <a:pt x="843" y="76"/>
-                    <a:pt x="862" y="69"/>
-                    <a:pt x="885" y="69"/>
-                  </a:cubicBezTo>
-                  <a:cubicBezTo>
-                    <a:pt x="908" y="69"/>
-                    <a:pt x="926" y="75"/>
-                    <a:pt x="938" y="89"/>
-                  </a:cubicBezTo>
-                  <a:close/>
-                  <a:moveTo>
-                    <a:pt x="922" y="144"/>
-                  </a:moveTo>
-                  <a:cubicBezTo>
-                    <a:pt x="922" y="129"/>
-                    <a:pt x="919" y="117"/>
-                    <a:pt x="912" y="109"/>
-                  </a:cubicBezTo>
-                  <a:cubicBezTo>
-                    <a:pt x="905" y="101"/>
-                    <a:pt x="896" y="97"/>
-                    <a:pt x="884" y="97"/>
-                  </a:cubicBezTo>
-                  <a:cubicBezTo>
-                    <a:pt x="871" y="97"/>
-                    <a:pt x="862" y="101"/>
-                    <a:pt x="855" y="109"/>
-                  </a:cubicBezTo>
-                  <a:cubicBezTo>
-                    <a:pt x="848" y="118"/>
-                    <a:pt x="844" y="130"/>
-                    <a:pt x="844" y="145"/>
-                  </a:cubicBezTo>
-                  <a:cubicBezTo>
-                    <a:pt x="844" y="160"/>
-                    <a:pt x="848" y="172"/>
-                    <a:pt x="855" y="180"/>
-                  </a:cubicBezTo>
-                  <a:cubicBezTo>
-                    <a:pt x="862" y="188"/>
-                    <a:pt x="871" y="192"/>
-                    <a:pt x="884" y="192"/>
-                  </a:cubicBezTo>
-                  <a:cubicBezTo>
-                    <a:pt x="896" y="192"/>
-                    <a:pt x="906" y="188"/>
-                    <a:pt x="912" y="180"/>
-                  </a:cubicBezTo>
-                  <a:cubicBezTo>
-                    <a:pt x="919" y="172"/>
-                    <a:pt x="922" y="160"/>
-                    <a:pt x="922" y="144"/>
-                  </a:cubicBezTo>
-                  <a:close/>
-                  <a:moveTo>
-                    <a:pt x="1139" y="100"/>
-                  </a:moveTo>
-                  <a:cubicBezTo>
-                    <a:pt x="1139" y="72"/>
-                    <a:pt x="1139" y="72"/>
-                    <a:pt x="1139" y="72"/>
-                  </a:cubicBezTo>
-                  <a:cubicBezTo>
-                    <a:pt x="1104" y="72"/>
-                    <a:pt x="1104" y="72"/>
-                    <a:pt x="1104" y="72"/>
-                  </a:cubicBezTo>
-                  <a:cubicBezTo>
-                    <a:pt x="1104" y="29"/>
-                    <a:pt x="1104" y="29"/>
-                    <a:pt x="1104" y="29"/>
-                  </a:cubicBezTo>
-                  <a:cubicBezTo>
-                    <a:pt x="1103" y="29"/>
-                    <a:pt x="1103" y="29"/>
-                    <a:pt x="1103" y="29"/>
-                  </a:cubicBezTo>
-                  <a:cubicBezTo>
-                    <a:pt x="1071" y="39"/>
-                    <a:pt x="1071" y="39"/>
-                    <a:pt x="1071" y="39"/>
-                  </a:cubicBezTo>
-                  <a:cubicBezTo>
-                    <a:pt x="1070" y="40"/>
-                    <a:pt x="1070" y="40"/>
-                    <a:pt x="1070" y="40"/>
-                  </a:cubicBezTo>
-                  <a:cubicBezTo>
-                    <a:pt x="1070" y="72"/>
-                    <a:pt x="1070" y="72"/>
-                    <a:pt x="1070" y="72"/>
-                  </a:cubicBezTo>
-                  <a:cubicBezTo>
-                    <a:pt x="1019" y="72"/>
-                    <a:pt x="1019" y="72"/>
-                    <a:pt x="1019" y="72"/>
-                  </a:cubicBezTo>
-                  <a:cubicBezTo>
-                    <a:pt x="1019" y="54"/>
-                    <a:pt x="1019" y="54"/>
-                    <a:pt x="1019" y="54"/>
-                  </a:cubicBezTo>
-                  <a:cubicBezTo>
-                    <a:pt x="1019" y="46"/>
-                    <a:pt x="1021" y="39"/>
-                    <a:pt x="1025" y="35"/>
-                  </a:cubicBezTo>
-                  <a:cubicBezTo>
-                    <a:pt x="1028" y="30"/>
-                    <a:pt x="1034" y="28"/>
-                    <a:pt x="1040" y="28"/>
-                  </a:cubicBezTo>
-                  <a:cubicBezTo>
-                    <a:pt x="1045" y="28"/>
-                    <a:pt x="1050" y="29"/>
-                    <a:pt x="1055" y="32"/>
-                  </a:cubicBezTo>
-                  <a:cubicBezTo>
-                    <a:pt x="1057" y="32"/>
-                    <a:pt x="1057" y="32"/>
-                    <a:pt x="1057" y="32"/>
-                  </a:cubicBezTo>
-                  <a:cubicBezTo>
-                    <a:pt x="1057" y="3"/>
-                    <a:pt x="1057" y="3"/>
-                    <a:pt x="1057" y="3"/>
-                  </a:cubicBezTo>
-                  <a:cubicBezTo>
-                    <a:pt x="1056" y="3"/>
-                    <a:pt x="1056" y="3"/>
-                    <a:pt x="1056" y="3"/>
-                  </a:cubicBezTo>
-                  <a:cubicBezTo>
-                    <a:pt x="1051" y="1"/>
-                    <a:pt x="1045" y="0"/>
-                    <a:pt x="1037" y="0"/>
-                  </a:cubicBezTo>
-                  <a:cubicBezTo>
-                    <a:pt x="1027" y="0"/>
-                    <a:pt x="1018" y="3"/>
-                    <a:pt x="1010" y="7"/>
-                  </a:cubicBezTo>
-                  <a:cubicBezTo>
-                    <a:pt x="1002" y="11"/>
-                    <a:pt x="996" y="17"/>
-                    <a:pt x="991" y="25"/>
-                  </a:cubicBezTo>
-                  <a:cubicBezTo>
-                    <a:pt x="987" y="33"/>
-                    <a:pt x="985" y="42"/>
-                    <a:pt x="985" y="52"/>
-                  </a:cubicBezTo>
-                  <a:cubicBezTo>
-                    <a:pt x="985" y="72"/>
-                    <a:pt x="985" y="72"/>
-                    <a:pt x="985" y="72"/>
-                  </a:cubicBezTo>
-                  <a:cubicBezTo>
-                    <a:pt x="961" y="72"/>
-                    <a:pt x="961" y="72"/>
-                    <a:pt x="961" y="72"/>
-                  </a:cubicBezTo>
-                  <a:cubicBezTo>
-                    <a:pt x="961" y="100"/>
-                    <a:pt x="961" y="100"/>
-                    <a:pt x="961" y="100"/>
-                  </a:cubicBezTo>
-                  <a:cubicBezTo>
-                    <a:pt x="985" y="100"/>
-                    <a:pt x="985" y="100"/>
-                    <a:pt x="985" y="100"/>
-                  </a:cubicBezTo>
-                  <a:cubicBezTo>
-                    <a:pt x="985" y="217"/>
-                    <a:pt x="985" y="217"/>
-                    <a:pt x="985" y="217"/>
-                  </a:cubicBezTo>
-                  <a:cubicBezTo>
-                    <a:pt x="1019" y="217"/>
-                    <a:pt x="1019" y="217"/>
-                    <a:pt x="1019" y="217"/>
-                  </a:cubicBezTo>
-                  <a:cubicBezTo>
-                    <a:pt x="1019" y="100"/>
-                    <a:pt x="1019" y="100"/>
-                    <a:pt x="1019" y="100"/>
-                  </a:cubicBezTo>
-                  <a:cubicBezTo>
-                    <a:pt x="1070" y="100"/>
-                    <a:pt x="1070" y="100"/>
-                    <a:pt x="1070" y="100"/>
-                  </a:cubicBezTo>
-                  <a:cubicBezTo>
-                    <a:pt x="1070" y="174"/>
-                    <a:pt x="1070" y="174"/>
-                    <a:pt x="1070" y="174"/>
-                  </a:cubicBezTo>
-                  <a:cubicBezTo>
-                    <a:pt x="1070" y="205"/>
-                    <a:pt x="1084" y="220"/>
-                    <a:pt x="1113" y="220"/>
-                  </a:cubicBezTo>
-                  <a:cubicBezTo>
-                    <a:pt x="1118" y="220"/>
-                    <a:pt x="1122" y="220"/>
-                    <a:pt x="1127" y="219"/>
-                  </a:cubicBezTo>
-                  <a:cubicBezTo>
-                    <a:pt x="1133" y="217"/>
-                    <a:pt x="1136" y="216"/>
-                    <a:pt x="1138" y="215"/>
-                  </a:cubicBezTo>
-                  <a:cubicBezTo>
-                    <a:pt x="1139" y="215"/>
-                    <a:pt x="1139" y="215"/>
-                    <a:pt x="1139" y="215"/>
-                  </a:cubicBezTo>
-                  <a:cubicBezTo>
-                    <a:pt x="1139" y="187"/>
-                    <a:pt x="1139" y="187"/>
-                    <a:pt x="1139" y="187"/>
-                  </a:cubicBezTo>
-                  <a:cubicBezTo>
-                    <a:pt x="1137" y="188"/>
-                    <a:pt x="1137" y="188"/>
-                    <a:pt x="1137" y="188"/>
-                  </a:cubicBezTo>
-                  <a:cubicBezTo>
-                    <a:pt x="1135" y="189"/>
-                    <a:pt x="1133" y="190"/>
-                    <a:pt x="1130" y="191"/>
-                  </a:cubicBezTo>
-                  <a:cubicBezTo>
-                    <a:pt x="1127" y="192"/>
-                    <a:pt x="1125" y="192"/>
-                    <a:pt x="1123" y="192"/>
-                  </a:cubicBezTo>
-                  <a:cubicBezTo>
-                    <a:pt x="1117" y="192"/>
-                    <a:pt x="1112" y="190"/>
-                    <a:pt x="1109" y="187"/>
-                  </a:cubicBezTo>
-                  <a:cubicBezTo>
-                    <a:pt x="1106" y="183"/>
-                    <a:pt x="1104" y="177"/>
-                    <a:pt x="1104" y="168"/>
-                  </a:cubicBezTo>
-                  <a:cubicBezTo>
-                    <a:pt x="1104" y="100"/>
-                    <a:pt x="1104" y="100"/>
-                    <a:pt x="1104" y="100"/>
-                  </a:cubicBezTo>
-                  <a:lnTo>
-                    <a:pt x="1139" y="100"/>
-                  </a:lnTo>
-                  <a:close/>
-                </a:path>
-              </a:pathLst>
-            </a:custGeom>
-            <a:solidFill>
-              <a:srgbClr val="FFFFFF"/>
-            </a:solidFill>
-            <a:ln>
-              <a:noFill/>
-            </a:ln>
-          </p:spPr>
-          <p:txBody>
-            <a:bodyPr vert="horz" wrap="square" lIns="91440" tIns="45720" rIns="91440" bIns="45720" numCol="1" anchor="t" anchorCtr="0" compatLnSpc="1">
-              <a:prstTxWarp prst="textNoShape">
-                <a:avLst/>
-              </a:prstTxWarp>
-            </a:bodyPr>
-            <a:lstStyle/>
-            <a:p>
-              <a:endParaRPr lang="en-US" sz="1765" dirty="0"/>
-            </a:p>
-          </p:txBody>
-        </p:sp>
-      </p:grpSp>
-      <p:sp>
-        <p:nvSpPr>
-          <p:cNvPr id="8" name="Text Box 3"/>
-          <p:cNvSpPr txBox="1">
-            <a:spLocks noChangeArrowheads="1"/>
-          </p:cNvSpPr>
-          <p:nvPr userDrawn="1"/>
-        </p:nvSpPr>
-        <p:spPr bwMode="blackWhite">
-          <a:xfrm>
-            <a:off x="269240" y="6099190"/>
-            <a:ext cx="4482124" cy="467742"/>
-          </a:xfrm>
-          <a:prstGeom prst="rect">
-            <a:avLst/>
-          </a:prstGeom>
-          <a:noFill/>
-          <a:ln w="12700">
-            <a:noFill/>
-            <a:miter lim="800000"/>
-            <a:headEnd type="none" w="sm" len="sm"/>
-            <a:tailEnd type="none" w="sm" len="sm"/>
-          </a:ln>
-          <a:effectLst/>
-        </p:spPr>
-        <p:txBody>
-          <a:bodyPr vert="horz" wrap="square" lIns="179285" tIns="179285" rIns="179285" bIns="179285" numCol="1" anchor="t" anchorCtr="0" compatLnSpc="1">
-            <a:prstTxWarp prst="textNoShape">
-              <a:avLst/>
-            </a:prstTxWarp>
-            <a:spAutoFit/>
-          </a:bodyPr>
-          <a:lstStyle/>
-          <a:p>
-            <a:pPr defTabSz="913924" eaLnBrk="0" hangingPunct="0"/>
-            <a:r>
-              <a:rPr lang="en-US" sz="686" dirty="0">
-                <a:solidFill>
-                  <a:schemeClr val="bg1"/>
-                </a:solidFill>
-                <a:cs typeface="Segoe UI" pitchFamily="34" charset="0"/>
-              </a:rPr>
-              <a:t>© Copyright Microsoft Corporation. All rights reserved. </a:t>
-            </a:r>
-          </a:p>
-        </p:txBody>
-      </p:sp>
-    </p:spTree>
-    <p:extLst>
-      <p:ext uri="{BB962C8B-B14F-4D97-AF65-F5344CB8AC3E}">
-        <p14:creationId xmlns:p14="http://schemas.microsoft.com/office/powerpoint/2010/main" val="2349258608"/>
-      </p:ext>
-    </p:extLst>
-  </p:cSld>
-  <p:clrMapOvr>
-    <a:masterClrMapping/>
-  </p:clrMapOvr>
-  <p:transition>
-    <p:fade/>
-  </p:transition>
-</p:sldLayout>
-</file>
-
-<file path=ppt/slideLayouts/slideLayout11.xml><?xml version="1.0" encoding="utf-8"?>
 <p:sldLayout xmlns:a="http://schemas.openxmlformats.org/drawingml/2006/main" xmlns:r="http://schemas.openxmlformats.org/officeDocument/2006/relationships" xmlns:p="http://schemas.openxmlformats.org/presentationml/2006/main" preserve="1" userDrawn="1">
   <p:cSld name="3_Title Microsoft Cloud Workshop">
     <p:bg>
@@ -9563,2533 +7876,7 @@
 </p:sldLayout>
 </file>
 
-<file path=ppt/slideLayouts/slideLayout12.xml><?xml version="1.0" encoding="utf-8"?>
-<p:sldLayout xmlns:a="http://schemas.openxmlformats.org/drawingml/2006/main" xmlns:r="http://schemas.openxmlformats.org/officeDocument/2006/relationships" xmlns:p="http://schemas.openxmlformats.org/presentationml/2006/main" preserve="1" userDrawn="1">
-  <p:cSld name="2_Title Slide">
-    <p:bg>
-      <p:bgPr>
-        <a:solidFill>
-          <a:schemeClr val="bg2"/>
-        </a:solidFill>
-        <a:effectLst/>
-      </p:bgPr>
-    </p:bg>
-    <p:spTree>
-      <p:nvGrpSpPr>
-        <p:cNvPr id="1" name=""/>
-        <p:cNvGrpSpPr/>
-        <p:nvPr/>
-      </p:nvGrpSpPr>
-      <p:grpSpPr>
-        <a:xfrm>
-          <a:off x="0" y="0"/>
-          <a:ext cx="0" cy="0"/>
-          <a:chOff x="0" y="0"/>
-          <a:chExt cx="0" cy="0"/>
-        </a:xfrm>
-      </p:grpSpPr>
-      <p:sp>
-        <p:nvSpPr>
-          <p:cNvPr id="9" name="Title 1"/>
-          <p:cNvSpPr>
-            <a:spLocks noGrp="1"/>
-          </p:cNvSpPr>
-          <p:nvPr>
-            <p:ph type="title" hasCustomPrompt="1"/>
-          </p:nvPr>
-        </p:nvSpPr>
-        <p:spPr>
-          <a:xfrm>
-            <a:off x="269302" y="2084187"/>
-            <a:ext cx="8964185" cy="1793090"/>
-          </a:xfrm>
-          <a:noFill/>
-        </p:spPr>
-        <p:txBody>
-          <a:bodyPr lIns="146304" tIns="91440" rIns="146304" bIns="91440" anchor="t" anchorCtr="0"/>
-          <a:lstStyle>
-            <a:lvl1pPr>
-              <a:defRPr sz="5294" spc="-98" baseline="0">
-                <a:gradFill>
-                  <a:gsLst>
-                    <a:gs pos="62564">
-                      <a:schemeClr val="tx1"/>
-                    </a:gs>
-                    <a:gs pos="55000">
-                      <a:schemeClr val="tx1"/>
-                    </a:gs>
-                  </a:gsLst>
-                  <a:lin ang="5400000" scaled="0"/>
-                </a:gradFill>
-              </a:defRPr>
-            </a:lvl1pPr>
-          </a:lstStyle>
-          <a:p>
-            <a:r>
-              <a:rPr lang="en-US" dirty="0"/>
-              <a:t>Presentation title</a:t>
-            </a:r>
-          </a:p>
-        </p:txBody>
-      </p:sp>
-      <p:sp>
-        <p:nvSpPr>
-          <p:cNvPr id="5" name="Text Placeholder 4"/>
-          <p:cNvSpPr>
-            <a:spLocks noGrp="1"/>
-          </p:cNvSpPr>
-          <p:nvPr>
-            <p:ph type="body" sz="quarter" idx="12" hasCustomPrompt="1"/>
-          </p:nvPr>
-        </p:nvSpPr>
-        <p:spPr>
-          <a:xfrm>
-            <a:off x="269301" y="3878574"/>
-            <a:ext cx="7171337" cy="1792326"/>
-          </a:xfrm>
-          <a:noFill/>
-        </p:spPr>
-        <p:txBody>
-          <a:bodyPr lIns="164592" tIns="109728" rIns="164592" bIns="109728">
-            <a:noAutofit/>
-          </a:bodyPr>
-          <a:lstStyle>
-            <a:lvl1pPr marL="0" indent="0">
-              <a:spcBef>
-                <a:spcPts val="0"/>
-              </a:spcBef>
-              <a:buNone/>
-              <a:defRPr sz="3137" spc="0" baseline="0">
-                <a:gradFill>
-                  <a:gsLst>
-                    <a:gs pos="91000">
-                      <a:schemeClr val="tx1"/>
-                    </a:gs>
-                    <a:gs pos="0">
-                      <a:schemeClr val="tx1"/>
-                    </a:gs>
-                  </a:gsLst>
-                  <a:lin ang="5400000" scaled="0"/>
-                </a:gradFill>
-                <a:latin typeface="+mj-lt"/>
-              </a:defRPr>
-            </a:lvl1pPr>
-          </a:lstStyle>
-          <a:p>
-            <a:pPr lvl="0"/>
-            <a:r>
-              <a:rPr lang="en-US" dirty="0"/>
-              <a:t>Speaker name</a:t>
-            </a:r>
-          </a:p>
-        </p:txBody>
-      </p:sp>
-      <p:grpSp>
-        <p:nvGrpSpPr>
-          <p:cNvPr id="7" name="Group 6"/>
-          <p:cNvGrpSpPr>
-            <a:grpSpLocks noChangeAspect="1"/>
-          </p:cNvGrpSpPr>
-          <p:nvPr userDrawn="1"/>
-        </p:nvGrpSpPr>
-        <p:grpSpPr bwMode="black">
-          <a:xfrm>
-            <a:off x="459102" y="470067"/>
-            <a:ext cx="1419662" cy="304828"/>
-            <a:chOff x="457200" y="1643393"/>
-            <a:chExt cx="4492753" cy="964540"/>
-          </a:xfrm>
-        </p:grpSpPr>
-        <p:pic>
-          <p:nvPicPr>
-            <p:cNvPr id="8" name="Picture 7"/>
-            <p:cNvPicPr>
-              <a:picLocks noChangeAspect="1"/>
-            </p:cNvPicPr>
-            <p:nvPr/>
-          </p:nvPicPr>
-          <p:blipFill>
-            <a:blip r:embed="rId2"/>
-            <a:stretch>
-              <a:fillRect/>
-            </a:stretch>
-          </p:blipFill>
-          <p:spPr bwMode="black">
-            <a:xfrm>
-              <a:off x="457200" y="1643393"/>
-              <a:ext cx="964540" cy="964540"/>
-            </a:xfrm>
-            <a:prstGeom prst="rect">
-              <a:avLst/>
-            </a:prstGeom>
-          </p:spPr>
-        </p:pic>
-        <p:sp>
-          <p:nvSpPr>
-            <p:cNvPr id="10" name="Freeform 12"/>
-            <p:cNvSpPr>
-              <a:spLocks noEditPoints="1"/>
-            </p:cNvSpPr>
-            <p:nvPr/>
-          </p:nvSpPr>
-          <p:spPr bwMode="black">
-            <a:xfrm>
-              <a:off x="1703514" y="1792710"/>
-              <a:ext cx="3246439" cy="635329"/>
-            </a:xfrm>
-            <a:custGeom>
-              <a:avLst/>
-              <a:gdLst>
-                <a:gd name="T0" fmla="*/ 218 w 1139"/>
-                <a:gd name="T1" fmla="*/ 217 h 220"/>
-                <a:gd name="T2" fmla="*/ 185 w 1139"/>
-                <a:gd name="T3" fmla="*/ 52 h 220"/>
-                <a:gd name="T4" fmla="*/ 120 w 1139"/>
-                <a:gd name="T5" fmla="*/ 217 h 220"/>
-                <a:gd name="T6" fmla="*/ 32 w 1139"/>
-                <a:gd name="T7" fmla="*/ 52 h 220"/>
-                <a:gd name="T8" fmla="*/ 33 w 1139"/>
-                <a:gd name="T9" fmla="*/ 93 h 220"/>
-                <a:gd name="T10" fmla="*/ 0 w 1139"/>
-                <a:gd name="T11" fmla="*/ 15 h 220"/>
-                <a:gd name="T12" fmla="*/ 109 w 1139"/>
-                <a:gd name="T13" fmla="*/ 168 h 220"/>
-                <a:gd name="T14" fmla="*/ 171 w 1139"/>
-                <a:gd name="T15" fmla="*/ 15 h 220"/>
-                <a:gd name="T16" fmla="*/ 285 w 1139"/>
-                <a:gd name="T17" fmla="*/ 72 h 220"/>
-                <a:gd name="T18" fmla="*/ 269 w 1139"/>
-                <a:gd name="T19" fmla="*/ 11 h 220"/>
-                <a:gd name="T20" fmla="*/ 254 w 1139"/>
-                <a:gd name="T21" fmla="*/ 45 h 220"/>
-                <a:gd name="T22" fmla="*/ 289 w 1139"/>
-                <a:gd name="T23" fmla="*/ 31 h 220"/>
-                <a:gd name="T24" fmla="*/ 405 w 1139"/>
-                <a:gd name="T25" fmla="*/ 71 h 220"/>
-                <a:gd name="T26" fmla="*/ 318 w 1139"/>
-                <a:gd name="T27" fmla="*/ 107 h 220"/>
-                <a:gd name="T28" fmla="*/ 343 w 1139"/>
-                <a:gd name="T29" fmla="*/ 211 h 220"/>
-                <a:gd name="T30" fmla="*/ 422 w 1139"/>
-                <a:gd name="T31" fmla="*/ 210 h 220"/>
-                <a:gd name="T32" fmla="*/ 404 w 1139"/>
-                <a:gd name="T33" fmla="*/ 189 h 220"/>
-                <a:gd name="T34" fmla="*/ 344 w 1139"/>
-                <a:gd name="T35" fmla="*/ 145 h 220"/>
-                <a:gd name="T36" fmla="*/ 420 w 1139"/>
-                <a:gd name="T37" fmla="*/ 108 h 220"/>
-                <a:gd name="T38" fmla="*/ 421 w 1139"/>
-                <a:gd name="T39" fmla="*/ 76 h 220"/>
-                <a:gd name="T40" fmla="*/ 495 w 1139"/>
-                <a:gd name="T41" fmla="*/ 78 h 220"/>
-                <a:gd name="T42" fmla="*/ 481 w 1139"/>
-                <a:gd name="T43" fmla="*/ 72 h 220"/>
-                <a:gd name="T44" fmla="*/ 481 w 1139"/>
-                <a:gd name="T45" fmla="*/ 217 h 220"/>
-                <a:gd name="T46" fmla="*/ 512 w 1139"/>
-                <a:gd name="T47" fmla="*/ 100 h 220"/>
-                <a:gd name="T48" fmla="*/ 531 w 1139"/>
-                <a:gd name="T49" fmla="*/ 106 h 220"/>
-                <a:gd name="T50" fmla="*/ 517 w 1139"/>
-                <a:gd name="T51" fmla="*/ 70 h 220"/>
-                <a:gd name="T52" fmla="*/ 661 w 1139"/>
-                <a:gd name="T53" fmla="*/ 199 h 220"/>
-                <a:gd name="T54" fmla="*/ 533 w 1139"/>
-                <a:gd name="T55" fmla="*/ 146 h 220"/>
-                <a:gd name="T56" fmla="*/ 663 w 1139"/>
-                <a:gd name="T57" fmla="*/ 89 h 220"/>
-                <a:gd name="T58" fmla="*/ 608 w 1139"/>
-                <a:gd name="T59" fmla="*/ 97 h 220"/>
-                <a:gd name="T60" fmla="*/ 579 w 1139"/>
-                <a:gd name="T61" fmla="*/ 180 h 220"/>
-                <a:gd name="T62" fmla="*/ 646 w 1139"/>
-                <a:gd name="T63" fmla="*/ 144 h 220"/>
-                <a:gd name="T64" fmla="*/ 732 w 1139"/>
-                <a:gd name="T65" fmla="*/ 110 h 220"/>
-                <a:gd name="T66" fmla="*/ 770 w 1139"/>
-                <a:gd name="T67" fmla="*/ 98 h 220"/>
-                <a:gd name="T68" fmla="*/ 786 w 1139"/>
-                <a:gd name="T69" fmla="*/ 75 h 220"/>
-                <a:gd name="T70" fmla="*/ 753 w 1139"/>
-                <a:gd name="T71" fmla="*/ 69 h 220"/>
-                <a:gd name="T72" fmla="*/ 701 w 1139"/>
-                <a:gd name="T73" fmla="*/ 131 h 220"/>
-                <a:gd name="T74" fmla="*/ 750 w 1139"/>
-                <a:gd name="T75" fmla="*/ 164 h 220"/>
-                <a:gd name="T76" fmla="*/ 738 w 1139"/>
-                <a:gd name="T77" fmla="*/ 193 h 220"/>
-                <a:gd name="T78" fmla="*/ 698 w 1139"/>
-                <a:gd name="T79" fmla="*/ 179 h 220"/>
-                <a:gd name="T80" fmla="*/ 717 w 1139"/>
-                <a:gd name="T81" fmla="*/ 218 h 220"/>
-                <a:gd name="T82" fmla="*/ 794 w 1139"/>
-                <a:gd name="T83" fmla="*/ 175 h 220"/>
-                <a:gd name="T84" fmla="*/ 938 w 1139"/>
-                <a:gd name="T85" fmla="*/ 89 h 220"/>
-                <a:gd name="T86" fmla="*/ 882 w 1139"/>
-                <a:gd name="T87" fmla="*/ 220 h 220"/>
-                <a:gd name="T88" fmla="*/ 829 w 1139"/>
-                <a:gd name="T89" fmla="*/ 89 h 220"/>
-                <a:gd name="T90" fmla="*/ 922 w 1139"/>
-                <a:gd name="T91" fmla="*/ 144 h 220"/>
-                <a:gd name="T92" fmla="*/ 855 w 1139"/>
-                <a:gd name="T93" fmla="*/ 109 h 220"/>
-                <a:gd name="T94" fmla="*/ 884 w 1139"/>
-                <a:gd name="T95" fmla="*/ 192 h 220"/>
-                <a:gd name="T96" fmla="*/ 1139 w 1139"/>
-                <a:gd name="T97" fmla="*/ 100 h 220"/>
-                <a:gd name="T98" fmla="*/ 1104 w 1139"/>
-                <a:gd name="T99" fmla="*/ 29 h 220"/>
-                <a:gd name="T100" fmla="*/ 1070 w 1139"/>
-                <a:gd name="T101" fmla="*/ 40 h 220"/>
-                <a:gd name="T102" fmla="*/ 1019 w 1139"/>
-                <a:gd name="T103" fmla="*/ 54 h 220"/>
-                <a:gd name="T104" fmla="*/ 1055 w 1139"/>
-                <a:gd name="T105" fmla="*/ 32 h 220"/>
-                <a:gd name="T106" fmla="*/ 1056 w 1139"/>
-                <a:gd name="T107" fmla="*/ 3 h 220"/>
-                <a:gd name="T108" fmla="*/ 991 w 1139"/>
-                <a:gd name="T109" fmla="*/ 25 h 220"/>
-                <a:gd name="T110" fmla="*/ 961 w 1139"/>
-                <a:gd name="T111" fmla="*/ 72 h 220"/>
-                <a:gd name="T112" fmla="*/ 985 w 1139"/>
-                <a:gd name="T113" fmla="*/ 217 h 220"/>
-                <a:gd name="T114" fmla="*/ 1070 w 1139"/>
-                <a:gd name="T115" fmla="*/ 100 h 220"/>
-                <a:gd name="T116" fmla="*/ 1127 w 1139"/>
-                <a:gd name="T117" fmla="*/ 219 h 220"/>
-                <a:gd name="T118" fmla="*/ 1139 w 1139"/>
-                <a:gd name="T119" fmla="*/ 187 h 220"/>
-                <a:gd name="T120" fmla="*/ 1123 w 1139"/>
-                <a:gd name="T121" fmla="*/ 192 h 220"/>
-                <a:gd name="T122" fmla="*/ 1104 w 1139"/>
-                <a:gd name="T123" fmla="*/ 100 h 220"/>
-              </a:gdLst>
-              <a:ahLst/>
-              <a:cxnLst>
-                <a:cxn ang="0">
-                  <a:pos x="T0" y="T1"/>
-                </a:cxn>
-                <a:cxn ang="0">
-                  <a:pos x="T2" y="T3"/>
-                </a:cxn>
-                <a:cxn ang="0">
-                  <a:pos x="T4" y="T5"/>
-                </a:cxn>
-                <a:cxn ang="0">
-                  <a:pos x="T6" y="T7"/>
-                </a:cxn>
-                <a:cxn ang="0">
-                  <a:pos x="T8" y="T9"/>
-                </a:cxn>
-                <a:cxn ang="0">
-                  <a:pos x="T10" y="T11"/>
-                </a:cxn>
-                <a:cxn ang="0">
-                  <a:pos x="T12" y="T13"/>
-                </a:cxn>
-                <a:cxn ang="0">
-                  <a:pos x="T14" y="T15"/>
-                </a:cxn>
-                <a:cxn ang="0">
-                  <a:pos x="T16" y="T17"/>
-                </a:cxn>
-                <a:cxn ang="0">
-                  <a:pos x="T18" y="T19"/>
-                </a:cxn>
-                <a:cxn ang="0">
-                  <a:pos x="T20" y="T21"/>
-                </a:cxn>
-                <a:cxn ang="0">
-                  <a:pos x="T22" y="T23"/>
-                </a:cxn>
-                <a:cxn ang="0">
-                  <a:pos x="T24" y="T25"/>
-                </a:cxn>
-                <a:cxn ang="0">
-                  <a:pos x="T26" y="T27"/>
-                </a:cxn>
-                <a:cxn ang="0">
-                  <a:pos x="T28" y="T29"/>
-                </a:cxn>
-                <a:cxn ang="0">
-                  <a:pos x="T30" y="T31"/>
-                </a:cxn>
-                <a:cxn ang="0">
-                  <a:pos x="T32" y="T33"/>
-                </a:cxn>
-                <a:cxn ang="0">
-                  <a:pos x="T34" y="T35"/>
-                </a:cxn>
-                <a:cxn ang="0">
-                  <a:pos x="T36" y="T37"/>
-                </a:cxn>
-                <a:cxn ang="0">
-                  <a:pos x="T38" y="T39"/>
-                </a:cxn>
-                <a:cxn ang="0">
-                  <a:pos x="T40" y="T41"/>
-                </a:cxn>
-                <a:cxn ang="0">
-                  <a:pos x="T42" y="T43"/>
-                </a:cxn>
-                <a:cxn ang="0">
-                  <a:pos x="T44" y="T45"/>
-                </a:cxn>
-                <a:cxn ang="0">
-                  <a:pos x="T46" y="T47"/>
-                </a:cxn>
-                <a:cxn ang="0">
-                  <a:pos x="T48" y="T49"/>
-                </a:cxn>
-                <a:cxn ang="0">
-                  <a:pos x="T50" y="T51"/>
-                </a:cxn>
-                <a:cxn ang="0">
-                  <a:pos x="T52" y="T53"/>
-                </a:cxn>
-                <a:cxn ang="0">
-                  <a:pos x="T54" y="T55"/>
-                </a:cxn>
-                <a:cxn ang="0">
-                  <a:pos x="T56" y="T57"/>
-                </a:cxn>
-                <a:cxn ang="0">
-                  <a:pos x="T58" y="T59"/>
-                </a:cxn>
-                <a:cxn ang="0">
-                  <a:pos x="T60" y="T61"/>
-                </a:cxn>
-                <a:cxn ang="0">
-                  <a:pos x="T62" y="T63"/>
-                </a:cxn>
-                <a:cxn ang="0">
-                  <a:pos x="T64" y="T65"/>
-                </a:cxn>
-                <a:cxn ang="0">
-                  <a:pos x="T66" y="T67"/>
-                </a:cxn>
-                <a:cxn ang="0">
-                  <a:pos x="T68" y="T69"/>
-                </a:cxn>
-                <a:cxn ang="0">
-                  <a:pos x="T70" y="T71"/>
-                </a:cxn>
-                <a:cxn ang="0">
-                  <a:pos x="T72" y="T73"/>
-                </a:cxn>
-                <a:cxn ang="0">
-                  <a:pos x="T74" y="T75"/>
-                </a:cxn>
-                <a:cxn ang="0">
-                  <a:pos x="T76" y="T77"/>
-                </a:cxn>
-                <a:cxn ang="0">
-                  <a:pos x="T78" y="T79"/>
-                </a:cxn>
-                <a:cxn ang="0">
-                  <a:pos x="T80" y="T81"/>
-                </a:cxn>
-                <a:cxn ang="0">
-                  <a:pos x="T82" y="T83"/>
-                </a:cxn>
-                <a:cxn ang="0">
-                  <a:pos x="T84" y="T85"/>
-                </a:cxn>
-                <a:cxn ang="0">
-                  <a:pos x="T86" y="T87"/>
-                </a:cxn>
-                <a:cxn ang="0">
-                  <a:pos x="T88" y="T89"/>
-                </a:cxn>
-                <a:cxn ang="0">
-                  <a:pos x="T90" y="T91"/>
-                </a:cxn>
-                <a:cxn ang="0">
-                  <a:pos x="T92" y="T93"/>
-                </a:cxn>
-                <a:cxn ang="0">
-                  <a:pos x="T94" y="T95"/>
-                </a:cxn>
-                <a:cxn ang="0">
-                  <a:pos x="T96" y="T97"/>
-                </a:cxn>
-                <a:cxn ang="0">
-                  <a:pos x="T98" y="T99"/>
-                </a:cxn>
-                <a:cxn ang="0">
-                  <a:pos x="T100" y="T101"/>
-                </a:cxn>
-                <a:cxn ang="0">
-                  <a:pos x="T102" y="T103"/>
-                </a:cxn>
-                <a:cxn ang="0">
-                  <a:pos x="T104" y="T105"/>
-                </a:cxn>
-                <a:cxn ang="0">
-                  <a:pos x="T106" y="T107"/>
-                </a:cxn>
-                <a:cxn ang="0">
-                  <a:pos x="T108" y="T109"/>
-                </a:cxn>
-                <a:cxn ang="0">
-                  <a:pos x="T110" y="T111"/>
-                </a:cxn>
-                <a:cxn ang="0">
-                  <a:pos x="T112" y="T113"/>
-                </a:cxn>
-                <a:cxn ang="0">
-                  <a:pos x="T114" y="T115"/>
-                </a:cxn>
-                <a:cxn ang="0">
-                  <a:pos x="T116" y="T117"/>
-                </a:cxn>
-                <a:cxn ang="0">
-                  <a:pos x="T118" y="T119"/>
-                </a:cxn>
-                <a:cxn ang="0">
-                  <a:pos x="T120" y="T121"/>
-                </a:cxn>
-                <a:cxn ang="0">
-                  <a:pos x="T122" y="T123"/>
-                </a:cxn>
-              </a:cxnLst>
-              <a:rect l="0" t="0" r="r" b="b"/>
-              <a:pathLst>
-                <a:path w="1139" h="220">
-                  <a:moveTo>
-                    <a:pt x="171" y="15"/>
-                  </a:moveTo>
-                  <a:cubicBezTo>
-                    <a:pt x="218" y="15"/>
-                    <a:pt x="218" y="15"/>
-                    <a:pt x="218" y="15"/>
-                  </a:cubicBezTo>
-                  <a:cubicBezTo>
-                    <a:pt x="218" y="217"/>
-                    <a:pt x="218" y="217"/>
-                    <a:pt x="218" y="217"/>
-                  </a:cubicBezTo>
-                  <a:cubicBezTo>
-                    <a:pt x="184" y="217"/>
-                    <a:pt x="184" y="217"/>
-                    <a:pt x="184" y="217"/>
-                  </a:cubicBezTo>
-                  <a:cubicBezTo>
-                    <a:pt x="184" y="89"/>
-                    <a:pt x="184" y="89"/>
-                    <a:pt x="184" y="89"/>
-                  </a:cubicBezTo>
-                  <a:cubicBezTo>
-                    <a:pt x="184" y="80"/>
-                    <a:pt x="184" y="67"/>
-                    <a:pt x="185" y="52"/>
-                  </a:cubicBezTo>
-                  <a:cubicBezTo>
-                    <a:pt x="185" y="52"/>
-                    <a:pt x="185" y="52"/>
-                    <a:pt x="185" y="52"/>
-                  </a:cubicBezTo>
-                  <a:cubicBezTo>
-                    <a:pt x="183" y="58"/>
-                    <a:pt x="182" y="65"/>
-                    <a:pt x="180" y="68"/>
-                  </a:cubicBezTo>
-                  <a:cubicBezTo>
-                    <a:pt x="120" y="217"/>
-                    <a:pt x="120" y="217"/>
-                    <a:pt x="120" y="217"/>
-                  </a:cubicBezTo>
-                  <a:cubicBezTo>
-                    <a:pt x="97" y="217"/>
-                    <a:pt x="97" y="217"/>
-                    <a:pt x="97" y="217"/>
-                  </a:cubicBezTo>
-                  <a:cubicBezTo>
-                    <a:pt x="37" y="70"/>
-                    <a:pt x="37" y="70"/>
-                    <a:pt x="37" y="70"/>
-                  </a:cubicBezTo>
-                  <a:cubicBezTo>
-                    <a:pt x="36" y="66"/>
-                    <a:pt x="34" y="60"/>
-                    <a:pt x="32" y="52"/>
-                  </a:cubicBezTo>
-                  <a:cubicBezTo>
-                    <a:pt x="31" y="52"/>
-                    <a:pt x="31" y="52"/>
-                    <a:pt x="31" y="52"/>
-                  </a:cubicBezTo>
-                  <a:cubicBezTo>
-                    <a:pt x="32" y="56"/>
-                    <a:pt x="32" y="60"/>
-                    <a:pt x="32" y="65"/>
-                  </a:cubicBezTo>
-                  <a:cubicBezTo>
-                    <a:pt x="33" y="76"/>
-                    <a:pt x="33" y="85"/>
-                    <a:pt x="33" y="93"/>
-                  </a:cubicBezTo>
-                  <a:cubicBezTo>
-                    <a:pt x="33" y="217"/>
-                    <a:pt x="33" y="217"/>
-                    <a:pt x="33" y="217"/>
-                  </a:cubicBezTo>
-                  <a:cubicBezTo>
-                    <a:pt x="0" y="217"/>
-                    <a:pt x="0" y="217"/>
-                    <a:pt x="0" y="217"/>
-                  </a:cubicBezTo>
-                  <a:cubicBezTo>
-                    <a:pt x="0" y="15"/>
-                    <a:pt x="0" y="15"/>
-                    <a:pt x="0" y="15"/>
-                  </a:cubicBezTo>
-                  <a:cubicBezTo>
-                    <a:pt x="50" y="15"/>
-                    <a:pt x="50" y="15"/>
-                    <a:pt x="50" y="15"/>
-                  </a:cubicBezTo>
-                  <a:cubicBezTo>
-                    <a:pt x="100" y="142"/>
-                    <a:pt x="100" y="142"/>
-                    <a:pt x="100" y="142"/>
-                  </a:cubicBezTo>
-                  <a:cubicBezTo>
-                    <a:pt x="105" y="153"/>
-                    <a:pt x="108" y="162"/>
-                    <a:pt x="109" y="168"/>
-                  </a:cubicBezTo>
-                  <a:cubicBezTo>
-                    <a:pt x="110" y="168"/>
-                    <a:pt x="110" y="168"/>
-                    <a:pt x="110" y="168"/>
-                  </a:cubicBezTo>
-                  <a:cubicBezTo>
-                    <a:pt x="119" y="142"/>
-                    <a:pt x="119" y="142"/>
-                    <a:pt x="119" y="142"/>
-                  </a:cubicBezTo>
-                  <a:lnTo>
-                    <a:pt x="171" y="15"/>
-                  </a:lnTo>
-                  <a:close/>
-                  <a:moveTo>
-                    <a:pt x="251" y="217"/>
-                  </a:moveTo>
-                  <a:cubicBezTo>
-                    <a:pt x="285" y="217"/>
-                    <a:pt x="285" y="217"/>
-                    <a:pt x="285" y="217"/>
-                  </a:cubicBezTo>
-                  <a:cubicBezTo>
-                    <a:pt x="285" y="72"/>
-                    <a:pt x="285" y="72"/>
-                    <a:pt x="285" y="72"/>
-                  </a:cubicBezTo>
-                  <a:cubicBezTo>
-                    <a:pt x="251" y="72"/>
-                    <a:pt x="251" y="72"/>
-                    <a:pt x="251" y="72"/>
-                  </a:cubicBezTo>
-                  <a:lnTo>
-                    <a:pt x="251" y="217"/>
-                  </a:lnTo>
-                  <a:close/>
-                  <a:moveTo>
-                    <a:pt x="269" y="11"/>
-                  </a:moveTo>
-                  <a:cubicBezTo>
-                    <a:pt x="263" y="11"/>
-                    <a:pt x="258" y="13"/>
-                    <a:pt x="254" y="17"/>
-                  </a:cubicBezTo>
-                  <a:cubicBezTo>
-                    <a:pt x="250" y="20"/>
-                    <a:pt x="248" y="25"/>
-                    <a:pt x="248" y="31"/>
-                  </a:cubicBezTo>
-                  <a:cubicBezTo>
-                    <a:pt x="248" y="36"/>
-                    <a:pt x="250" y="41"/>
-                    <a:pt x="254" y="45"/>
-                  </a:cubicBezTo>
-                  <a:cubicBezTo>
-                    <a:pt x="258" y="48"/>
-                    <a:pt x="263" y="50"/>
-                    <a:pt x="269" y="50"/>
-                  </a:cubicBezTo>
-                  <a:cubicBezTo>
-                    <a:pt x="274" y="50"/>
-                    <a:pt x="279" y="48"/>
-                    <a:pt x="283" y="45"/>
-                  </a:cubicBezTo>
-                  <a:cubicBezTo>
-                    <a:pt x="287" y="41"/>
-                    <a:pt x="289" y="36"/>
-                    <a:pt x="289" y="31"/>
-                  </a:cubicBezTo>
-                  <a:cubicBezTo>
-                    <a:pt x="289" y="25"/>
-                    <a:pt x="287" y="21"/>
-                    <a:pt x="283" y="17"/>
-                  </a:cubicBezTo>
-                  <a:cubicBezTo>
-                    <a:pt x="279" y="13"/>
-                    <a:pt x="274" y="11"/>
-                    <a:pt x="269" y="11"/>
-                  </a:cubicBezTo>
-                  <a:close/>
-                  <a:moveTo>
-                    <a:pt x="405" y="71"/>
-                  </a:moveTo>
-                  <a:cubicBezTo>
-                    <a:pt x="399" y="69"/>
-                    <a:pt x="393" y="69"/>
-                    <a:pt x="386" y="69"/>
-                  </a:cubicBezTo>
-                  <a:cubicBezTo>
-                    <a:pt x="371" y="69"/>
-                    <a:pt x="357" y="72"/>
-                    <a:pt x="345" y="79"/>
-                  </a:cubicBezTo>
-                  <a:cubicBezTo>
-                    <a:pt x="333" y="85"/>
-                    <a:pt x="324" y="95"/>
-                    <a:pt x="318" y="107"/>
-                  </a:cubicBezTo>
-                  <a:cubicBezTo>
-                    <a:pt x="312" y="119"/>
-                    <a:pt x="309" y="133"/>
-                    <a:pt x="309" y="148"/>
-                  </a:cubicBezTo>
-                  <a:cubicBezTo>
-                    <a:pt x="309" y="162"/>
-                    <a:pt x="312" y="174"/>
-                    <a:pt x="318" y="185"/>
-                  </a:cubicBezTo>
-                  <a:cubicBezTo>
-                    <a:pt x="324" y="196"/>
-                    <a:pt x="332" y="205"/>
-                    <a:pt x="343" y="211"/>
-                  </a:cubicBezTo>
-                  <a:cubicBezTo>
-                    <a:pt x="354" y="217"/>
-                    <a:pt x="366" y="220"/>
-                    <a:pt x="380" y="220"/>
-                  </a:cubicBezTo>
-                  <a:cubicBezTo>
-                    <a:pt x="396" y="220"/>
-                    <a:pt x="410" y="217"/>
-                    <a:pt x="421" y="211"/>
-                  </a:cubicBezTo>
-                  <a:cubicBezTo>
-                    <a:pt x="422" y="210"/>
-                    <a:pt x="422" y="210"/>
-                    <a:pt x="422" y="210"/>
-                  </a:cubicBezTo>
-                  <a:cubicBezTo>
-                    <a:pt x="422" y="179"/>
-                    <a:pt x="422" y="179"/>
-                    <a:pt x="422" y="179"/>
-                  </a:cubicBezTo>
-                  <a:cubicBezTo>
-                    <a:pt x="420" y="180"/>
-                    <a:pt x="420" y="180"/>
-                    <a:pt x="420" y="180"/>
-                  </a:cubicBezTo>
-                  <a:cubicBezTo>
-                    <a:pt x="415" y="184"/>
-                    <a:pt x="410" y="187"/>
-                    <a:pt x="404" y="189"/>
-                  </a:cubicBezTo>
-                  <a:cubicBezTo>
-                    <a:pt x="398" y="191"/>
-                    <a:pt x="392" y="192"/>
-                    <a:pt x="387" y="192"/>
-                  </a:cubicBezTo>
-                  <a:cubicBezTo>
-                    <a:pt x="374" y="192"/>
-                    <a:pt x="363" y="188"/>
-                    <a:pt x="355" y="180"/>
-                  </a:cubicBezTo>
-                  <a:cubicBezTo>
-                    <a:pt x="348" y="171"/>
-                    <a:pt x="344" y="160"/>
-                    <a:pt x="344" y="145"/>
-                  </a:cubicBezTo>
-                  <a:cubicBezTo>
-                    <a:pt x="344" y="131"/>
-                    <a:pt x="348" y="119"/>
-                    <a:pt x="356" y="110"/>
-                  </a:cubicBezTo>
-                  <a:cubicBezTo>
-                    <a:pt x="364" y="101"/>
-                    <a:pt x="375" y="97"/>
-                    <a:pt x="388" y="97"/>
-                  </a:cubicBezTo>
-                  <a:cubicBezTo>
-                    <a:pt x="399" y="97"/>
-                    <a:pt x="410" y="101"/>
-                    <a:pt x="420" y="108"/>
-                  </a:cubicBezTo>
-                  <a:cubicBezTo>
-                    <a:pt x="422" y="109"/>
-                    <a:pt x="422" y="109"/>
-                    <a:pt x="422" y="109"/>
-                  </a:cubicBezTo>
-                  <a:cubicBezTo>
-                    <a:pt x="422" y="76"/>
-                    <a:pt x="422" y="76"/>
-                    <a:pt x="422" y="76"/>
-                  </a:cubicBezTo>
-                  <a:cubicBezTo>
-                    <a:pt x="421" y="76"/>
-                    <a:pt x="421" y="76"/>
-                    <a:pt x="421" y="76"/>
-                  </a:cubicBezTo>
-                  <a:cubicBezTo>
-                    <a:pt x="417" y="74"/>
-                    <a:pt x="412" y="72"/>
-                    <a:pt x="405" y="71"/>
-                  </a:cubicBezTo>
-                  <a:close/>
-                  <a:moveTo>
-                    <a:pt x="517" y="70"/>
-                  </a:moveTo>
-                  <a:cubicBezTo>
-                    <a:pt x="509" y="70"/>
-                    <a:pt x="501" y="72"/>
-                    <a:pt x="495" y="78"/>
-                  </a:cubicBezTo>
-                  <a:cubicBezTo>
-                    <a:pt x="489" y="83"/>
-                    <a:pt x="485" y="89"/>
-                    <a:pt x="482" y="97"/>
-                  </a:cubicBezTo>
-                  <a:cubicBezTo>
-                    <a:pt x="481" y="97"/>
-                    <a:pt x="481" y="97"/>
-                    <a:pt x="481" y="97"/>
-                  </a:cubicBezTo>
-                  <a:cubicBezTo>
-                    <a:pt x="481" y="72"/>
-                    <a:pt x="481" y="72"/>
-                    <a:pt x="481" y="72"/>
-                  </a:cubicBezTo>
-                  <a:cubicBezTo>
-                    <a:pt x="447" y="72"/>
-                    <a:pt x="447" y="72"/>
-                    <a:pt x="447" y="72"/>
-                  </a:cubicBezTo>
-                  <a:cubicBezTo>
-                    <a:pt x="447" y="217"/>
-                    <a:pt x="447" y="217"/>
-                    <a:pt x="447" y="217"/>
-                  </a:cubicBezTo>
-                  <a:cubicBezTo>
-                    <a:pt x="481" y="217"/>
-                    <a:pt x="481" y="217"/>
-                    <a:pt x="481" y="217"/>
-                  </a:cubicBezTo>
-                  <a:cubicBezTo>
-                    <a:pt x="481" y="143"/>
-                    <a:pt x="481" y="143"/>
-                    <a:pt x="481" y="143"/>
-                  </a:cubicBezTo>
-                  <a:cubicBezTo>
-                    <a:pt x="481" y="130"/>
-                    <a:pt x="484" y="120"/>
-                    <a:pt x="490" y="112"/>
-                  </a:cubicBezTo>
-                  <a:cubicBezTo>
-                    <a:pt x="495" y="104"/>
-                    <a:pt x="503" y="100"/>
-                    <a:pt x="512" y="100"/>
-                  </a:cubicBezTo>
-                  <a:cubicBezTo>
-                    <a:pt x="515" y="100"/>
-                    <a:pt x="518" y="101"/>
-                    <a:pt x="522" y="102"/>
-                  </a:cubicBezTo>
-                  <a:cubicBezTo>
-                    <a:pt x="526" y="103"/>
-                    <a:pt x="528" y="104"/>
-                    <a:pt x="530" y="105"/>
-                  </a:cubicBezTo>
-                  <a:cubicBezTo>
-                    <a:pt x="531" y="106"/>
-                    <a:pt x="531" y="106"/>
-                    <a:pt x="531" y="106"/>
-                  </a:cubicBezTo>
-                  <a:cubicBezTo>
-                    <a:pt x="531" y="72"/>
-                    <a:pt x="531" y="72"/>
-                    <a:pt x="531" y="72"/>
-                  </a:cubicBezTo>
-                  <a:cubicBezTo>
-                    <a:pt x="531" y="72"/>
-                    <a:pt x="531" y="72"/>
-                    <a:pt x="531" y="72"/>
-                  </a:cubicBezTo>
-                  <a:cubicBezTo>
-                    <a:pt x="528" y="70"/>
-                    <a:pt x="523" y="70"/>
-                    <a:pt x="517" y="70"/>
-                  </a:cubicBezTo>
-                  <a:close/>
-                  <a:moveTo>
-                    <a:pt x="663" y="89"/>
-                  </a:moveTo>
-                  <a:cubicBezTo>
-                    <a:pt x="675" y="102"/>
-                    <a:pt x="682" y="120"/>
-                    <a:pt x="682" y="143"/>
-                  </a:cubicBezTo>
-                  <a:cubicBezTo>
-                    <a:pt x="682" y="166"/>
-                    <a:pt x="675" y="185"/>
-                    <a:pt x="661" y="199"/>
-                  </a:cubicBezTo>
-                  <a:cubicBezTo>
-                    <a:pt x="648" y="213"/>
-                    <a:pt x="629" y="220"/>
-                    <a:pt x="606" y="220"/>
-                  </a:cubicBezTo>
-                  <a:cubicBezTo>
-                    <a:pt x="584" y="220"/>
-                    <a:pt x="566" y="213"/>
-                    <a:pt x="553" y="200"/>
-                  </a:cubicBezTo>
-                  <a:cubicBezTo>
-                    <a:pt x="540" y="187"/>
-                    <a:pt x="533" y="169"/>
-                    <a:pt x="533" y="146"/>
-                  </a:cubicBezTo>
-                  <a:cubicBezTo>
-                    <a:pt x="533" y="122"/>
-                    <a:pt x="540" y="103"/>
-                    <a:pt x="553" y="89"/>
-                  </a:cubicBezTo>
-                  <a:cubicBezTo>
-                    <a:pt x="567" y="76"/>
-                    <a:pt x="586" y="69"/>
-                    <a:pt x="610" y="69"/>
-                  </a:cubicBezTo>
-                  <a:cubicBezTo>
-                    <a:pt x="632" y="69"/>
-                    <a:pt x="650" y="75"/>
-                    <a:pt x="663" y="89"/>
-                  </a:cubicBezTo>
-                  <a:close/>
-                  <a:moveTo>
-                    <a:pt x="646" y="144"/>
-                  </a:moveTo>
-                  <a:cubicBezTo>
-                    <a:pt x="646" y="129"/>
-                    <a:pt x="643" y="117"/>
-                    <a:pt x="636" y="109"/>
-                  </a:cubicBezTo>
-                  <a:cubicBezTo>
-                    <a:pt x="629" y="101"/>
-                    <a:pt x="620" y="97"/>
-                    <a:pt x="608" y="97"/>
-                  </a:cubicBezTo>
-                  <a:cubicBezTo>
-                    <a:pt x="596" y="97"/>
-                    <a:pt x="586" y="101"/>
-                    <a:pt x="579" y="109"/>
-                  </a:cubicBezTo>
-                  <a:cubicBezTo>
-                    <a:pt x="572" y="118"/>
-                    <a:pt x="568" y="130"/>
-                    <a:pt x="568" y="145"/>
-                  </a:cubicBezTo>
-                  <a:cubicBezTo>
-                    <a:pt x="568" y="160"/>
-                    <a:pt x="572" y="172"/>
-                    <a:pt x="579" y="180"/>
-                  </a:cubicBezTo>
-                  <a:cubicBezTo>
-                    <a:pt x="586" y="188"/>
-                    <a:pt x="596" y="192"/>
-                    <a:pt x="608" y="192"/>
-                  </a:cubicBezTo>
-                  <a:cubicBezTo>
-                    <a:pt x="621" y="192"/>
-                    <a:pt x="630" y="188"/>
-                    <a:pt x="637" y="180"/>
-                  </a:cubicBezTo>
-                  <a:cubicBezTo>
-                    <a:pt x="643" y="172"/>
-                    <a:pt x="646" y="160"/>
-                    <a:pt x="646" y="144"/>
-                  </a:cubicBezTo>
-                  <a:close/>
-                  <a:moveTo>
-                    <a:pt x="757" y="132"/>
-                  </a:moveTo>
-                  <a:cubicBezTo>
-                    <a:pt x="746" y="128"/>
-                    <a:pt x="739" y="124"/>
-                    <a:pt x="737" y="121"/>
-                  </a:cubicBezTo>
-                  <a:cubicBezTo>
-                    <a:pt x="734" y="119"/>
-                    <a:pt x="732" y="115"/>
-                    <a:pt x="732" y="110"/>
-                  </a:cubicBezTo>
-                  <a:cubicBezTo>
-                    <a:pt x="732" y="106"/>
-                    <a:pt x="734" y="103"/>
-                    <a:pt x="738" y="100"/>
-                  </a:cubicBezTo>
-                  <a:cubicBezTo>
-                    <a:pt x="741" y="97"/>
-                    <a:pt x="746" y="96"/>
-                    <a:pt x="752" y="96"/>
-                  </a:cubicBezTo>
-                  <a:cubicBezTo>
-                    <a:pt x="758" y="96"/>
-                    <a:pt x="764" y="97"/>
-                    <a:pt x="770" y="98"/>
-                  </a:cubicBezTo>
-                  <a:cubicBezTo>
-                    <a:pt x="776" y="100"/>
-                    <a:pt x="781" y="103"/>
-                    <a:pt x="785" y="105"/>
-                  </a:cubicBezTo>
-                  <a:cubicBezTo>
-                    <a:pt x="786" y="106"/>
-                    <a:pt x="786" y="106"/>
-                    <a:pt x="786" y="106"/>
-                  </a:cubicBezTo>
-                  <a:cubicBezTo>
-                    <a:pt x="786" y="75"/>
-                    <a:pt x="786" y="75"/>
-                    <a:pt x="786" y="75"/>
-                  </a:cubicBezTo>
-                  <a:cubicBezTo>
-                    <a:pt x="786" y="75"/>
-                    <a:pt x="786" y="75"/>
-                    <a:pt x="786" y="75"/>
-                  </a:cubicBezTo>
-                  <a:cubicBezTo>
-                    <a:pt x="782" y="73"/>
-                    <a:pt x="777" y="72"/>
-                    <a:pt x="770" y="70"/>
-                  </a:cubicBezTo>
-                  <a:cubicBezTo>
-                    <a:pt x="764" y="69"/>
-                    <a:pt x="758" y="69"/>
-                    <a:pt x="753" y="69"/>
-                  </a:cubicBezTo>
-                  <a:cubicBezTo>
-                    <a:pt x="737" y="69"/>
-                    <a:pt x="724" y="73"/>
-                    <a:pt x="714" y="81"/>
-                  </a:cubicBezTo>
-                  <a:cubicBezTo>
-                    <a:pt x="703" y="89"/>
-                    <a:pt x="698" y="100"/>
-                    <a:pt x="698" y="113"/>
-                  </a:cubicBezTo>
-                  <a:cubicBezTo>
-                    <a:pt x="698" y="120"/>
-                    <a:pt x="699" y="126"/>
-                    <a:pt x="701" y="131"/>
-                  </a:cubicBezTo>
-                  <a:cubicBezTo>
-                    <a:pt x="704" y="136"/>
-                    <a:pt x="707" y="141"/>
-                    <a:pt x="712" y="144"/>
-                  </a:cubicBezTo>
-                  <a:cubicBezTo>
-                    <a:pt x="716" y="148"/>
-                    <a:pt x="723" y="152"/>
-                    <a:pt x="733" y="156"/>
-                  </a:cubicBezTo>
-                  <a:cubicBezTo>
-                    <a:pt x="740" y="159"/>
-                    <a:pt x="746" y="162"/>
-                    <a:pt x="750" y="164"/>
-                  </a:cubicBezTo>
-                  <a:cubicBezTo>
-                    <a:pt x="754" y="166"/>
-                    <a:pt x="756" y="168"/>
-                    <a:pt x="758" y="171"/>
-                  </a:cubicBezTo>
-                  <a:cubicBezTo>
-                    <a:pt x="759" y="173"/>
-                    <a:pt x="760" y="175"/>
-                    <a:pt x="760" y="179"/>
-                  </a:cubicBezTo>
-                  <a:cubicBezTo>
-                    <a:pt x="760" y="188"/>
-                    <a:pt x="753" y="193"/>
-                    <a:pt x="738" y="193"/>
-                  </a:cubicBezTo>
-                  <a:cubicBezTo>
-                    <a:pt x="732" y="193"/>
-                    <a:pt x="726" y="192"/>
-                    <a:pt x="719" y="190"/>
-                  </a:cubicBezTo>
-                  <a:cubicBezTo>
-                    <a:pt x="712" y="187"/>
-                    <a:pt x="705" y="184"/>
-                    <a:pt x="700" y="180"/>
-                  </a:cubicBezTo>
-                  <a:cubicBezTo>
-                    <a:pt x="698" y="179"/>
-                    <a:pt x="698" y="179"/>
-                    <a:pt x="698" y="179"/>
-                  </a:cubicBezTo>
-                  <a:cubicBezTo>
-                    <a:pt x="698" y="212"/>
-                    <a:pt x="698" y="212"/>
-                    <a:pt x="698" y="212"/>
-                  </a:cubicBezTo>
-                  <a:cubicBezTo>
-                    <a:pt x="699" y="212"/>
-                    <a:pt x="699" y="212"/>
-                    <a:pt x="699" y="212"/>
-                  </a:cubicBezTo>
-                  <a:cubicBezTo>
-                    <a:pt x="703" y="215"/>
-                    <a:pt x="710" y="216"/>
-                    <a:pt x="717" y="218"/>
-                  </a:cubicBezTo>
-                  <a:cubicBezTo>
-                    <a:pt x="724" y="219"/>
-                    <a:pt x="731" y="220"/>
-                    <a:pt x="736" y="220"/>
-                  </a:cubicBezTo>
-                  <a:cubicBezTo>
-                    <a:pt x="754" y="220"/>
-                    <a:pt x="768" y="216"/>
-                    <a:pt x="778" y="208"/>
-                  </a:cubicBezTo>
-                  <a:cubicBezTo>
-                    <a:pt x="789" y="199"/>
-                    <a:pt x="794" y="188"/>
-                    <a:pt x="794" y="175"/>
-                  </a:cubicBezTo>
-                  <a:cubicBezTo>
-                    <a:pt x="794" y="165"/>
-                    <a:pt x="791" y="157"/>
-                    <a:pt x="786" y="150"/>
-                  </a:cubicBezTo>
-                  <a:cubicBezTo>
-                    <a:pt x="780" y="143"/>
-                    <a:pt x="770" y="137"/>
-                    <a:pt x="757" y="132"/>
-                  </a:cubicBezTo>
-                  <a:close/>
-                  <a:moveTo>
-                    <a:pt x="938" y="89"/>
-                  </a:moveTo>
-                  <a:cubicBezTo>
-                    <a:pt x="951" y="102"/>
-                    <a:pt x="957" y="120"/>
-                    <a:pt x="957" y="143"/>
-                  </a:cubicBezTo>
-                  <a:cubicBezTo>
-                    <a:pt x="957" y="166"/>
-                    <a:pt x="951" y="185"/>
-                    <a:pt x="937" y="199"/>
-                  </a:cubicBezTo>
-                  <a:cubicBezTo>
-                    <a:pt x="924" y="213"/>
-                    <a:pt x="905" y="220"/>
-                    <a:pt x="882" y="220"/>
-                  </a:cubicBezTo>
-                  <a:cubicBezTo>
-                    <a:pt x="860" y="220"/>
-                    <a:pt x="842" y="213"/>
-                    <a:pt x="829" y="200"/>
-                  </a:cubicBezTo>
-                  <a:cubicBezTo>
-                    <a:pt x="816" y="187"/>
-                    <a:pt x="809" y="169"/>
-                    <a:pt x="809" y="146"/>
-                  </a:cubicBezTo>
-                  <a:cubicBezTo>
-                    <a:pt x="809" y="122"/>
-                    <a:pt x="816" y="103"/>
-                    <a:pt x="829" y="89"/>
-                  </a:cubicBezTo>
-                  <a:cubicBezTo>
-                    <a:pt x="843" y="76"/>
-                    <a:pt x="862" y="69"/>
-                    <a:pt x="885" y="69"/>
-                  </a:cubicBezTo>
-                  <a:cubicBezTo>
-                    <a:pt x="908" y="69"/>
-                    <a:pt x="926" y="75"/>
-                    <a:pt x="938" y="89"/>
-                  </a:cubicBezTo>
-                  <a:close/>
-                  <a:moveTo>
-                    <a:pt x="922" y="144"/>
-                  </a:moveTo>
-                  <a:cubicBezTo>
-                    <a:pt x="922" y="129"/>
-                    <a:pt x="919" y="117"/>
-                    <a:pt x="912" y="109"/>
-                  </a:cubicBezTo>
-                  <a:cubicBezTo>
-                    <a:pt x="905" y="101"/>
-                    <a:pt x="896" y="97"/>
-                    <a:pt x="884" y="97"/>
-                  </a:cubicBezTo>
-                  <a:cubicBezTo>
-                    <a:pt x="871" y="97"/>
-                    <a:pt x="862" y="101"/>
-                    <a:pt x="855" y="109"/>
-                  </a:cubicBezTo>
-                  <a:cubicBezTo>
-                    <a:pt x="848" y="118"/>
-                    <a:pt x="844" y="130"/>
-                    <a:pt x="844" y="145"/>
-                  </a:cubicBezTo>
-                  <a:cubicBezTo>
-                    <a:pt x="844" y="160"/>
-                    <a:pt x="848" y="172"/>
-                    <a:pt x="855" y="180"/>
-                  </a:cubicBezTo>
-                  <a:cubicBezTo>
-                    <a:pt x="862" y="188"/>
-                    <a:pt x="871" y="192"/>
-                    <a:pt x="884" y="192"/>
-                  </a:cubicBezTo>
-                  <a:cubicBezTo>
-                    <a:pt x="896" y="192"/>
-                    <a:pt x="906" y="188"/>
-                    <a:pt x="912" y="180"/>
-                  </a:cubicBezTo>
-                  <a:cubicBezTo>
-                    <a:pt x="919" y="172"/>
-                    <a:pt x="922" y="160"/>
-                    <a:pt x="922" y="144"/>
-                  </a:cubicBezTo>
-                  <a:close/>
-                  <a:moveTo>
-                    <a:pt x="1139" y="100"/>
-                  </a:moveTo>
-                  <a:cubicBezTo>
-                    <a:pt x="1139" y="72"/>
-                    <a:pt x="1139" y="72"/>
-                    <a:pt x="1139" y="72"/>
-                  </a:cubicBezTo>
-                  <a:cubicBezTo>
-                    <a:pt x="1104" y="72"/>
-                    <a:pt x="1104" y="72"/>
-                    <a:pt x="1104" y="72"/>
-                  </a:cubicBezTo>
-                  <a:cubicBezTo>
-                    <a:pt x="1104" y="29"/>
-                    <a:pt x="1104" y="29"/>
-                    <a:pt x="1104" y="29"/>
-                  </a:cubicBezTo>
-                  <a:cubicBezTo>
-                    <a:pt x="1103" y="29"/>
-                    <a:pt x="1103" y="29"/>
-                    <a:pt x="1103" y="29"/>
-                  </a:cubicBezTo>
-                  <a:cubicBezTo>
-                    <a:pt x="1071" y="39"/>
-                    <a:pt x="1071" y="39"/>
-                    <a:pt x="1071" y="39"/>
-                  </a:cubicBezTo>
-                  <a:cubicBezTo>
-                    <a:pt x="1070" y="40"/>
-                    <a:pt x="1070" y="40"/>
-                    <a:pt x="1070" y="40"/>
-                  </a:cubicBezTo>
-                  <a:cubicBezTo>
-                    <a:pt x="1070" y="72"/>
-                    <a:pt x="1070" y="72"/>
-                    <a:pt x="1070" y="72"/>
-                  </a:cubicBezTo>
-                  <a:cubicBezTo>
-                    <a:pt x="1019" y="72"/>
-                    <a:pt x="1019" y="72"/>
-                    <a:pt x="1019" y="72"/>
-                  </a:cubicBezTo>
-                  <a:cubicBezTo>
-                    <a:pt x="1019" y="54"/>
-                    <a:pt x="1019" y="54"/>
-                    <a:pt x="1019" y="54"/>
-                  </a:cubicBezTo>
-                  <a:cubicBezTo>
-                    <a:pt x="1019" y="46"/>
-                    <a:pt x="1021" y="39"/>
-                    <a:pt x="1025" y="35"/>
-                  </a:cubicBezTo>
-                  <a:cubicBezTo>
-                    <a:pt x="1028" y="30"/>
-                    <a:pt x="1034" y="28"/>
-                    <a:pt x="1040" y="28"/>
-                  </a:cubicBezTo>
-                  <a:cubicBezTo>
-                    <a:pt x="1045" y="28"/>
-                    <a:pt x="1050" y="29"/>
-                    <a:pt x="1055" y="32"/>
-                  </a:cubicBezTo>
-                  <a:cubicBezTo>
-                    <a:pt x="1057" y="32"/>
-                    <a:pt x="1057" y="32"/>
-                    <a:pt x="1057" y="32"/>
-                  </a:cubicBezTo>
-                  <a:cubicBezTo>
-                    <a:pt x="1057" y="3"/>
-                    <a:pt x="1057" y="3"/>
-                    <a:pt x="1057" y="3"/>
-                  </a:cubicBezTo>
-                  <a:cubicBezTo>
-                    <a:pt x="1056" y="3"/>
-                    <a:pt x="1056" y="3"/>
-                    <a:pt x="1056" y="3"/>
-                  </a:cubicBezTo>
-                  <a:cubicBezTo>
-                    <a:pt x="1051" y="1"/>
-                    <a:pt x="1045" y="0"/>
-                    <a:pt x="1037" y="0"/>
-                  </a:cubicBezTo>
-                  <a:cubicBezTo>
-                    <a:pt x="1027" y="0"/>
-                    <a:pt x="1018" y="3"/>
-                    <a:pt x="1010" y="7"/>
-                  </a:cubicBezTo>
-                  <a:cubicBezTo>
-                    <a:pt x="1002" y="11"/>
-                    <a:pt x="996" y="17"/>
-                    <a:pt x="991" y="25"/>
-                  </a:cubicBezTo>
-                  <a:cubicBezTo>
-                    <a:pt x="987" y="33"/>
-                    <a:pt x="985" y="42"/>
-                    <a:pt x="985" y="52"/>
-                  </a:cubicBezTo>
-                  <a:cubicBezTo>
-                    <a:pt x="985" y="72"/>
-                    <a:pt x="985" y="72"/>
-                    <a:pt x="985" y="72"/>
-                  </a:cubicBezTo>
-                  <a:cubicBezTo>
-                    <a:pt x="961" y="72"/>
-                    <a:pt x="961" y="72"/>
-                    <a:pt x="961" y="72"/>
-                  </a:cubicBezTo>
-                  <a:cubicBezTo>
-                    <a:pt x="961" y="100"/>
-                    <a:pt x="961" y="100"/>
-                    <a:pt x="961" y="100"/>
-                  </a:cubicBezTo>
-                  <a:cubicBezTo>
-                    <a:pt x="985" y="100"/>
-                    <a:pt x="985" y="100"/>
-                    <a:pt x="985" y="100"/>
-                  </a:cubicBezTo>
-                  <a:cubicBezTo>
-                    <a:pt x="985" y="217"/>
-                    <a:pt x="985" y="217"/>
-                    <a:pt x="985" y="217"/>
-                  </a:cubicBezTo>
-                  <a:cubicBezTo>
-                    <a:pt x="1019" y="217"/>
-                    <a:pt x="1019" y="217"/>
-                    <a:pt x="1019" y="217"/>
-                  </a:cubicBezTo>
-                  <a:cubicBezTo>
-                    <a:pt x="1019" y="100"/>
-                    <a:pt x="1019" y="100"/>
-                    <a:pt x="1019" y="100"/>
-                  </a:cubicBezTo>
-                  <a:cubicBezTo>
-                    <a:pt x="1070" y="100"/>
-                    <a:pt x="1070" y="100"/>
-                    <a:pt x="1070" y="100"/>
-                  </a:cubicBezTo>
-                  <a:cubicBezTo>
-                    <a:pt x="1070" y="174"/>
-                    <a:pt x="1070" y="174"/>
-                    <a:pt x="1070" y="174"/>
-                  </a:cubicBezTo>
-                  <a:cubicBezTo>
-                    <a:pt x="1070" y="205"/>
-                    <a:pt x="1084" y="220"/>
-                    <a:pt x="1113" y="220"/>
-                  </a:cubicBezTo>
-                  <a:cubicBezTo>
-                    <a:pt x="1118" y="220"/>
-                    <a:pt x="1122" y="220"/>
-                    <a:pt x="1127" y="219"/>
-                  </a:cubicBezTo>
-                  <a:cubicBezTo>
-                    <a:pt x="1133" y="217"/>
-                    <a:pt x="1136" y="216"/>
-                    <a:pt x="1138" y="215"/>
-                  </a:cubicBezTo>
-                  <a:cubicBezTo>
-                    <a:pt x="1139" y="215"/>
-                    <a:pt x="1139" y="215"/>
-                    <a:pt x="1139" y="215"/>
-                  </a:cubicBezTo>
-                  <a:cubicBezTo>
-                    <a:pt x="1139" y="187"/>
-                    <a:pt x="1139" y="187"/>
-                    <a:pt x="1139" y="187"/>
-                  </a:cubicBezTo>
-                  <a:cubicBezTo>
-                    <a:pt x="1137" y="188"/>
-                    <a:pt x="1137" y="188"/>
-                    <a:pt x="1137" y="188"/>
-                  </a:cubicBezTo>
-                  <a:cubicBezTo>
-                    <a:pt x="1135" y="189"/>
-                    <a:pt x="1133" y="190"/>
-                    <a:pt x="1130" y="191"/>
-                  </a:cubicBezTo>
-                  <a:cubicBezTo>
-                    <a:pt x="1127" y="192"/>
-                    <a:pt x="1125" y="192"/>
-                    <a:pt x="1123" y="192"/>
-                  </a:cubicBezTo>
-                  <a:cubicBezTo>
-                    <a:pt x="1117" y="192"/>
-                    <a:pt x="1112" y="190"/>
-                    <a:pt x="1109" y="187"/>
-                  </a:cubicBezTo>
-                  <a:cubicBezTo>
-                    <a:pt x="1106" y="183"/>
-                    <a:pt x="1104" y="177"/>
-                    <a:pt x="1104" y="168"/>
-                  </a:cubicBezTo>
-                  <a:cubicBezTo>
-                    <a:pt x="1104" y="100"/>
-                    <a:pt x="1104" y="100"/>
-                    <a:pt x="1104" y="100"/>
-                  </a:cubicBezTo>
-                  <a:lnTo>
-                    <a:pt x="1139" y="100"/>
-                  </a:lnTo>
-                  <a:close/>
-                </a:path>
-              </a:pathLst>
-            </a:custGeom>
-            <a:solidFill>
-              <a:srgbClr val="FFFFFF"/>
-            </a:solidFill>
-            <a:ln>
-              <a:noFill/>
-            </a:ln>
-          </p:spPr>
-          <p:txBody>
-            <a:bodyPr vert="horz" wrap="square" lIns="91440" tIns="45720" rIns="91440" bIns="45720" numCol="1" anchor="t" anchorCtr="0" compatLnSpc="1">
-              <a:prstTxWarp prst="textNoShape">
-                <a:avLst/>
-              </a:prstTxWarp>
-            </a:bodyPr>
-            <a:lstStyle/>
-            <a:p>
-              <a:endParaRPr lang="en-US" sz="1765" dirty="0"/>
-            </a:p>
-          </p:txBody>
-        </p:sp>
-      </p:grpSp>
-    </p:spTree>
-    <p:extLst>
-      <p:ext uri="{BB962C8B-B14F-4D97-AF65-F5344CB8AC3E}">
-        <p14:creationId xmlns:p14="http://schemas.microsoft.com/office/powerpoint/2010/main" val="1122173409"/>
-      </p:ext>
-    </p:extLst>
-  </p:cSld>
-  <p:clrMapOvr>
-    <a:masterClrMapping/>
-  </p:clrMapOvr>
-  <mc:AlternateContent xmlns:mc="http://schemas.openxmlformats.org/markup-compatibility/2006" xmlns:p14="http://schemas.microsoft.com/office/powerpoint/2010/main">
-    <mc:Choice Requires="p14">
-      <p:transition spd="slow" p14:dur="3400">
-        <p14:reveal/>
-      </p:transition>
-    </mc:Choice>
-    <mc:Fallback xmlns="">
-      <p:transition spd="slow">
-        <p:fade/>
-      </p:transition>
-    </mc:Fallback>
-  </mc:AlternateContent>
-</p:sldLayout>
-</file>
-
-<file path=ppt/slideLayouts/slideLayout13.xml><?xml version="1.0" encoding="utf-8"?>
-<p:sldLayout xmlns:a="http://schemas.openxmlformats.org/drawingml/2006/main" xmlns:r="http://schemas.openxmlformats.org/officeDocument/2006/relationships" xmlns:p="http://schemas.openxmlformats.org/presentationml/2006/main" preserve="1" userDrawn="1">
-  <p:cSld name="Title &amp; Non-bulleted text">
-    <p:spTree>
-      <p:nvGrpSpPr>
-        <p:cNvPr id="1" name=""/>
-        <p:cNvGrpSpPr/>
-        <p:nvPr/>
-      </p:nvGrpSpPr>
-      <p:grpSpPr>
-        <a:xfrm>
-          <a:off x="0" y="0"/>
-          <a:ext cx="0" cy="0"/>
-          <a:chOff x="0" y="0"/>
-          <a:chExt cx="0" cy="0"/>
-        </a:xfrm>
-      </p:grpSpPr>
-      <p:sp>
-        <p:nvSpPr>
-          <p:cNvPr id="2" name="Title 1"/>
-          <p:cNvSpPr>
-            <a:spLocks noGrp="1"/>
-          </p:cNvSpPr>
-          <p:nvPr>
-            <p:ph type="title"/>
-          </p:nvPr>
-        </p:nvSpPr>
-        <p:spPr/>
-        <p:txBody>
-          <a:bodyPr/>
-          <a:lstStyle/>
-          <a:p>
-            <a:r>
-              <a:rPr lang="en-US"/>
-              <a:t>Click to edit Master title style</a:t>
-            </a:r>
-            <a:endParaRPr lang="en-US" dirty="0"/>
-          </a:p>
-        </p:txBody>
-      </p:sp>
-      <p:sp>
-        <p:nvSpPr>
-          <p:cNvPr id="6" name="Text Placeholder 5"/>
-          <p:cNvSpPr>
-            <a:spLocks noGrp="1"/>
-          </p:cNvSpPr>
-          <p:nvPr>
-            <p:ph type="body" sz="quarter" idx="10"/>
-          </p:nvPr>
-        </p:nvSpPr>
-        <p:spPr>
-          <a:xfrm>
-            <a:off x="269239" y="1189177"/>
-            <a:ext cx="11653523" cy="1985641"/>
-          </a:xfrm>
-        </p:spPr>
-        <p:txBody>
-          <a:bodyPr/>
-          <a:lstStyle>
-            <a:lvl1pPr marL="0" indent="0">
-              <a:buNone/>
-              <a:defRPr>
-                <a:gradFill>
-                  <a:gsLst>
-                    <a:gs pos="1250">
-                      <a:schemeClr val="tx1"/>
-                    </a:gs>
-                    <a:gs pos="99000">
-                      <a:schemeClr val="tx1"/>
-                    </a:gs>
-                  </a:gsLst>
-                  <a:lin ang="5400000" scaled="0"/>
-                </a:gradFill>
-              </a:defRPr>
-            </a:lvl1pPr>
-            <a:lvl2pPr marL="0" indent="0">
-              <a:buFontTx/>
-              <a:buNone/>
-              <a:defRPr sz="1961"/>
-            </a:lvl2pPr>
-            <a:lvl3pPr marL="224097" indent="0">
-              <a:buNone/>
-              <a:defRPr/>
-            </a:lvl3pPr>
-            <a:lvl4pPr marL="448193" indent="0">
-              <a:buNone/>
-              <a:defRPr/>
-            </a:lvl4pPr>
-            <a:lvl5pPr marL="672290" indent="0">
-              <a:buNone/>
-              <a:defRPr/>
-            </a:lvl5pPr>
-          </a:lstStyle>
-          <a:p>
-            <a:pPr lvl="0"/>
-            <a:r>
-              <a:rPr lang="en-US" dirty="0"/>
-              <a:t>Click to edit Master text styles</a:t>
-            </a:r>
-          </a:p>
-          <a:p>
-            <a:pPr lvl="1"/>
-            <a:r>
-              <a:rPr lang="en-US" dirty="0"/>
-              <a:t>Second level</a:t>
-            </a:r>
-          </a:p>
-          <a:p>
-            <a:pPr lvl="2"/>
-            <a:r>
-              <a:rPr lang="en-US" dirty="0"/>
-              <a:t>Third level</a:t>
-            </a:r>
-          </a:p>
-          <a:p>
-            <a:pPr lvl="3"/>
-            <a:r>
-              <a:rPr lang="en-US" dirty="0"/>
-              <a:t>Fourth level</a:t>
-            </a:r>
-          </a:p>
-          <a:p>
-            <a:pPr lvl="4"/>
-            <a:r>
-              <a:rPr lang="en-US" dirty="0"/>
-              <a:t>Fifth level</a:t>
-            </a:r>
-          </a:p>
-        </p:txBody>
-      </p:sp>
-    </p:spTree>
-    <p:extLst>
-      <p:ext uri="{BB962C8B-B14F-4D97-AF65-F5344CB8AC3E}">
-        <p14:creationId xmlns:p14="http://schemas.microsoft.com/office/powerpoint/2010/main" val="2953391160"/>
-      </p:ext>
-    </p:extLst>
-  </p:cSld>
-  <p:clrMapOvr>
-    <a:masterClrMapping/>
-  </p:clrMapOvr>
-  <p:transition>
-    <p:fade/>
-  </p:transition>
-</p:sldLayout>
-</file>
-
-<file path=ppt/slideLayouts/slideLayout14.xml><?xml version="1.0" encoding="utf-8"?>
-<p:sldLayout xmlns:a="http://schemas.openxmlformats.org/drawingml/2006/main" xmlns:r="http://schemas.openxmlformats.org/officeDocument/2006/relationships" xmlns:p="http://schemas.openxmlformats.org/presentationml/2006/main" preserve="1" userDrawn="1">
-  <p:cSld name="Title and Content">
-    <p:spTree>
-      <p:nvGrpSpPr>
-        <p:cNvPr id="1" name=""/>
-        <p:cNvGrpSpPr/>
-        <p:nvPr/>
-      </p:nvGrpSpPr>
-      <p:grpSpPr>
-        <a:xfrm>
-          <a:off x="0" y="0"/>
-          <a:ext cx="0" cy="0"/>
-          <a:chOff x="0" y="0"/>
-          <a:chExt cx="0" cy="0"/>
-        </a:xfrm>
-      </p:grpSpPr>
-      <p:sp>
-        <p:nvSpPr>
-          <p:cNvPr id="4" name="Text Placeholder 3"/>
-          <p:cNvSpPr>
-            <a:spLocks noGrp="1"/>
-          </p:cNvSpPr>
-          <p:nvPr>
-            <p:ph type="body" sz="quarter" idx="10"/>
-          </p:nvPr>
-        </p:nvSpPr>
-        <p:spPr>
-          <a:xfrm>
-            <a:off x="269239" y="1189177"/>
-            <a:ext cx="11653523" cy="2052030"/>
-          </a:xfrm>
-        </p:spPr>
-        <p:txBody>
-          <a:bodyPr>
-            <a:spAutoFit/>
-          </a:bodyPr>
-          <a:lstStyle>
-            <a:lvl1pPr>
-              <a:defRPr sz="3921"/>
-            </a:lvl1pPr>
-          </a:lstStyle>
-          <a:p>
-            <a:pPr lvl="0"/>
-            <a:r>
-              <a:rPr lang="en-US" dirty="0"/>
-              <a:t>Click to edit Master text styles</a:t>
-            </a:r>
-          </a:p>
-          <a:p>
-            <a:pPr lvl="1"/>
-            <a:r>
-              <a:rPr lang="en-US" dirty="0"/>
-              <a:t>Second level</a:t>
-            </a:r>
-          </a:p>
-          <a:p>
-            <a:pPr lvl="2"/>
-            <a:r>
-              <a:rPr lang="en-US" dirty="0"/>
-              <a:t>Third level</a:t>
-            </a:r>
-          </a:p>
-          <a:p>
-            <a:pPr lvl="3"/>
-            <a:r>
-              <a:rPr lang="en-US" dirty="0"/>
-              <a:t>Fourth level</a:t>
-            </a:r>
-          </a:p>
-          <a:p>
-            <a:pPr lvl="4"/>
-            <a:r>
-              <a:rPr lang="en-US" dirty="0"/>
-              <a:t>Fifth level</a:t>
-            </a:r>
-          </a:p>
-        </p:txBody>
-      </p:sp>
-      <p:sp>
-        <p:nvSpPr>
-          <p:cNvPr id="6" name="Title 5"/>
-          <p:cNvSpPr>
-            <a:spLocks noGrp="1"/>
-          </p:cNvSpPr>
-          <p:nvPr>
-            <p:ph type="title"/>
-          </p:nvPr>
-        </p:nvSpPr>
-        <p:spPr/>
-        <p:txBody>
-          <a:bodyPr/>
-          <a:lstStyle/>
-          <a:p>
-            <a:r>
-              <a:rPr lang="en-US"/>
-              <a:t>Click to edit Master title style</a:t>
-            </a:r>
-          </a:p>
-        </p:txBody>
-      </p:sp>
-    </p:spTree>
-    <p:extLst>
-      <p:ext uri="{BB962C8B-B14F-4D97-AF65-F5344CB8AC3E}">
-        <p14:creationId xmlns:p14="http://schemas.microsoft.com/office/powerpoint/2010/main" val="2818576603"/>
-      </p:ext>
-    </p:extLst>
-  </p:cSld>
-  <p:clrMapOvr>
-    <a:masterClrMapping/>
-  </p:clrMapOvr>
-  <p:transition>
-    <p:fade/>
-  </p:transition>
-</p:sldLayout>
-</file>
-
-<file path=ppt/slideLayouts/slideLayout15.xml><?xml version="1.0" encoding="utf-8"?>
-<p:sldLayout xmlns:a="http://schemas.openxmlformats.org/drawingml/2006/main" xmlns:r="http://schemas.openxmlformats.org/officeDocument/2006/relationships" xmlns:p="http://schemas.openxmlformats.org/presentationml/2006/main" preserve="1" userDrawn="1">
-  <p:cSld name="Two Column Non-bulleted text">
-    <p:spTree>
-      <p:nvGrpSpPr>
-        <p:cNvPr id="1" name=""/>
-        <p:cNvGrpSpPr/>
-        <p:nvPr/>
-      </p:nvGrpSpPr>
-      <p:grpSpPr>
-        <a:xfrm>
-          <a:off x="0" y="0"/>
-          <a:ext cx="0" cy="0"/>
-          <a:chOff x="0" y="0"/>
-          <a:chExt cx="0" cy="0"/>
-        </a:xfrm>
-      </p:grpSpPr>
-      <p:sp>
-        <p:nvSpPr>
-          <p:cNvPr id="2" name="Title 1"/>
-          <p:cNvSpPr>
-            <a:spLocks noGrp="1"/>
-          </p:cNvSpPr>
-          <p:nvPr>
-            <p:ph type="title"/>
-          </p:nvPr>
-        </p:nvSpPr>
-        <p:spPr/>
-        <p:txBody>
-          <a:bodyPr/>
-          <a:lstStyle/>
-          <a:p>
-            <a:r>
-              <a:rPr lang="en-US"/>
-              <a:t>Click to edit Master title style</a:t>
-            </a:r>
-            <a:endParaRPr lang="en-US" dirty="0"/>
-          </a:p>
-        </p:txBody>
-      </p:sp>
-      <p:sp>
-        <p:nvSpPr>
-          <p:cNvPr id="4" name="Text Placeholder 3"/>
-          <p:cNvSpPr>
-            <a:spLocks noGrp="1"/>
-          </p:cNvSpPr>
-          <p:nvPr>
-            <p:ph type="body" sz="quarter" idx="10"/>
-          </p:nvPr>
-        </p:nvSpPr>
-        <p:spPr>
-          <a:xfrm>
-            <a:off x="269241" y="1189175"/>
-            <a:ext cx="5378548" cy="1877004"/>
-          </a:xfrm>
-        </p:spPr>
-        <p:txBody>
-          <a:bodyPr wrap="square">
-            <a:spAutoFit/>
-          </a:bodyPr>
-          <a:lstStyle>
-            <a:lvl1pPr marL="0" indent="0">
-              <a:spcBef>
-                <a:spcPts val="1200"/>
-              </a:spcBef>
-              <a:buClr>
-                <a:schemeClr val="tx1"/>
-              </a:buClr>
-              <a:buFont typeface="Wingdings" pitchFamily="2" charset="2"/>
-              <a:buNone/>
-              <a:defRPr sz="3137"/>
-            </a:lvl1pPr>
-            <a:lvl2pPr marL="0" indent="0">
-              <a:buNone/>
-              <a:defRPr sz="1961"/>
-            </a:lvl2pPr>
-            <a:lvl3pPr marL="227209" indent="0">
-              <a:buNone/>
-              <a:tabLst/>
-              <a:defRPr sz="1961"/>
-            </a:lvl3pPr>
-            <a:lvl4pPr marL="451306" indent="0">
-              <a:buNone/>
-              <a:defRPr/>
-            </a:lvl4pPr>
-            <a:lvl5pPr marL="672290" indent="0">
-              <a:buNone/>
-              <a:tabLst/>
-              <a:defRPr/>
-            </a:lvl5pPr>
-          </a:lstStyle>
-          <a:p>
-            <a:pPr lvl="0"/>
-            <a:r>
-              <a:rPr lang="en-US" dirty="0"/>
-              <a:t>Click to edit Master text styles</a:t>
-            </a:r>
-          </a:p>
-          <a:p>
-            <a:pPr lvl="1"/>
-            <a:r>
-              <a:rPr lang="en-US" dirty="0"/>
-              <a:t>Second level</a:t>
-            </a:r>
-          </a:p>
-          <a:p>
-            <a:pPr lvl="2"/>
-            <a:r>
-              <a:rPr lang="en-US" dirty="0"/>
-              <a:t>Third level</a:t>
-            </a:r>
-          </a:p>
-          <a:p>
-            <a:pPr lvl="3"/>
-            <a:r>
-              <a:rPr lang="en-US" dirty="0"/>
-              <a:t>Fourth level</a:t>
-            </a:r>
-          </a:p>
-          <a:p>
-            <a:pPr lvl="4"/>
-            <a:r>
-              <a:rPr lang="en-US" dirty="0"/>
-              <a:t>Fifth level</a:t>
-            </a:r>
-          </a:p>
-        </p:txBody>
-      </p:sp>
-      <p:sp>
-        <p:nvSpPr>
-          <p:cNvPr id="5" name="Text Placeholder 3"/>
-          <p:cNvSpPr>
-            <a:spLocks noGrp="1"/>
-          </p:cNvSpPr>
-          <p:nvPr>
-            <p:ph type="body" sz="quarter" idx="11"/>
-          </p:nvPr>
-        </p:nvSpPr>
-        <p:spPr>
-          <a:xfrm>
-            <a:off x="6544214" y="1189175"/>
-            <a:ext cx="5378548" cy="1877004"/>
-          </a:xfrm>
-        </p:spPr>
-        <p:txBody>
-          <a:bodyPr wrap="square">
-            <a:spAutoFit/>
-          </a:bodyPr>
-          <a:lstStyle>
-            <a:lvl1pPr marL="0" indent="0">
-              <a:spcBef>
-                <a:spcPts val="1200"/>
-              </a:spcBef>
-              <a:buClr>
-                <a:schemeClr val="tx1"/>
-              </a:buClr>
-              <a:buFont typeface="Wingdings" pitchFamily="2" charset="2"/>
-              <a:buNone/>
-              <a:defRPr sz="3137"/>
-            </a:lvl1pPr>
-            <a:lvl2pPr marL="0" indent="0">
-              <a:buNone/>
-              <a:defRPr sz="1961"/>
-            </a:lvl2pPr>
-            <a:lvl3pPr marL="227209" indent="0">
-              <a:buNone/>
-              <a:tabLst/>
-              <a:defRPr sz="1961"/>
-            </a:lvl3pPr>
-            <a:lvl4pPr marL="451306" indent="0">
-              <a:buNone/>
-              <a:defRPr/>
-            </a:lvl4pPr>
-            <a:lvl5pPr marL="672290" indent="0">
-              <a:buNone/>
-              <a:tabLst/>
-              <a:defRPr/>
-            </a:lvl5pPr>
-          </a:lstStyle>
-          <a:p>
-            <a:pPr lvl="0"/>
-            <a:r>
-              <a:rPr lang="en-US" dirty="0"/>
-              <a:t>Click to edit Master text styles</a:t>
-            </a:r>
-          </a:p>
-          <a:p>
-            <a:pPr lvl="1"/>
-            <a:r>
-              <a:rPr lang="en-US" dirty="0"/>
-              <a:t>Second level</a:t>
-            </a:r>
-          </a:p>
-          <a:p>
-            <a:pPr lvl="2"/>
-            <a:r>
-              <a:rPr lang="en-US" dirty="0"/>
-              <a:t>Third level</a:t>
-            </a:r>
-          </a:p>
-          <a:p>
-            <a:pPr lvl="3"/>
-            <a:r>
-              <a:rPr lang="en-US" dirty="0"/>
-              <a:t>Fourth level</a:t>
-            </a:r>
-          </a:p>
-          <a:p>
-            <a:pPr lvl="4"/>
-            <a:r>
-              <a:rPr lang="en-US" dirty="0"/>
-              <a:t>Fifth level</a:t>
-            </a:r>
-          </a:p>
-        </p:txBody>
-      </p:sp>
-    </p:spTree>
-    <p:extLst>
-      <p:ext uri="{BB962C8B-B14F-4D97-AF65-F5344CB8AC3E}">
-        <p14:creationId xmlns:p14="http://schemas.microsoft.com/office/powerpoint/2010/main" val="628879157"/>
-      </p:ext>
-    </p:extLst>
-  </p:cSld>
-  <p:clrMapOvr>
-    <a:masterClrMapping/>
-  </p:clrMapOvr>
-  <p:transition>
-    <p:fade/>
-  </p:transition>
-</p:sldLayout>
-</file>
-
-<file path=ppt/slideLayouts/slideLayout16.xml><?xml version="1.0" encoding="utf-8"?>
-<p:sldLayout xmlns:a="http://schemas.openxmlformats.org/drawingml/2006/main" xmlns:r="http://schemas.openxmlformats.org/officeDocument/2006/relationships" xmlns:p="http://schemas.openxmlformats.org/presentationml/2006/main" preserve="1" userDrawn="1">
-  <p:cSld name="Two Column Bullet text">
-    <p:spTree>
-      <p:nvGrpSpPr>
-        <p:cNvPr id="1" name=""/>
-        <p:cNvGrpSpPr/>
-        <p:nvPr/>
-      </p:nvGrpSpPr>
-      <p:grpSpPr>
-        <a:xfrm>
-          <a:off x="0" y="0"/>
-          <a:ext cx="0" cy="0"/>
-          <a:chOff x="0" y="0"/>
-          <a:chExt cx="0" cy="0"/>
-        </a:xfrm>
-      </p:grpSpPr>
-      <p:sp>
-        <p:nvSpPr>
-          <p:cNvPr id="2" name="Title 1"/>
-          <p:cNvSpPr>
-            <a:spLocks noGrp="1"/>
-          </p:cNvSpPr>
-          <p:nvPr>
-            <p:ph type="title"/>
-          </p:nvPr>
-        </p:nvSpPr>
-        <p:spPr/>
-        <p:txBody>
-          <a:bodyPr/>
-          <a:lstStyle/>
-          <a:p>
-            <a:r>
-              <a:rPr lang="en-US"/>
-              <a:t>Click to edit Master title style</a:t>
-            </a:r>
-            <a:endParaRPr lang="en-US" dirty="0"/>
-          </a:p>
-        </p:txBody>
-      </p:sp>
-      <p:sp>
-        <p:nvSpPr>
-          <p:cNvPr id="4" name="Text Placeholder 3"/>
-          <p:cNvSpPr>
-            <a:spLocks noGrp="1"/>
-          </p:cNvSpPr>
-          <p:nvPr>
-            <p:ph type="body" sz="quarter" idx="10"/>
-          </p:nvPr>
-        </p:nvSpPr>
-        <p:spPr>
-          <a:xfrm>
-            <a:off x="269241" y="1189176"/>
-            <a:ext cx="5378548" cy="2377940"/>
-          </a:xfrm>
-        </p:spPr>
-        <p:txBody>
-          <a:bodyPr wrap="square">
-            <a:spAutoFit/>
-          </a:bodyPr>
-          <a:lstStyle>
-            <a:lvl1pPr marL="281677" indent="-281677">
-              <a:spcBef>
-                <a:spcPts val="1200"/>
-              </a:spcBef>
-              <a:buClr>
-                <a:schemeClr val="tx1"/>
-              </a:buClr>
-              <a:buFont typeface="Arial" pitchFamily="34" charset="0"/>
-              <a:buChar char="•"/>
-              <a:defRPr sz="3137"/>
-            </a:lvl1pPr>
-            <a:lvl2pPr marL="520702" indent="-228601">
-              <a:defRPr sz="2353"/>
-            </a:lvl2pPr>
-            <a:lvl3pPr marL="685803" indent="-165101">
-              <a:tabLst/>
-              <a:defRPr sz="1961"/>
-            </a:lvl3pPr>
-            <a:lvl4pPr marL="863603" indent="-177801">
-              <a:defRPr/>
-            </a:lvl4pPr>
-            <a:lvl5pPr marL="1028704" indent="-165101">
-              <a:tabLst/>
-              <a:defRPr/>
-            </a:lvl5pPr>
-          </a:lstStyle>
-          <a:p>
-            <a:pPr lvl="0"/>
-            <a:r>
-              <a:rPr lang="en-US" dirty="0"/>
-              <a:t>Click to edit Master text styles</a:t>
-            </a:r>
-          </a:p>
-          <a:p>
-            <a:pPr lvl="1"/>
-            <a:r>
-              <a:rPr lang="en-US" dirty="0"/>
-              <a:t>Second level</a:t>
-            </a:r>
-          </a:p>
-          <a:p>
-            <a:pPr lvl="2"/>
-            <a:r>
-              <a:rPr lang="en-US" dirty="0"/>
-              <a:t>Third level</a:t>
-            </a:r>
-          </a:p>
-          <a:p>
-            <a:pPr lvl="3"/>
-            <a:r>
-              <a:rPr lang="en-US" dirty="0"/>
-              <a:t>Fourth level</a:t>
-            </a:r>
-          </a:p>
-          <a:p>
-            <a:pPr lvl="4"/>
-            <a:r>
-              <a:rPr lang="en-US" dirty="0"/>
-              <a:t>Fifth level</a:t>
-            </a:r>
-          </a:p>
-        </p:txBody>
-      </p:sp>
-      <p:sp>
-        <p:nvSpPr>
-          <p:cNvPr id="5" name="Text Placeholder 3"/>
-          <p:cNvSpPr>
-            <a:spLocks noGrp="1"/>
-          </p:cNvSpPr>
-          <p:nvPr>
-            <p:ph type="body" sz="quarter" idx="11"/>
-          </p:nvPr>
-        </p:nvSpPr>
-        <p:spPr>
-          <a:xfrm>
-            <a:off x="6544214" y="1189176"/>
-            <a:ext cx="5378548" cy="2377940"/>
-          </a:xfrm>
-        </p:spPr>
-        <p:txBody>
-          <a:bodyPr wrap="square">
-            <a:spAutoFit/>
-          </a:bodyPr>
-          <a:lstStyle>
-            <a:lvl1pPr marL="281677" indent="-281677">
-              <a:spcBef>
-                <a:spcPts val="1200"/>
-              </a:spcBef>
-              <a:buClr>
-                <a:schemeClr val="tx1"/>
-              </a:buClr>
-              <a:buFont typeface="Arial" pitchFamily="34" charset="0"/>
-              <a:buChar char="•"/>
-              <a:defRPr sz="3137"/>
-            </a:lvl1pPr>
-            <a:lvl2pPr marL="520702" indent="-228601">
-              <a:defRPr sz="2353"/>
-            </a:lvl2pPr>
-            <a:lvl3pPr marL="685803" indent="-165101">
-              <a:tabLst/>
-              <a:defRPr sz="1961"/>
-            </a:lvl3pPr>
-            <a:lvl4pPr marL="863603" indent="-177801">
-              <a:defRPr/>
-            </a:lvl4pPr>
-            <a:lvl5pPr marL="1028704" indent="-165101">
-              <a:tabLst/>
-              <a:defRPr/>
-            </a:lvl5pPr>
-          </a:lstStyle>
-          <a:p>
-            <a:pPr lvl="0"/>
-            <a:r>
-              <a:rPr lang="en-US" dirty="0"/>
-              <a:t>Click to edit Master text styles</a:t>
-            </a:r>
-          </a:p>
-          <a:p>
-            <a:pPr lvl="1"/>
-            <a:r>
-              <a:rPr lang="en-US" dirty="0"/>
-              <a:t>Second level</a:t>
-            </a:r>
-          </a:p>
-          <a:p>
-            <a:pPr lvl="2"/>
-            <a:r>
-              <a:rPr lang="en-US" dirty="0"/>
-              <a:t>Third level</a:t>
-            </a:r>
-          </a:p>
-          <a:p>
-            <a:pPr lvl="3"/>
-            <a:r>
-              <a:rPr lang="en-US" dirty="0"/>
-              <a:t>Fourth level</a:t>
-            </a:r>
-          </a:p>
-          <a:p>
-            <a:pPr lvl="4"/>
-            <a:r>
-              <a:rPr lang="en-US" dirty="0"/>
-              <a:t>Fifth level</a:t>
-            </a:r>
-          </a:p>
-        </p:txBody>
-      </p:sp>
-    </p:spTree>
-    <p:extLst>
-      <p:ext uri="{BB962C8B-B14F-4D97-AF65-F5344CB8AC3E}">
-        <p14:creationId xmlns:p14="http://schemas.microsoft.com/office/powerpoint/2010/main" val="2610195946"/>
-      </p:ext>
-    </p:extLst>
-  </p:cSld>
-  <p:clrMapOvr>
-    <a:masterClrMapping/>
-  </p:clrMapOvr>
-  <p:transition>
-    <p:fade/>
-  </p:transition>
-</p:sldLayout>
-</file>
-
-<file path=ppt/slideLayouts/slideLayout17.xml><?xml version="1.0" encoding="utf-8"?>
-<p:sldLayout xmlns:a="http://schemas.openxmlformats.org/drawingml/2006/main" xmlns:r="http://schemas.openxmlformats.org/officeDocument/2006/relationships" xmlns:p="http://schemas.openxmlformats.org/presentationml/2006/main" preserve="1" userDrawn="1">
-  <p:cSld name="Title Only">
-    <p:spTree>
-      <p:nvGrpSpPr>
-        <p:cNvPr id="1" name=""/>
-        <p:cNvGrpSpPr/>
-        <p:nvPr/>
-      </p:nvGrpSpPr>
-      <p:grpSpPr>
-        <a:xfrm>
-          <a:off x="0" y="0"/>
-          <a:ext cx="0" cy="0"/>
-          <a:chOff x="0" y="0"/>
-          <a:chExt cx="0" cy="0"/>
-        </a:xfrm>
-      </p:grpSpPr>
-      <p:sp>
-        <p:nvSpPr>
-          <p:cNvPr id="2" name="Title 1"/>
-          <p:cNvSpPr>
-            <a:spLocks noGrp="1"/>
-          </p:cNvSpPr>
-          <p:nvPr>
-            <p:ph type="title"/>
-          </p:nvPr>
-        </p:nvSpPr>
-        <p:spPr/>
-        <p:txBody>
-          <a:bodyPr/>
-          <a:lstStyle/>
-          <a:p>
-            <a:r>
-              <a:rPr lang="en-US" dirty="0"/>
-              <a:t>Click to edit Master title style</a:t>
-            </a:r>
-          </a:p>
-        </p:txBody>
-      </p:sp>
-    </p:spTree>
-    <p:extLst>
-      <p:ext uri="{BB962C8B-B14F-4D97-AF65-F5344CB8AC3E}">
-        <p14:creationId xmlns:p14="http://schemas.microsoft.com/office/powerpoint/2010/main" val="4236199967"/>
-      </p:ext>
-    </p:extLst>
-  </p:cSld>
-  <p:clrMapOvr>
-    <a:masterClrMapping/>
-  </p:clrMapOvr>
-  <p:transition>
-    <p:fade/>
-  </p:transition>
-</p:sldLayout>
-</file>
-
-<file path=ppt/slideLayouts/slideLayout18.xml><?xml version="1.0" encoding="utf-8"?>
-<p:sldLayout xmlns:a="http://schemas.openxmlformats.org/drawingml/2006/main" xmlns:r="http://schemas.openxmlformats.org/officeDocument/2006/relationships" xmlns:p="http://schemas.openxmlformats.org/presentationml/2006/main" preserve="1" userDrawn="1">
-  <p:cSld name="Demo slide">
-    <p:bg>
-      <p:bgPr>
-        <a:solidFill>
-          <a:schemeClr val="accent1"/>
-        </a:solidFill>
-        <a:effectLst/>
-      </p:bgPr>
-    </p:bg>
-    <p:spTree>
-      <p:nvGrpSpPr>
-        <p:cNvPr id="1" name=""/>
-        <p:cNvGrpSpPr/>
-        <p:nvPr/>
-      </p:nvGrpSpPr>
-      <p:grpSpPr>
-        <a:xfrm>
-          <a:off x="0" y="0"/>
-          <a:ext cx="0" cy="0"/>
-          <a:chOff x="0" y="0"/>
-          <a:chExt cx="0" cy="0"/>
-        </a:xfrm>
-      </p:grpSpPr>
-      <p:sp>
-        <p:nvSpPr>
-          <p:cNvPr id="2" name="Title 1"/>
-          <p:cNvSpPr>
-            <a:spLocks noGrp="1"/>
-          </p:cNvSpPr>
-          <p:nvPr>
-            <p:ph type="title" hasCustomPrompt="1"/>
-          </p:nvPr>
-        </p:nvSpPr>
-        <p:spPr>
-          <a:xfrm>
-            <a:off x="269239" y="2084186"/>
-            <a:ext cx="9859116" cy="1158793"/>
-          </a:xfrm>
-          <a:noFill/>
-        </p:spPr>
-        <p:txBody>
-          <a:bodyPr tIns="91440" bIns="91440" anchor="t" anchorCtr="0">
-            <a:spAutoFit/>
-          </a:bodyPr>
-          <a:lstStyle>
-            <a:lvl1pPr>
-              <a:defRPr sz="7058" spc="-98" baseline="0">
-                <a:gradFill>
-                  <a:gsLst>
-                    <a:gs pos="0">
-                      <a:schemeClr val="tx1"/>
-                    </a:gs>
-                    <a:gs pos="100000">
-                      <a:schemeClr val="tx1"/>
-                    </a:gs>
-                  </a:gsLst>
-                  <a:lin ang="5400000" scaled="0"/>
-                </a:gradFill>
-              </a:defRPr>
-            </a:lvl1pPr>
-          </a:lstStyle>
-          <a:p>
-            <a:r>
-              <a:rPr lang="en-US" dirty="0"/>
-              <a:t>Demo title</a:t>
-            </a:r>
-          </a:p>
-        </p:txBody>
-      </p:sp>
-      <p:sp>
-        <p:nvSpPr>
-          <p:cNvPr id="5" name="Text Placeholder 4"/>
-          <p:cNvSpPr>
-            <a:spLocks noGrp="1"/>
-          </p:cNvSpPr>
-          <p:nvPr>
-            <p:ph type="body" sz="quarter" idx="12" hasCustomPrompt="1"/>
-          </p:nvPr>
-        </p:nvSpPr>
-        <p:spPr>
-          <a:xfrm>
-            <a:off x="269240" y="3877277"/>
-            <a:ext cx="9860674" cy="724246"/>
-          </a:xfrm>
-          <a:noFill/>
-        </p:spPr>
-        <p:txBody>
-          <a:bodyPr lIns="182880" tIns="146304" rIns="182880" bIns="146304">
-            <a:spAutoFit/>
-          </a:bodyPr>
-          <a:lstStyle>
-            <a:lvl1pPr marL="0" indent="0">
-              <a:spcBef>
-                <a:spcPts val="0"/>
-              </a:spcBef>
-              <a:buNone/>
-              <a:defRPr sz="3137" spc="0" baseline="0">
-                <a:gradFill>
-                  <a:gsLst>
-                    <a:gs pos="0">
-                      <a:schemeClr val="tx1"/>
-                    </a:gs>
-                    <a:gs pos="100000">
-                      <a:schemeClr val="tx1"/>
-                    </a:gs>
-                  </a:gsLst>
-                  <a:lin ang="5400000" scaled="0"/>
-                </a:gradFill>
-                <a:latin typeface="+mj-lt"/>
-              </a:defRPr>
-            </a:lvl1pPr>
-          </a:lstStyle>
-          <a:p>
-            <a:pPr lvl="0"/>
-            <a:r>
-              <a:rPr lang="en-US" dirty="0"/>
-              <a:t>Speaker Name</a:t>
-            </a:r>
-          </a:p>
-        </p:txBody>
-      </p:sp>
-    </p:spTree>
-    <p:extLst>
-      <p:ext uri="{BB962C8B-B14F-4D97-AF65-F5344CB8AC3E}">
-        <p14:creationId xmlns:p14="http://schemas.microsoft.com/office/powerpoint/2010/main" val="2875692455"/>
-      </p:ext>
-    </p:extLst>
-  </p:cSld>
-  <p:clrMapOvr>
-    <a:masterClrMapping/>
-  </p:clrMapOvr>
-  <mc:AlternateContent xmlns:mc="http://schemas.openxmlformats.org/markup-compatibility/2006" xmlns:p14="http://schemas.microsoft.com/office/powerpoint/2010/main">
-    <mc:Choice Requires="p14">
-      <p:transition spd="slow" p14:dur="3400">
-        <p14:reveal/>
-      </p:transition>
-    </mc:Choice>
-    <mc:Fallback xmlns="">
-      <p:transition spd="slow">
-        <p:fade/>
-      </p:transition>
-    </mc:Fallback>
-  </mc:AlternateContent>
-</p:sldLayout>
-</file>
-
-<file path=ppt/slideLayouts/slideLayout19.xml><?xml version="1.0" encoding="utf-8"?>
-<p:sldLayout xmlns:a="http://schemas.openxmlformats.org/drawingml/2006/main" xmlns:r="http://schemas.openxmlformats.org/officeDocument/2006/relationships" xmlns:p="http://schemas.openxmlformats.org/presentationml/2006/main" preserve="1" userDrawn="1">
-  <p:cSld name="Video slide">
-    <p:bg>
-      <p:bgPr>
-        <a:solidFill>
-          <a:schemeClr val="accent1"/>
-        </a:solidFill>
-        <a:effectLst/>
-      </p:bgPr>
-    </p:bg>
-    <p:spTree>
-      <p:nvGrpSpPr>
-        <p:cNvPr id="1" name=""/>
-        <p:cNvGrpSpPr/>
-        <p:nvPr/>
-      </p:nvGrpSpPr>
-      <p:grpSpPr>
-        <a:xfrm>
-          <a:off x="0" y="0"/>
-          <a:ext cx="0" cy="0"/>
-          <a:chOff x="0" y="0"/>
-          <a:chExt cx="0" cy="0"/>
-        </a:xfrm>
-      </p:grpSpPr>
-      <p:sp>
-        <p:nvSpPr>
-          <p:cNvPr id="2" name="Title 1"/>
-          <p:cNvSpPr>
-            <a:spLocks noGrp="1"/>
-          </p:cNvSpPr>
-          <p:nvPr>
-            <p:ph type="title" hasCustomPrompt="1"/>
-          </p:nvPr>
-        </p:nvSpPr>
-        <p:spPr>
-          <a:xfrm>
-            <a:off x="269240" y="2084186"/>
-            <a:ext cx="9859116" cy="1158793"/>
-          </a:xfrm>
-          <a:noFill/>
-        </p:spPr>
-        <p:txBody>
-          <a:bodyPr tIns="91440" bIns="91440" anchor="t" anchorCtr="0">
-            <a:spAutoFit/>
-          </a:bodyPr>
-          <a:lstStyle>
-            <a:lvl1pPr>
-              <a:defRPr lang="en-US" sz="7058" b="0" kern="1200" cap="none" spc="-98" baseline="0" dirty="0">
-                <a:ln w="3175">
-                  <a:noFill/>
-                </a:ln>
-                <a:gradFill>
-                  <a:gsLst>
-                    <a:gs pos="0">
-                      <a:schemeClr val="tx1"/>
-                    </a:gs>
-                    <a:gs pos="100000">
-                      <a:schemeClr val="tx1"/>
-                    </a:gs>
-                  </a:gsLst>
-                  <a:lin ang="5400000" scaled="0"/>
-                </a:gradFill>
-                <a:effectLst/>
-                <a:latin typeface="+mj-lt"/>
-                <a:ea typeface="+mn-ea"/>
-                <a:cs typeface="Segoe UI" pitchFamily="34" charset="0"/>
-              </a:defRPr>
-            </a:lvl1pPr>
-          </a:lstStyle>
-          <a:p>
-            <a:r>
-              <a:rPr lang="en-US" dirty="0"/>
-              <a:t>Video title</a:t>
-            </a:r>
-          </a:p>
-        </p:txBody>
-      </p:sp>
-    </p:spTree>
-    <p:extLst>
-      <p:ext uri="{BB962C8B-B14F-4D97-AF65-F5344CB8AC3E}">
-        <p14:creationId xmlns:p14="http://schemas.microsoft.com/office/powerpoint/2010/main" val="3710251443"/>
-      </p:ext>
-    </p:extLst>
-  </p:cSld>
-  <p:clrMapOvr>
-    <a:overrideClrMapping bg1="dk1" tx1="lt1" bg2="dk2" tx2="lt2" accent1="accent1" accent2="accent2" accent3="accent3" accent4="accent4" accent5="accent5" accent6="accent6" hlink="hlink" folHlink="folHlink"/>
-  </p:clrMapOvr>
-  <mc:AlternateContent xmlns:mc="http://schemas.openxmlformats.org/markup-compatibility/2006" xmlns:p14="http://schemas.microsoft.com/office/powerpoint/2010/main">
-    <mc:Choice Requires="p14">
-      <p:transition spd="slow" p14:dur="3400">
-        <p14:reveal/>
-      </p:transition>
-    </mc:Choice>
-    <mc:Fallback xmlns="">
-      <p:transition spd="slow">
-        <p:fade/>
-      </p:transition>
-    </mc:Fallback>
-  </mc:AlternateContent>
-</p:sldLayout>
-</file>
-
-<file path=ppt/slideLayouts/slideLayout2.xml><?xml version="1.0" encoding="utf-8"?>
-<p:sldLayout xmlns:a="http://schemas.openxmlformats.org/drawingml/2006/main" xmlns:r="http://schemas.openxmlformats.org/officeDocument/2006/relationships" xmlns:p="http://schemas.openxmlformats.org/presentationml/2006/main" preserve="1" userDrawn="1">
-  <p:cSld name="Blank Blue">
-    <p:bg bwMode="ltGray">
-      <p:bgPr>
-        <a:solidFill>
-          <a:schemeClr val="accent1"/>
-        </a:solidFill>
-        <a:effectLst/>
-      </p:bgPr>
-    </p:bg>
-    <p:spTree>
-      <p:nvGrpSpPr>
-        <p:cNvPr id="1" name=""/>
-        <p:cNvGrpSpPr/>
-        <p:nvPr/>
-      </p:nvGrpSpPr>
-      <p:grpSpPr>
-        <a:xfrm>
-          <a:off x="0" y="0"/>
-          <a:ext cx="0" cy="0"/>
-          <a:chOff x="0" y="0"/>
-          <a:chExt cx="0" cy="0"/>
-        </a:xfrm>
-      </p:grpSpPr>
-    </p:spTree>
-    <p:extLst>
-      <p:ext uri="{BB962C8B-B14F-4D97-AF65-F5344CB8AC3E}">
-        <p14:creationId xmlns:p14="http://schemas.microsoft.com/office/powerpoint/2010/main" val="456722354"/>
-      </p:ext>
-    </p:extLst>
-  </p:cSld>
-  <p:clrMapOvr>
-    <a:masterClrMapping/>
-  </p:clrMapOvr>
-  <p:transition>
-    <p:fade/>
-  </p:transition>
-</p:sldLayout>
-</file>
-
-<file path=ppt/slideLayouts/slideLayout20.xml><?xml version="1.0" encoding="utf-8"?>
+<file path=ppt/slideLayouts/slideLayout10.xml><?xml version="1.0" encoding="utf-8"?>
 <p:sldLayout xmlns:a="http://schemas.openxmlformats.org/drawingml/2006/main" xmlns:r="http://schemas.openxmlformats.org/officeDocument/2006/relationships" xmlns:p="http://schemas.openxmlformats.org/presentationml/2006/main" preserve="1" userDrawn="1">
   <p:cSld name="Section Title">
     <p:bg>
@@ -12176,7 +7963,7 @@
 </p:sldLayout>
 </file>
 
-<file path=ppt/slideLayouts/slideLayout21.xml><?xml version="1.0" encoding="utf-8"?>
+<file path=ppt/slideLayouts/slideLayout11.xml><?xml version="1.0" encoding="utf-8"?>
 <p:sldLayout xmlns:a="http://schemas.openxmlformats.org/drawingml/2006/main" xmlns:r="http://schemas.openxmlformats.org/officeDocument/2006/relationships" xmlns:p="http://schemas.openxmlformats.org/presentationml/2006/main" preserve="1" userDrawn="1">
   <p:cSld name="Section Title Accent Color 1">
     <p:bg>
@@ -12263,7 +8050,7 @@
 </p:sldLayout>
 </file>
 
-<file path=ppt/slideLayouts/slideLayout22.xml><?xml version="1.0" encoding="utf-8"?>
+<file path=ppt/slideLayouts/slideLayout12.xml><?xml version="1.0" encoding="utf-8"?>
 <p:sldLayout xmlns:a="http://schemas.openxmlformats.org/drawingml/2006/main" xmlns:r="http://schemas.openxmlformats.org/officeDocument/2006/relationships" xmlns:p="http://schemas.openxmlformats.org/presentationml/2006/main" preserve="1" userDrawn="1">
   <p:cSld name="50-50 Right Photo Layout">
     <p:spTree>
@@ -12405,7 +8192,7 @@
 </p:sldLayout>
 </file>
 
-<file path=ppt/slideLayouts/slideLayout23.xml><?xml version="1.0" encoding="utf-8"?>
+<file path=ppt/slideLayouts/slideLayout13.xml><?xml version="1.0" encoding="utf-8"?>
 <p:sldLayout xmlns:a="http://schemas.openxmlformats.org/drawingml/2006/main" xmlns:r="http://schemas.openxmlformats.org/officeDocument/2006/relationships" xmlns:p="http://schemas.openxmlformats.org/presentationml/2006/main" preserve="1" userDrawn="1">
   <p:cSld name="Square Right Photo Layout">
     <p:spTree>
@@ -12579,7 +8366,7 @@
 </p:sldLayout>
 </file>
 
-<file path=ppt/slideLayouts/slideLayout24.xml><?xml version="1.0" encoding="utf-8"?>
+<file path=ppt/slideLayouts/slideLayout14.xml><?xml version="1.0" encoding="utf-8"?>
 <p:sldLayout xmlns:a="http://schemas.openxmlformats.org/drawingml/2006/main" xmlns:r="http://schemas.openxmlformats.org/officeDocument/2006/relationships" xmlns:p="http://schemas.openxmlformats.org/presentationml/2006/main" preserve="1" userDrawn="1">
   <p:cSld name="Blank">
     <p:spTree>
@@ -12612,7 +8399,7 @@
 </p:sldLayout>
 </file>
 
-<file path=ppt/slideLayouts/slideLayout25.xml><?xml version="1.0" encoding="utf-8"?>
+<file path=ppt/slideLayouts/slideLayout15.xml><?xml version="1.0" encoding="utf-8"?>
 <p:sldLayout xmlns:a="http://schemas.openxmlformats.org/drawingml/2006/main" xmlns:r="http://schemas.openxmlformats.org/officeDocument/2006/relationships" xmlns:p="http://schemas.openxmlformats.org/presentationml/2006/main" preserve="1" userDrawn="1">
   <p:cSld name="Blank Accent Color 1">
     <p:bg>
@@ -12653,7 +8440,7 @@
 </p:sldLayout>
 </file>
 
-<file path=ppt/slideLayouts/slideLayout26.xml><?xml version="1.0" encoding="utf-8"?>
+<file path=ppt/slideLayouts/slideLayout16.xml><?xml version="1.0" encoding="utf-8"?>
 <p:sldLayout xmlns:a="http://schemas.openxmlformats.org/drawingml/2006/main" xmlns:r="http://schemas.openxmlformats.org/officeDocument/2006/relationships" xmlns:p="http://schemas.openxmlformats.org/presentationml/2006/main" preserve="1" userDrawn="1">
   <p:cSld name="Developer Code Layout">
     <p:spTree>
@@ -12932,7 +8719,7 @@
 </p:sldLayout>
 </file>
 
-<file path=ppt/slideLayouts/slideLayout27.xml><?xml version="1.0" encoding="utf-8"?>
+<file path=ppt/slideLayouts/slideLayout17.xml><?xml version="1.0" encoding="utf-8"?>
 <p:sldLayout xmlns:a="http://schemas.openxmlformats.org/drawingml/2006/main" xmlns:r="http://schemas.openxmlformats.org/officeDocument/2006/relationships" xmlns:p="http://schemas.openxmlformats.org/presentationml/2006/main" preserve="1" userDrawn="1">
   <p:cSld name="Closing logo slide">
     <p:bg>
@@ -14342,13 +10129,13 @@
 </p:sldLayout>
 </file>
 
-<file path=ppt/slideLayouts/slideLayout28.xml><?xml version="1.0" encoding="utf-8"?>
+<file path=ppt/slideLayouts/slideLayout2.xml><?xml version="1.0" encoding="utf-8"?>
 <p:sldLayout xmlns:a="http://schemas.openxmlformats.org/drawingml/2006/main" xmlns:r="http://schemas.openxmlformats.org/officeDocument/2006/relationships" xmlns:p="http://schemas.openxmlformats.org/presentationml/2006/main" preserve="1" userDrawn="1">
-  <p:cSld name="Black Notes slide Layout">
-    <p:bg bwMode="black">
+  <p:cSld name="2_Title Slide">
+    <p:bg>
       <p:bgPr>
         <a:solidFill>
-          <a:srgbClr val="000000"/>
+          <a:schemeClr val="bg2"/>
         </a:solidFill>
         <a:effectLst/>
       </p:bgPr>
@@ -14369,230 +10156,88 @@
       </p:grpSpPr>
       <p:sp>
         <p:nvSpPr>
-          <p:cNvPr id="6" name="Text Placeholder 5"/>
+          <p:cNvPr id="9" name="Title 1"/>
           <p:cNvSpPr>
             <a:spLocks noGrp="1"/>
           </p:cNvSpPr>
           <p:nvPr>
-            <p:ph type="body" sz="quarter" idx="10" hasCustomPrompt="1"/>
+            <p:ph type="title" hasCustomPrompt="1"/>
           </p:nvPr>
         </p:nvSpPr>
-        <p:spPr bwMode="white">
+        <p:spPr>
           <a:xfrm>
-            <a:off x="269239" y="1189177"/>
-            <a:ext cx="11653523" cy="2396047"/>
+            <a:off x="269302" y="2084187"/>
+            <a:ext cx="8964185" cy="1793090"/>
           </a:xfrm>
-          <a:prstGeom prst="rect">
-            <a:avLst/>
-          </a:prstGeom>
+          <a:noFill/>
         </p:spPr>
         <p:txBody>
-          <a:bodyPr/>
+          <a:bodyPr lIns="146304" tIns="91440" rIns="146304" bIns="91440" anchor="t" anchorCtr="0"/>
           <a:lstStyle>
-            <a:lvl1pPr marL="284790" indent="-284790">
-              <a:buClr>
-                <a:schemeClr val="tx1"/>
-              </a:buClr>
-              <a:buSzPct val="90000"/>
-              <a:buFont typeface="Arial" pitchFamily="34" charset="0"/>
-              <a:buChar char="•"/>
-              <a:defRPr sz="3529">
+            <a:lvl1pPr>
+              <a:defRPr sz="5294" spc="-98" baseline="0">
                 <a:gradFill>
                   <a:gsLst>
-                    <a:gs pos="1250">
+                    <a:gs pos="62564">
                       <a:schemeClr val="tx1"/>
                     </a:gs>
-                    <a:gs pos="100000">
+                    <a:gs pos="55000">
                       <a:schemeClr val="tx1"/>
                     </a:gs>
                   </a:gsLst>
                   <a:lin ang="5400000" scaled="0"/>
                 </a:gradFill>
-                <a:latin typeface="Segoe UI" pitchFamily="34" charset="0"/>
-                <a:ea typeface="Segoe UI" pitchFamily="34" charset="0"/>
-                <a:cs typeface="Segoe UI" pitchFamily="34" charset="0"/>
               </a:defRPr>
             </a:lvl1pPr>
-            <a:lvl2pPr marL="560241" indent="-275453">
-              <a:buClr>
-                <a:schemeClr val="tx1"/>
-              </a:buClr>
-              <a:buSzPct val="90000"/>
-              <a:buFont typeface="Arial" pitchFamily="34" charset="0"/>
-              <a:buChar char="•"/>
-              <a:defRPr sz="3137">
+          </a:lstStyle>
+          <a:p>
+            <a:r>
+              <a:rPr lang="en-US" dirty="0"/>
+              <a:t>Presentation title</a:t>
+            </a:r>
+          </a:p>
+        </p:txBody>
+      </p:sp>
+      <p:sp>
+        <p:nvSpPr>
+          <p:cNvPr id="5" name="Text Placeholder 4"/>
+          <p:cNvSpPr>
+            <a:spLocks noGrp="1"/>
+          </p:cNvSpPr>
+          <p:nvPr>
+            <p:ph type="body" sz="quarter" idx="12" hasCustomPrompt="1"/>
+          </p:nvPr>
+        </p:nvSpPr>
+        <p:spPr>
+          <a:xfrm>
+            <a:off x="269301" y="3878574"/>
+            <a:ext cx="7171337" cy="1792326"/>
+          </a:xfrm>
+          <a:noFill/>
+        </p:spPr>
+        <p:txBody>
+          <a:bodyPr lIns="164592" tIns="109728" rIns="164592" bIns="109728">
+            <a:noAutofit/>
+          </a:bodyPr>
+          <a:lstStyle>
+            <a:lvl1pPr marL="0" indent="0">
+              <a:spcBef>
+                <a:spcPts val="0"/>
+              </a:spcBef>
+              <a:buNone/>
+              <a:defRPr sz="3137" spc="0" baseline="0">
                 <a:gradFill>
                   <a:gsLst>
-                    <a:gs pos="1250">
+                    <a:gs pos="91000">
                       <a:schemeClr val="tx1"/>
                     </a:gs>
-                    <a:gs pos="100000">
+                    <a:gs pos="0">
                       <a:schemeClr val="tx1"/>
                     </a:gs>
                   </a:gsLst>
                   <a:lin ang="5400000" scaled="0"/>
                 </a:gradFill>
-                <a:latin typeface="Segoe UI" pitchFamily="34" charset="0"/>
-                <a:ea typeface="Segoe UI" pitchFamily="34" charset="0"/>
-                <a:cs typeface="Segoe UI" pitchFamily="34" charset="0"/>
-              </a:defRPr>
-            </a:lvl2pPr>
-            <a:lvl3pPr marL="845031" indent="-284790">
-              <a:buClr>
-                <a:schemeClr val="tx1"/>
-              </a:buClr>
-              <a:buSzPct val="90000"/>
-              <a:buFont typeface="Arial" pitchFamily="34" charset="0"/>
-              <a:buChar char="•"/>
-              <a:defRPr sz="2745">
-                <a:gradFill>
-                  <a:gsLst>
-                    <a:gs pos="1250">
-                      <a:schemeClr val="tx1"/>
-                    </a:gs>
-                    <a:gs pos="100000">
-                      <a:schemeClr val="tx1"/>
-                    </a:gs>
-                  </a:gsLst>
-                  <a:lin ang="5400000" scaled="0"/>
-                </a:gradFill>
-                <a:latin typeface="Segoe UI" pitchFamily="34" charset="0"/>
-                <a:ea typeface="Segoe UI" pitchFamily="34" charset="0"/>
-                <a:cs typeface="Segoe UI" pitchFamily="34" charset="0"/>
-              </a:defRPr>
-            </a:lvl3pPr>
-            <a:lvl4pPr marL="1069128" indent="-224097">
-              <a:buClr>
-                <a:schemeClr val="tx1"/>
-              </a:buClr>
-              <a:buSzPct val="90000"/>
-              <a:buFont typeface="Arial" pitchFamily="34" charset="0"/>
-              <a:buChar char="•"/>
-              <a:defRPr sz="2353">
-                <a:gradFill>
-                  <a:gsLst>
-                    <a:gs pos="1250">
-                      <a:schemeClr val="tx1"/>
-                    </a:gs>
-                    <a:gs pos="100000">
-                      <a:schemeClr val="tx1"/>
-                    </a:gs>
-                  </a:gsLst>
-                  <a:lin ang="5400000" scaled="0"/>
-                </a:gradFill>
-                <a:latin typeface="Segoe UI" pitchFamily="34" charset="0"/>
-                <a:ea typeface="Segoe UI" pitchFamily="34" charset="0"/>
-                <a:cs typeface="Segoe UI" pitchFamily="34" charset="0"/>
-              </a:defRPr>
-            </a:lvl4pPr>
-            <a:lvl5pPr marL="1293225" indent="-224097">
-              <a:buClr>
-                <a:schemeClr val="tx1"/>
-              </a:buClr>
-              <a:buSzPct val="90000"/>
-              <a:buFont typeface="Arial" pitchFamily="34" charset="0"/>
-              <a:buChar char="•"/>
-              <a:defRPr sz="1961">
-                <a:gradFill>
-                  <a:gsLst>
-                    <a:gs pos="1250">
-                      <a:schemeClr val="tx1"/>
-                    </a:gs>
-                    <a:gs pos="100000">
-                      <a:schemeClr val="tx1"/>
-                    </a:gs>
-                  </a:gsLst>
-                  <a:lin ang="5400000" scaled="0"/>
-                </a:gradFill>
-                <a:latin typeface="Segoe UI" pitchFamily="34" charset="0"/>
-                <a:ea typeface="Segoe UI" pitchFamily="34" charset="0"/>
-                <a:cs typeface="Segoe UI" pitchFamily="34" charset="0"/>
-              </a:defRPr>
-            </a:lvl5pPr>
-          </a:lstStyle>
-          <a:p>
-            <a:pPr lvl="0"/>
-            <a:r>
-              <a:rPr lang="en-US" dirty="0"/>
-              <a:t>Use this Layout for Speaker Notes slides</a:t>
-            </a:r>
-          </a:p>
-          <a:p>
-            <a:pPr lvl="1"/>
-            <a:r>
-              <a:rPr lang="en-US" dirty="0"/>
-              <a:t>Second level</a:t>
-            </a:r>
-          </a:p>
-          <a:p>
-            <a:pPr lvl="2"/>
-            <a:r>
-              <a:rPr lang="en-US" dirty="0"/>
-              <a:t>Third level</a:t>
-            </a:r>
-          </a:p>
-          <a:p>
-            <a:pPr lvl="3"/>
-            <a:r>
-              <a:rPr lang="en-US" dirty="0"/>
-              <a:t>Fourth level</a:t>
-            </a:r>
-          </a:p>
-          <a:p>
-            <a:pPr lvl="4"/>
-            <a:r>
-              <a:rPr lang="en-US" dirty="0"/>
-              <a:t>Fifth level</a:t>
-            </a:r>
-          </a:p>
-        </p:txBody>
-      </p:sp>
-      <p:sp>
-        <p:nvSpPr>
-          <p:cNvPr id="4" name="Text Placeholder 6"/>
-          <p:cNvSpPr>
-            <a:spLocks noGrp="1"/>
-          </p:cNvSpPr>
-          <p:nvPr>
-            <p:ph type="body" sz="quarter" idx="11" hasCustomPrompt="1"/>
-          </p:nvPr>
-        </p:nvSpPr>
-        <p:spPr>
-          <a:xfrm>
-            <a:off x="1" y="6238876"/>
-            <a:ext cx="12192001" cy="619125"/>
-          </a:xfrm>
-          <a:prstGeom prst="rect">
-            <a:avLst/>
-          </a:prstGeom>
-          <a:solidFill>
-            <a:srgbClr val="FFFF99"/>
-          </a:solidFill>
-        </p:spPr>
-        <p:txBody>
-          <a:bodyPr wrap="square" lIns="155457" tIns="77729" rIns="155457" bIns="77729" anchor="b" anchorCtr="0">
-            <a:noAutofit/>
-          </a:bodyPr>
-          <a:lstStyle>
-            <a:lvl1pPr algn="r">
-              <a:buFont typeface="Arial" pitchFamily="34" charset="0"/>
-              <a:buNone/>
-              <a:defRPr sz="3627" spc="-50" baseline="0">
-                <a:gradFill>
-                  <a:gsLst>
-                    <a:gs pos="0">
-                      <a:srgbClr val="000000"/>
-                    </a:gs>
-                    <a:gs pos="100000">
-                      <a:srgbClr val="000000"/>
-                    </a:gs>
-                  </a:gsLst>
-                  <a:lin ang="5400000" scaled="0"/>
-                </a:gradFill>
-                <a:effectLst/>
-                <a:latin typeface="Segoe UI" pitchFamily="34" charset="0"/>
-                <a:ea typeface="Segoe UI" pitchFamily="34" charset="0"/>
-                <a:cs typeface="Segoe UI" pitchFamily="34" charset="0"/>
+                <a:latin typeface="+mj-lt"/>
               </a:defRPr>
             </a:lvl1pPr>
           </a:lstStyle>
@@ -14600,80 +10245,1353 @@
             <a:pPr lvl="0"/>
             <a:r>
               <a:rPr lang="en-US" dirty="0"/>
-              <a:t>Next:</a:t>
+              <a:t>Speaker name</a:t>
             </a:r>
           </a:p>
         </p:txBody>
       </p:sp>
-      <p:sp>
-        <p:nvSpPr>
-          <p:cNvPr id="3" name="Title 2"/>
-          <p:cNvSpPr>
-            <a:spLocks noGrp="1"/>
-          </p:cNvSpPr>
-          <p:nvPr>
-            <p:ph type="title"/>
-          </p:nvPr>
-        </p:nvSpPr>
-        <p:spPr bwMode="white"/>
-        <p:txBody>
-          <a:bodyPr/>
-          <a:lstStyle>
-            <a:lvl1pPr>
-              <a:defRPr>
-                <a:gradFill>
-                  <a:gsLst>
-                    <a:gs pos="1250">
-                      <a:schemeClr val="tx1"/>
-                    </a:gs>
-                    <a:gs pos="100000">
-                      <a:schemeClr val="tx1"/>
-                    </a:gs>
-                  </a:gsLst>
-                  <a:lin ang="5400000" scaled="0"/>
-                </a:gradFill>
-                <a:latin typeface="Segoe UI" pitchFamily="34" charset="0"/>
-                <a:ea typeface="Segoe UI" pitchFamily="34" charset="0"/>
-                <a:cs typeface="Segoe UI" pitchFamily="34" charset="0"/>
-              </a:defRPr>
-            </a:lvl1pPr>
-          </a:lstStyle>
-          <a:p>
-            <a:r>
-              <a:rPr lang="en-US"/>
-              <a:t>Click to edit Master title style</a:t>
-            </a:r>
-            <a:endParaRPr lang="en-US" dirty="0"/>
-          </a:p>
-        </p:txBody>
-      </p:sp>
+      <p:grpSp>
+        <p:nvGrpSpPr>
+          <p:cNvPr id="7" name="Group 6"/>
+          <p:cNvGrpSpPr>
+            <a:grpSpLocks noChangeAspect="1"/>
+          </p:cNvGrpSpPr>
+          <p:nvPr userDrawn="1"/>
+        </p:nvGrpSpPr>
+        <p:grpSpPr bwMode="black">
+          <a:xfrm>
+            <a:off x="459102" y="470067"/>
+            <a:ext cx="1419662" cy="304828"/>
+            <a:chOff x="457200" y="1643393"/>
+            <a:chExt cx="4492753" cy="964540"/>
+          </a:xfrm>
+        </p:grpSpPr>
+        <p:pic>
+          <p:nvPicPr>
+            <p:cNvPr id="8" name="Picture 7"/>
+            <p:cNvPicPr>
+              <a:picLocks noChangeAspect="1"/>
+            </p:cNvPicPr>
+            <p:nvPr/>
+          </p:nvPicPr>
+          <p:blipFill>
+            <a:blip r:embed="rId2"/>
+            <a:stretch>
+              <a:fillRect/>
+            </a:stretch>
+          </p:blipFill>
+          <p:spPr bwMode="black">
+            <a:xfrm>
+              <a:off x="457200" y="1643393"/>
+              <a:ext cx="964540" cy="964540"/>
+            </a:xfrm>
+            <a:prstGeom prst="rect">
+              <a:avLst/>
+            </a:prstGeom>
+          </p:spPr>
+        </p:pic>
+        <p:sp>
+          <p:nvSpPr>
+            <p:cNvPr id="10" name="Freeform 12"/>
+            <p:cNvSpPr>
+              <a:spLocks noEditPoints="1"/>
+            </p:cNvSpPr>
+            <p:nvPr/>
+          </p:nvSpPr>
+          <p:spPr bwMode="black">
+            <a:xfrm>
+              <a:off x="1703514" y="1792710"/>
+              <a:ext cx="3246439" cy="635329"/>
+            </a:xfrm>
+            <a:custGeom>
+              <a:avLst/>
+              <a:gdLst>
+                <a:gd name="T0" fmla="*/ 218 w 1139"/>
+                <a:gd name="T1" fmla="*/ 217 h 220"/>
+                <a:gd name="T2" fmla="*/ 185 w 1139"/>
+                <a:gd name="T3" fmla="*/ 52 h 220"/>
+                <a:gd name="T4" fmla="*/ 120 w 1139"/>
+                <a:gd name="T5" fmla="*/ 217 h 220"/>
+                <a:gd name="T6" fmla="*/ 32 w 1139"/>
+                <a:gd name="T7" fmla="*/ 52 h 220"/>
+                <a:gd name="T8" fmla="*/ 33 w 1139"/>
+                <a:gd name="T9" fmla="*/ 93 h 220"/>
+                <a:gd name="T10" fmla="*/ 0 w 1139"/>
+                <a:gd name="T11" fmla="*/ 15 h 220"/>
+                <a:gd name="T12" fmla="*/ 109 w 1139"/>
+                <a:gd name="T13" fmla="*/ 168 h 220"/>
+                <a:gd name="T14" fmla="*/ 171 w 1139"/>
+                <a:gd name="T15" fmla="*/ 15 h 220"/>
+                <a:gd name="T16" fmla="*/ 285 w 1139"/>
+                <a:gd name="T17" fmla="*/ 72 h 220"/>
+                <a:gd name="T18" fmla="*/ 269 w 1139"/>
+                <a:gd name="T19" fmla="*/ 11 h 220"/>
+                <a:gd name="T20" fmla="*/ 254 w 1139"/>
+                <a:gd name="T21" fmla="*/ 45 h 220"/>
+                <a:gd name="T22" fmla="*/ 289 w 1139"/>
+                <a:gd name="T23" fmla="*/ 31 h 220"/>
+                <a:gd name="T24" fmla="*/ 405 w 1139"/>
+                <a:gd name="T25" fmla="*/ 71 h 220"/>
+                <a:gd name="T26" fmla="*/ 318 w 1139"/>
+                <a:gd name="T27" fmla="*/ 107 h 220"/>
+                <a:gd name="T28" fmla="*/ 343 w 1139"/>
+                <a:gd name="T29" fmla="*/ 211 h 220"/>
+                <a:gd name="T30" fmla="*/ 422 w 1139"/>
+                <a:gd name="T31" fmla="*/ 210 h 220"/>
+                <a:gd name="T32" fmla="*/ 404 w 1139"/>
+                <a:gd name="T33" fmla="*/ 189 h 220"/>
+                <a:gd name="T34" fmla="*/ 344 w 1139"/>
+                <a:gd name="T35" fmla="*/ 145 h 220"/>
+                <a:gd name="T36" fmla="*/ 420 w 1139"/>
+                <a:gd name="T37" fmla="*/ 108 h 220"/>
+                <a:gd name="T38" fmla="*/ 421 w 1139"/>
+                <a:gd name="T39" fmla="*/ 76 h 220"/>
+                <a:gd name="T40" fmla="*/ 495 w 1139"/>
+                <a:gd name="T41" fmla="*/ 78 h 220"/>
+                <a:gd name="T42" fmla="*/ 481 w 1139"/>
+                <a:gd name="T43" fmla="*/ 72 h 220"/>
+                <a:gd name="T44" fmla="*/ 481 w 1139"/>
+                <a:gd name="T45" fmla="*/ 217 h 220"/>
+                <a:gd name="T46" fmla="*/ 512 w 1139"/>
+                <a:gd name="T47" fmla="*/ 100 h 220"/>
+                <a:gd name="T48" fmla="*/ 531 w 1139"/>
+                <a:gd name="T49" fmla="*/ 106 h 220"/>
+                <a:gd name="T50" fmla="*/ 517 w 1139"/>
+                <a:gd name="T51" fmla="*/ 70 h 220"/>
+                <a:gd name="T52" fmla="*/ 661 w 1139"/>
+                <a:gd name="T53" fmla="*/ 199 h 220"/>
+                <a:gd name="T54" fmla="*/ 533 w 1139"/>
+                <a:gd name="T55" fmla="*/ 146 h 220"/>
+                <a:gd name="T56" fmla="*/ 663 w 1139"/>
+                <a:gd name="T57" fmla="*/ 89 h 220"/>
+                <a:gd name="T58" fmla="*/ 608 w 1139"/>
+                <a:gd name="T59" fmla="*/ 97 h 220"/>
+                <a:gd name="T60" fmla="*/ 579 w 1139"/>
+                <a:gd name="T61" fmla="*/ 180 h 220"/>
+                <a:gd name="T62" fmla="*/ 646 w 1139"/>
+                <a:gd name="T63" fmla="*/ 144 h 220"/>
+                <a:gd name="T64" fmla="*/ 732 w 1139"/>
+                <a:gd name="T65" fmla="*/ 110 h 220"/>
+                <a:gd name="T66" fmla="*/ 770 w 1139"/>
+                <a:gd name="T67" fmla="*/ 98 h 220"/>
+                <a:gd name="T68" fmla="*/ 786 w 1139"/>
+                <a:gd name="T69" fmla="*/ 75 h 220"/>
+                <a:gd name="T70" fmla="*/ 753 w 1139"/>
+                <a:gd name="T71" fmla="*/ 69 h 220"/>
+                <a:gd name="T72" fmla="*/ 701 w 1139"/>
+                <a:gd name="T73" fmla="*/ 131 h 220"/>
+                <a:gd name="T74" fmla="*/ 750 w 1139"/>
+                <a:gd name="T75" fmla="*/ 164 h 220"/>
+                <a:gd name="T76" fmla="*/ 738 w 1139"/>
+                <a:gd name="T77" fmla="*/ 193 h 220"/>
+                <a:gd name="T78" fmla="*/ 698 w 1139"/>
+                <a:gd name="T79" fmla="*/ 179 h 220"/>
+                <a:gd name="T80" fmla="*/ 717 w 1139"/>
+                <a:gd name="T81" fmla="*/ 218 h 220"/>
+                <a:gd name="T82" fmla="*/ 794 w 1139"/>
+                <a:gd name="T83" fmla="*/ 175 h 220"/>
+                <a:gd name="T84" fmla="*/ 938 w 1139"/>
+                <a:gd name="T85" fmla="*/ 89 h 220"/>
+                <a:gd name="T86" fmla="*/ 882 w 1139"/>
+                <a:gd name="T87" fmla="*/ 220 h 220"/>
+                <a:gd name="T88" fmla="*/ 829 w 1139"/>
+                <a:gd name="T89" fmla="*/ 89 h 220"/>
+                <a:gd name="T90" fmla="*/ 922 w 1139"/>
+                <a:gd name="T91" fmla="*/ 144 h 220"/>
+                <a:gd name="T92" fmla="*/ 855 w 1139"/>
+                <a:gd name="T93" fmla="*/ 109 h 220"/>
+                <a:gd name="T94" fmla="*/ 884 w 1139"/>
+                <a:gd name="T95" fmla="*/ 192 h 220"/>
+                <a:gd name="T96" fmla="*/ 1139 w 1139"/>
+                <a:gd name="T97" fmla="*/ 100 h 220"/>
+                <a:gd name="T98" fmla="*/ 1104 w 1139"/>
+                <a:gd name="T99" fmla="*/ 29 h 220"/>
+                <a:gd name="T100" fmla="*/ 1070 w 1139"/>
+                <a:gd name="T101" fmla="*/ 40 h 220"/>
+                <a:gd name="T102" fmla="*/ 1019 w 1139"/>
+                <a:gd name="T103" fmla="*/ 54 h 220"/>
+                <a:gd name="T104" fmla="*/ 1055 w 1139"/>
+                <a:gd name="T105" fmla="*/ 32 h 220"/>
+                <a:gd name="T106" fmla="*/ 1056 w 1139"/>
+                <a:gd name="T107" fmla="*/ 3 h 220"/>
+                <a:gd name="T108" fmla="*/ 991 w 1139"/>
+                <a:gd name="T109" fmla="*/ 25 h 220"/>
+                <a:gd name="T110" fmla="*/ 961 w 1139"/>
+                <a:gd name="T111" fmla="*/ 72 h 220"/>
+                <a:gd name="T112" fmla="*/ 985 w 1139"/>
+                <a:gd name="T113" fmla="*/ 217 h 220"/>
+                <a:gd name="T114" fmla="*/ 1070 w 1139"/>
+                <a:gd name="T115" fmla="*/ 100 h 220"/>
+                <a:gd name="T116" fmla="*/ 1127 w 1139"/>
+                <a:gd name="T117" fmla="*/ 219 h 220"/>
+                <a:gd name="T118" fmla="*/ 1139 w 1139"/>
+                <a:gd name="T119" fmla="*/ 187 h 220"/>
+                <a:gd name="T120" fmla="*/ 1123 w 1139"/>
+                <a:gd name="T121" fmla="*/ 192 h 220"/>
+                <a:gd name="T122" fmla="*/ 1104 w 1139"/>
+                <a:gd name="T123" fmla="*/ 100 h 220"/>
+              </a:gdLst>
+              <a:ahLst/>
+              <a:cxnLst>
+                <a:cxn ang="0">
+                  <a:pos x="T0" y="T1"/>
+                </a:cxn>
+                <a:cxn ang="0">
+                  <a:pos x="T2" y="T3"/>
+                </a:cxn>
+                <a:cxn ang="0">
+                  <a:pos x="T4" y="T5"/>
+                </a:cxn>
+                <a:cxn ang="0">
+                  <a:pos x="T6" y="T7"/>
+                </a:cxn>
+                <a:cxn ang="0">
+                  <a:pos x="T8" y="T9"/>
+                </a:cxn>
+                <a:cxn ang="0">
+                  <a:pos x="T10" y="T11"/>
+                </a:cxn>
+                <a:cxn ang="0">
+                  <a:pos x="T12" y="T13"/>
+                </a:cxn>
+                <a:cxn ang="0">
+                  <a:pos x="T14" y="T15"/>
+                </a:cxn>
+                <a:cxn ang="0">
+                  <a:pos x="T16" y="T17"/>
+                </a:cxn>
+                <a:cxn ang="0">
+                  <a:pos x="T18" y="T19"/>
+                </a:cxn>
+                <a:cxn ang="0">
+                  <a:pos x="T20" y="T21"/>
+                </a:cxn>
+                <a:cxn ang="0">
+                  <a:pos x="T22" y="T23"/>
+                </a:cxn>
+                <a:cxn ang="0">
+                  <a:pos x="T24" y="T25"/>
+                </a:cxn>
+                <a:cxn ang="0">
+                  <a:pos x="T26" y="T27"/>
+                </a:cxn>
+                <a:cxn ang="0">
+                  <a:pos x="T28" y="T29"/>
+                </a:cxn>
+                <a:cxn ang="0">
+                  <a:pos x="T30" y="T31"/>
+                </a:cxn>
+                <a:cxn ang="0">
+                  <a:pos x="T32" y="T33"/>
+                </a:cxn>
+                <a:cxn ang="0">
+                  <a:pos x="T34" y="T35"/>
+                </a:cxn>
+                <a:cxn ang="0">
+                  <a:pos x="T36" y="T37"/>
+                </a:cxn>
+                <a:cxn ang="0">
+                  <a:pos x="T38" y="T39"/>
+                </a:cxn>
+                <a:cxn ang="0">
+                  <a:pos x="T40" y="T41"/>
+                </a:cxn>
+                <a:cxn ang="0">
+                  <a:pos x="T42" y="T43"/>
+                </a:cxn>
+                <a:cxn ang="0">
+                  <a:pos x="T44" y="T45"/>
+                </a:cxn>
+                <a:cxn ang="0">
+                  <a:pos x="T46" y="T47"/>
+                </a:cxn>
+                <a:cxn ang="0">
+                  <a:pos x="T48" y="T49"/>
+                </a:cxn>
+                <a:cxn ang="0">
+                  <a:pos x="T50" y="T51"/>
+                </a:cxn>
+                <a:cxn ang="0">
+                  <a:pos x="T52" y="T53"/>
+                </a:cxn>
+                <a:cxn ang="0">
+                  <a:pos x="T54" y="T55"/>
+                </a:cxn>
+                <a:cxn ang="0">
+                  <a:pos x="T56" y="T57"/>
+                </a:cxn>
+                <a:cxn ang="0">
+                  <a:pos x="T58" y="T59"/>
+                </a:cxn>
+                <a:cxn ang="0">
+                  <a:pos x="T60" y="T61"/>
+                </a:cxn>
+                <a:cxn ang="0">
+                  <a:pos x="T62" y="T63"/>
+                </a:cxn>
+                <a:cxn ang="0">
+                  <a:pos x="T64" y="T65"/>
+                </a:cxn>
+                <a:cxn ang="0">
+                  <a:pos x="T66" y="T67"/>
+                </a:cxn>
+                <a:cxn ang="0">
+                  <a:pos x="T68" y="T69"/>
+                </a:cxn>
+                <a:cxn ang="0">
+                  <a:pos x="T70" y="T71"/>
+                </a:cxn>
+                <a:cxn ang="0">
+                  <a:pos x="T72" y="T73"/>
+                </a:cxn>
+                <a:cxn ang="0">
+                  <a:pos x="T74" y="T75"/>
+                </a:cxn>
+                <a:cxn ang="0">
+                  <a:pos x="T76" y="T77"/>
+                </a:cxn>
+                <a:cxn ang="0">
+                  <a:pos x="T78" y="T79"/>
+                </a:cxn>
+                <a:cxn ang="0">
+                  <a:pos x="T80" y="T81"/>
+                </a:cxn>
+                <a:cxn ang="0">
+                  <a:pos x="T82" y="T83"/>
+                </a:cxn>
+                <a:cxn ang="0">
+                  <a:pos x="T84" y="T85"/>
+                </a:cxn>
+                <a:cxn ang="0">
+                  <a:pos x="T86" y="T87"/>
+                </a:cxn>
+                <a:cxn ang="0">
+                  <a:pos x="T88" y="T89"/>
+                </a:cxn>
+                <a:cxn ang="0">
+                  <a:pos x="T90" y="T91"/>
+                </a:cxn>
+                <a:cxn ang="0">
+                  <a:pos x="T92" y="T93"/>
+                </a:cxn>
+                <a:cxn ang="0">
+                  <a:pos x="T94" y="T95"/>
+                </a:cxn>
+                <a:cxn ang="0">
+                  <a:pos x="T96" y="T97"/>
+                </a:cxn>
+                <a:cxn ang="0">
+                  <a:pos x="T98" y="T99"/>
+                </a:cxn>
+                <a:cxn ang="0">
+                  <a:pos x="T100" y="T101"/>
+                </a:cxn>
+                <a:cxn ang="0">
+                  <a:pos x="T102" y="T103"/>
+                </a:cxn>
+                <a:cxn ang="0">
+                  <a:pos x="T104" y="T105"/>
+                </a:cxn>
+                <a:cxn ang="0">
+                  <a:pos x="T106" y="T107"/>
+                </a:cxn>
+                <a:cxn ang="0">
+                  <a:pos x="T108" y="T109"/>
+                </a:cxn>
+                <a:cxn ang="0">
+                  <a:pos x="T110" y="T111"/>
+                </a:cxn>
+                <a:cxn ang="0">
+                  <a:pos x="T112" y="T113"/>
+                </a:cxn>
+                <a:cxn ang="0">
+                  <a:pos x="T114" y="T115"/>
+                </a:cxn>
+                <a:cxn ang="0">
+                  <a:pos x="T116" y="T117"/>
+                </a:cxn>
+                <a:cxn ang="0">
+                  <a:pos x="T118" y="T119"/>
+                </a:cxn>
+                <a:cxn ang="0">
+                  <a:pos x="T120" y="T121"/>
+                </a:cxn>
+                <a:cxn ang="0">
+                  <a:pos x="T122" y="T123"/>
+                </a:cxn>
+              </a:cxnLst>
+              <a:rect l="0" t="0" r="r" b="b"/>
+              <a:pathLst>
+                <a:path w="1139" h="220">
+                  <a:moveTo>
+                    <a:pt x="171" y="15"/>
+                  </a:moveTo>
+                  <a:cubicBezTo>
+                    <a:pt x="218" y="15"/>
+                    <a:pt x="218" y="15"/>
+                    <a:pt x="218" y="15"/>
+                  </a:cubicBezTo>
+                  <a:cubicBezTo>
+                    <a:pt x="218" y="217"/>
+                    <a:pt x="218" y="217"/>
+                    <a:pt x="218" y="217"/>
+                  </a:cubicBezTo>
+                  <a:cubicBezTo>
+                    <a:pt x="184" y="217"/>
+                    <a:pt x="184" y="217"/>
+                    <a:pt x="184" y="217"/>
+                  </a:cubicBezTo>
+                  <a:cubicBezTo>
+                    <a:pt x="184" y="89"/>
+                    <a:pt x="184" y="89"/>
+                    <a:pt x="184" y="89"/>
+                  </a:cubicBezTo>
+                  <a:cubicBezTo>
+                    <a:pt x="184" y="80"/>
+                    <a:pt x="184" y="67"/>
+                    <a:pt x="185" y="52"/>
+                  </a:cubicBezTo>
+                  <a:cubicBezTo>
+                    <a:pt x="185" y="52"/>
+                    <a:pt x="185" y="52"/>
+                    <a:pt x="185" y="52"/>
+                  </a:cubicBezTo>
+                  <a:cubicBezTo>
+                    <a:pt x="183" y="58"/>
+                    <a:pt x="182" y="65"/>
+                    <a:pt x="180" y="68"/>
+                  </a:cubicBezTo>
+                  <a:cubicBezTo>
+                    <a:pt x="120" y="217"/>
+                    <a:pt x="120" y="217"/>
+                    <a:pt x="120" y="217"/>
+                  </a:cubicBezTo>
+                  <a:cubicBezTo>
+                    <a:pt x="97" y="217"/>
+                    <a:pt x="97" y="217"/>
+                    <a:pt x="97" y="217"/>
+                  </a:cubicBezTo>
+                  <a:cubicBezTo>
+                    <a:pt x="37" y="70"/>
+                    <a:pt x="37" y="70"/>
+                    <a:pt x="37" y="70"/>
+                  </a:cubicBezTo>
+                  <a:cubicBezTo>
+                    <a:pt x="36" y="66"/>
+                    <a:pt x="34" y="60"/>
+                    <a:pt x="32" y="52"/>
+                  </a:cubicBezTo>
+                  <a:cubicBezTo>
+                    <a:pt x="31" y="52"/>
+                    <a:pt x="31" y="52"/>
+                    <a:pt x="31" y="52"/>
+                  </a:cubicBezTo>
+                  <a:cubicBezTo>
+                    <a:pt x="32" y="56"/>
+                    <a:pt x="32" y="60"/>
+                    <a:pt x="32" y="65"/>
+                  </a:cubicBezTo>
+                  <a:cubicBezTo>
+                    <a:pt x="33" y="76"/>
+                    <a:pt x="33" y="85"/>
+                    <a:pt x="33" y="93"/>
+                  </a:cubicBezTo>
+                  <a:cubicBezTo>
+                    <a:pt x="33" y="217"/>
+                    <a:pt x="33" y="217"/>
+                    <a:pt x="33" y="217"/>
+                  </a:cubicBezTo>
+                  <a:cubicBezTo>
+                    <a:pt x="0" y="217"/>
+                    <a:pt x="0" y="217"/>
+                    <a:pt x="0" y="217"/>
+                  </a:cubicBezTo>
+                  <a:cubicBezTo>
+                    <a:pt x="0" y="15"/>
+                    <a:pt x="0" y="15"/>
+                    <a:pt x="0" y="15"/>
+                  </a:cubicBezTo>
+                  <a:cubicBezTo>
+                    <a:pt x="50" y="15"/>
+                    <a:pt x="50" y="15"/>
+                    <a:pt x="50" y="15"/>
+                  </a:cubicBezTo>
+                  <a:cubicBezTo>
+                    <a:pt x="100" y="142"/>
+                    <a:pt x="100" y="142"/>
+                    <a:pt x="100" y="142"/>
+                  </a:cubicBezTo>
+                  <a:cubicBezTo>
+                    <a:pt x="105" y="153"/>
+                    <a:pt x="108" y="162"/>
+                    <a:pt x="109" y="168"/>
+                  </a:cubicBezTo>
+                  <a:cubicBezTo>
+                    <a:pt x="110" y="168"/>
+                    <a:pt x="110" y="168"/>
+                    <a:pt x="110" y="168"/>
+                  </a:cubicBezTo>
+                  <a:cubicBezTo>
+                    <a:pt x="119" y="142"/>
+                    <a:pt x="119" y="142"/>
+                    <a:pt x="119" y="142"/>
+                  </a:cubicBezTo>
+                  <a:lnTo>
+                    <a:pt x="171" y="15"/>
+                  </a:lnTo>
+                  <a:close/>
+                  <a:moveTo>
+                    <a:pt x="251" y="217"/>
+                  </a:moveTo>
+                  <a:cubicBezTo>
+                    <a:pt x="285" y="217"/>
+                    <a:pt x="285" y="217"/>
+                    <a:pt x="285" y="217"/>
+                  </a:cubicBezTo>
+                  <a:cubicBezTo>
+                    <a:pt x="285" y="72"/>
+                    <a:pt x="285" y="72"/>
+                    <a:pt x="285" y="72"/>
+                  </a:cubicBezTo>
+                  <a:cubicBezTo>
+                    <a:pt x="251" y="72"/>
+                    <a:pt x="251" y="72"/>
+                    <a:pt x="251" y="72"/>
+                  </a:cubicBezTo>
+                  <a:lnTo>
+                    <a:pt x="251" y="217"/>
+                  </a:lnTo>
+                  <a:close/>
+                  <a:moveTo>
+                    <a:pt x="269" y="11"/>
+                  </a:moveTo>
+                  <a:cubicBezTo>
+                    <a:pt x="263" y="11"/>
+                    <a:pt x="258" y="13"/>
+                    <a:pt x="254" y="17"/>
+                  </a:cubicBezTo>
+                  <a:cubicBezTo>
+                    <a:pt x="250" y="20"/>
+                    <a:pt x="248" y="25"/>
+                    <a:pt x="248" y="31"/>
+                  </a:cubicBezTo>
+                  <a:cubicBezTo>
+                    <a:pt x="248" y="36"/>
+                    <a:pt x="250" y="41"/>
+                    <a:pt x="254" y="45"/>
+                  </a:cubicBezTo>
+                  <a:cubicBezTo>
+                    <a:pt x="258" y="48"/>
+                    <a:pt x="263" y="50"/>
+                    <a:pt x="269" y="50"/>
+                  </a:cubicBezTo>
+                  <a:cubicBezTo>
+                    <a:pt x="274" y="50"/>
+                    <a:pt x="279" y="48"/>
+                    <a:pt x="283" y="45"/>
+                  </a:cubicBezTo>
+                  <a:cubicBezTo>
+                    <a:pt x="287" y="41"/>
+                    <a:pt x="289" y="36"/>
+                    <a:pt x="289" y="31"/>
+                  </a:cubicBezTo>
+                  <a:cubicBezTo>
+                    <a:pt x="289" y="25"/>
+                    <a:pt x="287" y="21"/>
+                    <a:pt x="283" y="17"/>
+                  </a:cubicBezTo>
+                  <a:cubicBezTo>
+                    <a:pt x="279" y="13"/>
+                    <a:pt x="274" y="11"/>
+                    <a:pt x="269" y="11"/>
+                  </a:cubicBezTo>
+                  <a:close/>
+                  <a:moveTo>
+                    <a:pt x="405" y="71"/>
+                  </a:moveTo>
+                  <a:cubicBezTo>
+                    <a:pt x="399" y="69"/>
+                    <a:pt x="393" y="69"/>
+                    <a:pt x="386" y="69"/>
+                  </a:cubicBezTo>
+                  <a:cubicBezTo>
+                    <a:pt x="371" y="69"/>
+                    <a:pt x="357" y="72"/>
+                    <a:pt x="345" y="79"/>
+                  </a:cubicBezTo>
+                  <a:cubicBezTo>
+                    <a:pt x="333" y="85"/>
+                    <a:pt x="324" y="95"/>
+                    <a:pt x="318" y="107"/>
+                  </a:cubicBezTo>
+                  <a:cubicBezTo>
+                    <a:pt x="312" y="119"/>
+                    <a:pt x="309" y="133"/>
+                    <a:pt x="309" y="148"/>
+                  </a:cubicBezTo>
+                  <a:cubicBezTo>
+                    <a:pt x="309" y="162"/>
+                    <a:pt x="312" y="174"/>
+                    <a:pt x="318" y="185"/>
+                  </a:cubicBezTo>
+                  <a:cubicBezTo>
+                    <a:pt x="324" y="196"/>
+                    <a:pt x="332" y="205"/>
+                    <a:pt x="343" y="211"/>
+                  </a:cubicBezTo>
+                  <a:cubicBezTo>
+                    <a:pt x="354" y="217"/>
+                    <a:pt x="366" y="220"/>
+                    <a:pt x="380" y="220"/>
+                  </a:cubicBezTo>
+                  <a:cubicBezTo>
+                    <a:pt x="396" y="220"/>
+                    <a:pt x="410" y="217"/>
+                    <a:pt x="421" y="211"/>
+                  </a:cubicBezTo>
+                  <a:cubicBezTo>
+                    <a:pt x="422" y="210"/>
+                    <a:pt x="422" y="210"/>
+                    <a:pt x="422" y="210"/>
+                  </a:cubicBezTo>
+                  <a:cubicBezTo>
+                    <a:pt x="422" y="179"/>
+                    <a:pt x="422" y="179"/>
+                    <a:pt x="422" y="179"/>
+                  </a:cubicBezTo>
+                  <a:cubicBezTo>
+                    <a:pt x="420" y="180"/>
+                    <a:pt x="420" y="180"/>
+                    <a:pt x="420" y="180"/>
+                  </a:cubicBezTo>
+                  <a:cubicBezTo>
+                    <a:pt x="415" y="184"/>
+                    <a:pt x="410" y="187"/>
+                    <a:pt x="404" y="189"/>
+                  </a:cubicBezTo>
+                  <a:cubicBezTo>
+                    <a:pt x="398" y="191"/>
+                    <a:pt x="392" y="192"/>
+                    <a:pt x="387" y="192"/>
+                  </a:cubicBezTo>
+                  <a:cubicBezTo>
+                    <a:pt x="374" y="192"/>
+                    <a:pt x="363" y="188"/>
+                    <a:pt x="355" y="180"/>
+                  </a:cubicBezTo>
+                  <a:cubicBezTo>
+                    <a:pt x="348" y="171"/>
+                    <a:pt x="344" y="160"/>
+                    <a:pt x="344" y="145"/>
+                  </a:cubicBezTo>
+                  <a:cubicBezTo>
+                    <a:pt x="344" y="131"/>
+                    <a:pt x="348" y="119"/>
+                    <a:pt x="356" y="110"/>
+                  </a:cubicBezTo>
+                  <a:cubicBezTo>
+                    <a:pt x="364" y="101"/>
+                    <a:pt x="375" y="97"/>
+                    <a:pt x="388" y="97"/>
+                  </a:cubicBezTo>
+                  <a:cubicBezTo>
+                    <a:pt x="399" y="97"/>
+                    <a:pt x="410" y="101"/>
+                    <a:pt x="420" y="108"/>
+                  </a:cubicBezTo>
+                  <a:cubicBezTo>
+                    <a:pt x="422" y="109"/>
+                    <a:pt x="422" y="109"/>
+                    <a:pt x="422" y="109"/>
+                  </a:cubicBezTo>
+                  <a:cubicBezTo>
+                    <a:pt x="422" y="76"/>
+                    <a:pt x="422" y="76"/>
+                    <a:pt x="422" y="76"/>
+                  </a:cubicBezTo>
+                  <a:cubicBezTo>
+                    <a:pt x="421" y="76"/>
+                    <a:pt x="421" y="76"/>
+                    <a:pt x="421" y="76"/>
+                  </a:cubicBezTo>
+                  <a:cubicBezTo>
+                    <a:pt x="417" y="74"/>
+                    <a:pt x="412" y="72"/>
+                    <a:pt x="405" y="71"/>
+                  </a:cubicBezTo>
+                  <a:close/>
+                  <a:moveTo>
+                    <a:pt x="517" y="70"/>
+                  </a:moveTo>
+                  <a:cubicBezTo>
+                    <a:pt x="509" y="70"/>
+                    <a:pt x="501" y="72"/>
+                    <a:pt x="495" y="78"/>
+                  </a:cubicBezTo>
+                  <a:cubicBezTo>
+                    <a:pt x="489" y="83"/>
+                    <a:pt x="485" y="89"/>
+                    <a:pt x="482" y="97"/>
+                  </a:cubicBezTo>
+                  <a:cubicBezTo>
+                    <a:pt x="481" y="97"/>
+                    <a:pt x="481" y="97"/>
+                    <a:pt x="481" y="97"/>
+                  </a:cubicBezTo>
+                  <a:cubicBezTo>
+                    <a:pt x="481" y="72"/>
+                    <a:pt x="481" y="72"/>
+                    <a:pt x="481" y="72"/>
+                  </a:cubicBezTo>
+                  <a:cubicBezTo>
+                    <a:pt x="447" y="72"/>
+                    <a:pt x="447" y="72"/>
+                    <a:pt x="447" y="72"/>
+                  </a:cubicBezTo>
+                  <a:cubicBezTo>
+                    <a:pt x="447" y="217"/>
+                    <a:pt x="447" y="217"/>
+                    <a:pt x="447" y="217"/>
+                  </a:cubicBezTo>
+                  <a:cubicBezTo>
+                    <a:pt x="481" y="217"/>
+                    <a:pt x="481" y="217"/>
+                    <a:pt x="481" y="217"/>
+                  </a:cubicBezTo>
+                  <a:cubicBezTo>
+                    <a:pt x="481" y="143"/>
+                    <a:pt x="481" y="143"/>
+                    <a:pt x="481" y="143"/>
+                  </a:cubicBezTo>
+                  <a:cubicBezTo>
+                    <a:pt x="481" y="130"/>
+                    <a:pt x="484" y="120"/>
+                    <a:pt x="490" y="112"/>
+                  </a:cubicBezTo>
+                  <a:cubicBezTo>
+                    <a:pt x="495" y="104"/>
+                    <a:pt x="503" y="100"/>
+                    <a:pt x="512" y="100"/>
+                  </a:cubicBezTo>
+                  <a:cubicBezTo>
+                    <a:pt x="515" y="100"/>
+                    <a:pt x="518" y="101"/>
+                    <a:pt x="522" y="102"/>
+                  </a:cubicBezTo>
+                  <a:cubicBezTo>
+                    <a:pt x="526" y="103"/>
+                    <a:pt x="528" y="104"/>
+                    <a:pt x="530" y="105"/>
+                  </a:cubicBezTo>
+                  <a:cubicBezTo>
+                    <a:pt x="531" y="106"/>
+                    <a:pt x="531" y="106"/>
+                    <a:pt x="531" y="106"/>
+                  </a:cubicBezTo>
+                  <a:cubicBezTo>
+                    <a:pt x="531" y="72"/>
+                    <a:pt x="531" y="72"/>
+                    <a:pt x="531" y="72"/>
+                  </a:cubicBezTo>
+                  <a:cubicBezTo>
+                    <a:pt x="531" y="72"/>
+                    <a:pt x="531" y="72"/>
+                    <a:pt x="531" y="72"/>
+                  </a:cubicBezTo>
+                  <a:cubicBezTo>
+                    <a:pt x="528" y="70"/>
+                    <a:pt x="523" y="70"/>
+                    <a:pt x="517" y="70"/>
+                  </a:cubicBezTo>
+                  <a:close/>
+                  <a:moveTo>
+                    <a:pt x="663" y="89"/>
+                  </a:moveTo>
+                  <a:cubicBezTo>
+                    <a:pt x="675" y="102"/>
+                    <a:pt x="682" y="120"/>
+                    <a:pt x="682" y="143"/>
+                  </a:cubicBezTo>
+                  <a:cubicBezTo>
+                    <a:pt x="682" y="166"/>
+                    <a:pt x="675" y="185"/>
+                    <a:pt x="661" y="199"/>
+                  </a:cubicBezTo>
+                  <a:cubicBezTo>
+                    <a:pt x="648" y="213"/>
+                    <a:pt x="629" y="220"/>
+                    <a:pt x="606" y="220"/>
+                  </a:cubicBezTo>
+                  <a:cubicBezTo>
+                    <a:pt x="584" y="220"/>
+                    <a:pt x="566" y="213"/>
+                    <a:pt x="553" y="200"/>
+                  </a:cubicBezTo>
+                  <a:cubicBezTo>
+                    <a:pt x="540" y="187"/>
+                    <a:pt x="533" y="169"/>
+                    <a:pt x="533" y="146"/>
+                  </a:cubicBezTo>
+                  <a:cubicBezTo>
+                    <a:pt x="533" y="122"/>
+                    <a:pt x="540" y="103"/>
+                    <a:pt x="553" y="89"/>
+                  </a:cubicBezTo>
+                  <a:cubicBezTo>
+                    <a:pt x="567" y="76"/>
+                    <a:pt x="586" y="69"/>
+                    <a:pt x="610" y="69"/>
+                  </a:cubicBezTo>
+                  <a:cubicBezTo>
+                    <a:pt x="632" y="69"/>
+                    <a:pt x="650" y="75"/>
+                    <a:pt x="663" y="89"/>
+                  </a:cubicBezTo>
+                  <a:close/>
+                  <a:moveTo>
+                    <a:pt x="646" y="144"/>
+                  </a:moveTo>
+                  <a:cubicBezTo>
+                    <a:pt x="646" y="129"/>
+                    <a:pt x="643" y="117"/>
+                    <a:pt x="636" y="109"/>
+                  </a:cubicBezTo>
+                  <a:cubicBezTo>
+                    <a:pt x="629" y="101"/>
+                    <a:pt x="620" y="97"/>
+                    <a:pt x="608" y="97"/>
+                  </a:cubicBezTo>
+                  <a:cubicBezTo>
+                    <a:pt x="596" y="97"/>
+                    <a:pt x="586" y="101"/>
+                    <a:pt x="579" y="109"/>
+                  </a:cubicBezTo>
+                  <a:cubicBezTo>
+                    <a:pt x="572" y="118"/>
+                    <a:pt x="568" y="130"/>
+                    <a:pt x="568" y="145"/>
+                  </a:cubicBezTo>
+                  <a:cubicBezTo>
+                    <a:pt x="568" y="160"/>
+                    <a:pt x="572" y="172"/>
+                    <a:pt x="579" y="180"/>
+                  </a:cubicBezTo>
+                  <a:cubicBezTo>
+                    <a:pt x="586" y="188"/>
+                    <a:pt x="596" y="192"/>
+                    <a:pt x="608" y="192"/>
+                  </a:cubicBezTo>
+                  <a:cubicBezTo>
+                    <a:pt x="621" y="192"/>
+                    <a:pt x="630" y="188"/>
+                    <a:pt x="637" y="180"/>
+                  </a:cubicBezTo>
+                  <a:cubicBezTo>
+                    <a:pt x="643" y="172"/>
+                    <a:pt x="646" y="160"/>
+                    <a:pt x="646" y="144"/>
+                  </a:cubicBezTo>
+                  <a:close/>
+                  <a:moveTo>
+                    <a:pt x="757" y="132"/>
+                  </a:moveTo>
+                  <a:cubicBezTo>
+                    <a:pt x="746" y="128"/>
+                    <a:pt x="739" y="124"/>
+                    <a:pt x="737" y="121"/>
+                  </a:cubicBezTo>
+                  <a:cubicBezTo>
+                    <a:pt x="734" y="119"/>
+                    <a:pt x="732" y="115"/>
+                    <a:pt x="732" y="110"/>
+                  </a:cubicBezTo>
+                  <a:cubicBezTo>
+                    <a:pt x="732" y="106"/>
+                    <a:pt x="734" y="103"/>
+                    <a:pt x="738" y="100"/>
+                  </a:cubicBezTo>
+                  <a:cubicBezTo>
+                    <a:pt x="741" y="97"/>
+                    <a:pt x="746" y="96"/>
+                    <a:pt x="752" y="96"/>
+                  </a:cubicBezTo>
+                  <a:cubicBezTo>
+                    <a:pt x="758" y="96"/>
+                    <a:pt x="764" y="97"/>
+                    <a:pt x="770" y="98"/>
+                  </a:cubicBezTo>
+                  <a:cubicBezTo>
+                    <a:pt x="776" y="100"/>
+                    <a:pt x="781" y="103"/>
+                    <a:pt x="785" y="105"/>
+                  </a:cubicBezTo>
+                  <a:cubicBezTo>
+                    <a:pt x="786" y="106"/>
+                    <a:pt x="786" y="106"/>
+                    <a:pt x="786" y="106"/>
+                  </a:cubicBezTo>
+                  <a:cubicBezTo>
+                    <a:pt x="786" y="75"/>
+                    <a:pt x="786" y="75"/>
+                    <a:pt x="786" y="75"/>
+                  </a:cubicBezTo>
+                  <a:cubicBezTo>
+                    <a:pt x="786" y="75"/>
+                    <a:pt x="786" y="75"/>
+                    <a:pt x="786" y="75"/>
+                  </a:cubicBezTo>
+                  <a:cubicBezTo>
+                    <a:pt x="782" y="73"/>
+                    <a:pt x="777" y="72"/>
+                    <a:pt x="770" y="70"/>
+                  </a:cubicBezTo>
+                  <a:cubicBezTo>
+                    <a:pt x="764" y="69"/>
+                    <a:pt x="758" y="69"/>
+                    <a:pt x="753" y="69"/>
+                  </a:cubicBezTo>
+                  <a:cubicBezTo>
+                    <a:pt x="737" y="69"/>
+                    <a:pt x="724" y="73"/>
+                    <a:pt x="714" y="81"/>
+                  </a:cubicBezTo>
+                  <a:cubicBezTo>
+                    <a:pt x="703" y="89"/>
+                    <a:pt x="698" y="100"/>
+                    <a:pt x="698" y="113"/>
+                  </a:cubicBezTo>
+                  <a:cubicBezTo>
+                    <a:pt x="698" y="120"/>
+                    <a:pt x="699" y="126"/>
+                    <a:pt x="701" y="131"/>
+                  </a:cubicBezTo>
+                  <a:cubicBezTo>
+                    <a:pt x="704" y="136"/>
+                    <a:pt x="707" y="141"/>
+                    <a:pt x="712" y="144"/>
+                  </a:cubicBezTo>
+                  <a:cubicBezTo>
+                    <a:pt x="716" y="148"/>
+                    <a:pt x="723" y="152"/>
+                    <a:pt x="733" y="156"/>
+                  </a:cubicBezTo>
+                  <a:cubicBezTo>
+                    <a:pt x="740" y="159"/>
+                    <a:pt x="746" y="162"/>
+                    <a:pt x="750" y="164"/>
+                  </a:cubicBezTo>
+                  <a:cubicBezTo>
+                    <a:pt x="754" y="166"/>
+                    <a:pt x="756" y="168"/>
+                    <a:pt x="758" y="171"/>
+                  </a:cubicBezTo>
+                  <a:cubicBezTo>
+                    <a:pt x="759" y="173"/>
+                    <a:pt x="760" y="175"/>
+                    <a:pt x="760" y="179"/>
+                  </a:cubicBezTo>
+                  <a:cubicBezTo>
+                    <a:pt x="760" y="188"/>
+                    <a:pt x="753" y="193"/>
+                    <a:pt x="738" y="193"/>
+                  </a:cubicBezTo>
+                  <a:cubicBezTo>
+                    <a:pt x="732" y="193"/>
+                    <a:pt x="726" y="192"/>
+                    <a:pt x="719" y="190"/>
+                  </a:cubicBezTo>
+                  <a:cubicBezTo>
+                    <a:pt x="712" y="187"/>
+                    <a:pt x="705" y="184"/>
+                    <a:pt x="700" y="180"/>
+                  </a:cubicBezTo>
+                  <a:cubicBezTo>
+                    <a:pt x="698" y="179"/>
+                    <a:pt x="698" y="179"/>
+                    <a:pt x="698" y="179"/>
+                  </a:cubicBezTo>
+                  <a:cubicBezTo>
+                    <a:pt x="698" y="212"/>
+                    <a:pt x="698" y="212"/>
+                    <a:pt x="698" y="212"/>
+                  </a:cubicBezTo>
+                  <a:cubicBezTo>
+                    <a:pt x="699" y="212"/>
+                    <a:pt x="699" y="212"/>
+                    <a:pt x="699" y="212"/>
+                  </a:cubicBezTo>
+                  <a:cubicBezTo>
+                    <a:pt x="703" y="215"/>
+                    <a:pt x="710" y="216"/>
+                    <a:pt x="717" y="218"/>
+                  </a:cubicBezTo>
+                  <a:cubicBezTo>
+                    <a:pt x="724" y="219"/>
+                    <a:pt x="731" y="220"/>
+                    <a:pt x="736" y="220"/>
+                  </a:cubicBezTo>
+                  <a:cubicBezTo>
+                    <a:pt x="754" y="220"/>
+                    <a:pt x="768" y="216"/>
+                    <a:pt x="778" y="208"/>
+                  </a:cubicBezTo>
+                  <a:cubicBezTo>
+                    <a:pt x="789" y="199"/>
+                    <a:pt x="794" y="188"/>
+                    <a:pt x="794" y="175"/>
+                  </a:cubicBezTo>
+                  <a:cubicBezTo>
+                    <a:pt x="794" y="165"/>
+                    <a:pt x="791" y="157"/>
+                    <a:pt x="786" y="150"/>
+                  </a:cubicBezTo>
+                  <a:cubicBezTo>
+                    <a:pt x="780" y="143"/>
+                    <a:pt x="770" y="137"/>
+                    <a:pt x="757" y="132"/>
+                  </a:cubicBezTo>
+                  <a:close/>
+                  <a:moveTo>
+                    <a:pt x="938" y="89"/>
+                  </a:moveTo>
+                  <a:cubicBezTo>
+                    <a:pt x="951" y="102"/>
+                    <a:pt x="957" y="120"/>
+                    <a:pt x="957" y="143"/>
+                  </a:cubicBezTo>
+                  <a:cubicBezTo>
+                    <a:pt x="957" y="166"/>
+                    <a:pt x="951" y="185"/>
+                    <a:pt x="937" y="199"/>
+                  </a:cubicBezTo>
+                  <a:cubicBezTo>
+                    <a:pt x="924" y="213"/>
+                    <a:pt x="905" y="220"/>
+                    <a:pt x="882" y="220"/>
+                  </a:cubicBezTo>
+                  <a:cubicBezTo>
+                    <a:pt x="860" y="220"/>
+                    <a:pt x="842" y="213"/>
+                    <a:pt x="829" y="200"/>
+                  </a:cubicBezTo>
+                  <a:cubicBezTo>
+                    <a:pt x="816" y="187"/>
+                    <a:pt x="809" y="169"/>
+                    <a:pt x="809" y="146"/>
+                  </a:cubicBezTo>
+                  <a:cubicBezTo>
+                    <a:pt x="809" y="122"/>
+                    <a:pt x="816" y="103"/>
+                    <a:pt x="829" y="89"/>
+                  </a:cubicBezTo>
+                  <a:cubicBezTo>
+                    <a:pt x="843" y="76"/>
+                    <a:pt x="862" y="69"/>
+                    <a:pt x="885" y="69"/>
+                  </a:cubicBezTo>
+                  <a:cubicBezTo>
+                    <a:pt x="908" y="69"/>
+                    <a:pt x="926" y="75"/>
+                    <a:pt x="938" y="89"/>
+                  </a:cubicBezTo>
+                  <a:close/>
+                  <a:moveTo>
+                    <a:pt x="922" y="144"/>
+                  </a:moveTo>
+                  <a:cubicBezTo>
+                    <a:pt x="922" y="129"/>
+                    <a:pt x="919" y="117"/>
+                    <a:pt x="912" y="109"/>
+                  </a:cubicBezTo>
+                  <a:cubicBezTo>
+                    <a:pt x="905" y="101"/>
+                    <a:pt x="896" y="97"/>
+                    <a:pt x="884" y="97"/>
+                  </a:cubicBezTo>
+                  <a:cubicBezTo>
+                    <a:pt x="871" y="97"/>
+                    <a:pt x="862" y="101"/>
+                    <a:pt x="855" y="109"/>
+                  </a:cubicBezTo>
+                  <a:cubicBezTo>
+                    <a:pt x="848" y="118"/>
+                    <a:pt x="844" y="130"/>
+                    <a:pt x="844" y="145"/>
+                  </a:cubicBezTo>
+                  <a:cubicBezTo>
+                    <a:pt x="844" y="160"/>
+                    <a:pt x="848" y="172"/>
+                    <a:pt x="855" y="180"/>
+                  </a:cubicBezTo>
+                  <a:cubicBezTo>
+                    <a:pt x="862" y="188"/>
+                    <a:pt x="871" y="192"/>
+                    <a:pt x="884" y="192"/>
+                  </a:cubicBezTo>
+                  <a:cubicBezTo>
+                    <a:pt x="896" y="192"/>
+                    <a:pt x="906" y="188"/>
+                    <a:pt x="912" y="180"/>
+                  </a:cubicBezTo>
+                  <a:cubicBezTo>
+                    <a:pt x="919" y="172"/>
+                    <a:pt x="922" y="160"/>
+                    <a:pt x="922" y="144"/>
+                  </a:cubicBezTo>
+                  <a:close/>
+                  <a:moveTo>
+                    <a:pt x="1139" y="100"/>
+                  </a:moveTo>
+                  <a:cubicBezTo>
+                    <a:pt x="1139" y="72"/>
+                    <a:pt x="1139" y="72"/>
+                    <a:pt x="1139" y="72"/>
+                  </a:cubicBezTo>
+                  <a:cubicBezTo>
+                    <a:pt x="1104" y="72"/>
+                    <a:pt x="1104" y="72"/>
+                    <a:pt x="1104" y="72"/>
+                  </a:cubicBezTo>
+                  <a:cubicBezTo>
+                    <a:pt x="1104" y="29"/>
+                    <a:pt x="1104" y="29"/>
+                    <a:pt x="1104" y="29"/>
+                  </a:cubicBezTo>
+                  <a:cubicBezTo>
+                    <a:pt x="1103" y="29"/>
+                    <a:pt x="1103" y="29"/>
+                    <a:pt x="1103" y="29"/>
+                  </a:cubicBezTo>
+                  <a:cubicBezTo>
+                    <a:pt x="1071" y="39"/>
+                    <a:pt x="1071" y="39"/>
+                    <a:pt x="1071" y="39"/>
+                  </a:cubicBezTo>
+                  <a:cubicBezTo>
+                    <a:pt x="1070" y="40"/>
+                    <a:pt x="1070" y="40"/>
+                    <a:pt x="1070" y="40"/>
+                  </a:cubicBezTo>
+                  <a:cubicBezTo>
+                    <a:pt x="1070" y="72"/>
+                    <a:pt x="1070" y="72"/>
+                    <a:pt x="1070" y="72"/>
+                  </a:cubicBezTo>
+                  <a:cubicBezTo>
+                    <a:pt x="1019" y="72"/>
+                    <a:pt x="1019" y="72"/>
+                    <a:pt x="1019" y="72"/>
+                  </a:cubicBezTo>
+                  <a:cubicBezTo>
+                    <a:pt x="1019" y="54"/>
+                    <a:pt x="1019" y="54"/>
+                    <a:pt x="1019" y="54"/>
+                  </a:cubicBezTo>
+                  <a:cubicBezTo>
+                    <a:pt x="1019" y="46"/>
+                    <a:pt x="1021" y="39"/>
+                    <a:pt x="1025" y="35"/>
+                  </a:cubicBezTo>
+                  <a:cubicBezTo>
+                    <a:pt x="1028" y="30"/>
+                    <a:pt x="1034" y="28"/>
+                    <a:pt x="1040" y="28"/>
+                  </a:cubicBezTo>
+                  <a:cubicBezTo>
+                    <a:pt x="1045" y="28"/>
+                    <a:pt x="1050" y="29"/>
+                    <a:pt x="1055" y="32"/>
+                  </a:cubicBezTo>
+                  <a:cubicBezTo>
+                    <a:pt x="1057" y="32"/>
+                    <a:pt x="1057" y="32"/>
+                    <a:pt x="1057" y="32"/>
+                  </a:cubicBezTo>
+                  <a:cubicBezTo>
+                    <a:pt x="1057" y="3"/>
+                    <a:pt x="1057" y="3"/>
+                    <a:pt x="1057" y="3"/>
+                  </a:cubicBezTo>
+                  <a:cubicBezTo>
+                    <a:pt x="1056" y="3"/>
+                    <a:pt x="1056" y="3"/>
+                    <a:pt x="1056" y="3"/>
+                  </a:cubicBezTo>
+                  <a:cubicBezTo>
+                    <a:pt x="1051" y="1"/>
+                    <a:pt x="1045" y="0"/>
+                    <a:pt x="1037" y="0"/>
+                  </a:cubicBezTo>
+                  <a:cubicBezTo>
+                    <a:pt x="1027" y="0"/>
+                    <a:pt x="1018" y="3"/>
+                    <a:pt x="1010" y="7"/>
+                  </a:cubicBezTo>
+                  <a:cubicBezTo>
+                    <a:pt x="1002" y="11"/>
+                    <a:pt x="996" y="17"/>
+                    <a:pt x="991" y="25"/>
+                  </a:cubicBezTo>
+                  <a:cubicBezTo>
+                    <a:pt x="987" y="33"/>
+                    <a:pt x="985" y="42"/>
+                    <a:pt x="985" y="52"/>
+                  </a:cubicBezTo>
+                  <a:cubicBezTo>
+                    <a:pt x="985" y="72"/>
+                    <a:pt x="985" y="72"/>
+                    <a:pt x="985" y="72"/>
+                  </a:cubicBezTo>
+                  <a:cubicBezTo>
+                    <a:pt x="961" y="72"/>
+                    <a:pt x="961" y="72"/>
+                    <a:pt x="961" y="72"/>
+                  </a:cubicBezTo>
+                  <a:cubicBezTo>
+                    <a:pt x="961" y="100"/>
+                    <a:pt x="961" y="100"/>
+                    <a:pt x="961" y="100"/>
+                  </a:cubicBezTo>
+                  <a:cubicBezTo>
+                    <a:pt x="985" y="100"/>
+                    <a:pt x="985" y="100"/>
+                    <a:pt x="985" y="100"/>
+                  </a:cubicBezTo>
+                  <a:cubicBezTo>
+                    <a:pt x="985" y="217"/>
+                    <a:pt x="985" y="217"/>
+                    <a:pt x="985" y="217"/>
+                  </a:cubicBezTo>
+                  <a:cubicBezTo>
+                    <a:pt x="1019" y="217"/>
+                    <a:pt x="1019" y="217"/>
+                    <a:pt x="1019" y="217"/>
+                  </a:cubicBezTo>
+                  <a:cubicBezTo>
+                    <a:pt x="1019" y="100"/>
+                    <a:pt x="1019" y="100"/>
+                    <a:pt x="1019" y="100"/>
+                  </a:cubicBezTo>
+                  <a:cubicBezTo>
+                    <a:pt x="1070" y="100"/>
+                    <a:pt x="1070" y="100"/>
+                    <a:pt x="1070" y="100"/>
+                  </a:cubicBezTo>
+                  <a:cubicBezTo>
+                    <a:pt x="1070" y="174"/>
+                    <a:pt x="1070" y="174"/>
+                    <a:pt x="1070" y="174"/>
+                  </a:cubicBezTo>
+                  <a:cubicBezTo>
+                    <a:pt x="1070" y="205"/>
+                    <a:pt x="1084" y="220"/>
+                    <a:pt x="1113" y="220"/>
+                  </a:cubicBezTo>
+                  <a:cubicBezTo>
+                    <a:pt x="1118" y="220"/>
+                    <a:pt x="1122" y="220"/>
+                    <a:pt x="1127" y="219"/>
+                  </a:cubicBezTo>
+                  <a:cubicBezTo>
+                    <a:pt x="1133" y="217"/>
+                    <a:pt x="1136" y="216"/>
+                    <a:pt x="1138" y="215"/>
+                  </a:cubicBezTo>
+                  <a:cubicBezTo>
+                    <a:pt x="1139" y="215"/>
+                    <a:pt x="1139" y="215"/>
+                    <a:pt x="1139" y="215"/>
+                  </a:cubicBezTo>
+                  <a:cubicBezTo>
+                    <a:pt x="1139" y="187"/>
+                    <a:pt x="1139" y="187"/>
+                    <a:pt x="1139" y="187"/>
+                  </a:cubicBezTo>
+                  <a:cubicBezTo>
+                    <a:pt x="1137" y="188"/>
+                    <a:pt x="1137" y="188"/>
+                    <a:pt x="1137" y="188"/>
+                  </a:cubicBezTo>
+                  <a:cubicBezTo>
+                    <a:pt x="1135" y="189"/>
+                    <a:pt x="1133" y="190"/>
+                    <a:pt x="1130" y="191"/>
+                  </a:cubicBezTo>
+                  <a:cubicBezTo>
+                    <a:pt x="1127" y="192"/>
+                    <a:pt x="1125" y="192"/>
+                    <a:pt x="1123" y="192"/>
+                  </a:cubicBezTo>
+                  <a:cubicBezTo>
+                    <a:pt x="1117" y="192"/>
+                    <a:pt x="1112" y="190"/>
+                    <a:pt x="1109" y="187"/>
+                  </a:cubicBezTo>
+                  <a:cubicBezTo>
+                    <a:pt x="1106" y="183"/>
+                    <a:pt x="1104" y="177"/>
+                    <a:pt x="1104" y="168"/>
+                  </a:cubicBezTo>
+                  <a:cubicBezTo>
+                    <a:pt x="1104" y="100"/>
+                    <a:pt x="1104" y="100"/>
+                    <a:pt x="1104" y="100"/>
+                  </a:cubicBezTo>
+                  <a:lnTo>
+                    <a:pt x="1139" y="100"/>
+                  </a:lnTo>
+                  <a:close/>
+                </a:path>
+              </a:pathLst>
+            </a:custGeom>
+            <a:solidFill>
+              <a:srgbClr val="FFFFFF"/>
+            </a:solidFill>
+            <a:ln>
+              <a:noFill/>
+            </a:ln>
+          </p:spPr>
+          <p:txBody>
+            <a:bodyPr vert="horz" wrap="square" lIns="91440" tIns="45720" rIns="91440" bIns="45720" numCol="1" anchor="t" anchorCtr="0" compatLnSpc="1">
+              <a:prstTxWarp prst="textNoShape">
+                <a:avLst/>
+              </a:prstTxWarp>
+            </a:bodyPr>
+            <a:lstStyle/>
+            <a:p>
+              <a:endParaRPr lang="en-US" sz="1765" dirty="0"/>
+            </a:p>
+          </p:txBody>
+        </p:sp>
+      </p:grpSp>
     </p:spTree>
     <p:extLst>
       <p:ext uri="{BB962C8B-B14F-4D97-AF65-F5344CB8AC3E}">
-        <p14:creationId xmlns:p14="http://schemas.microsoft.com/office/powerpoint/2010/main" val="697390822"/>
+        <p14:creationId xmlns:p14="http://schemas.microsoft.com/office/powerpoint/2010/main" val="1122173409"/>
       </p:ext>
     </p:extLst>
   </p:cSld>
   <p:clrMapOvr>
     <a:masterClrMapping/>
   </p:clrMapOvr>
-  <p:transition>
-    <p:fade/>
-  </p:transition>
+  <mc:AlternateContent xmlns:mc="http://schemas.openxmlformats.org/markup-compatibility/2006" xmlns:p14="http://schemas.microsoft.com/office/powerpoint/2010/main">
+    <mc:Choice Requires="p14">
+      <p:transition spd="slow" p14:dur="3400">
+        <p14:reveal/>
+      </p:transition>
+    </mc:Choice>
+    <mc:Fallback xmlns="">
+      <p:transition spd="slow">
+        <p:fade/>
+      </p:transition>
+    </mc:Fallback>
+  </mc:AlternateContent>
 </p:sldLayout>
 </file>
 
-<file path=ppt/slideLayouts/slideLayout29.xml><?xml version="1.0" encoding="utf-8"?>
-<p:sldLayout xmlns:a="http://schemas.openxmlformats.org/drawingml/2006/main" xmlns:r="http://schemas.openxmlformats.org/officeDocument/2006/relationships" xmlns:p="http://schemas.openxmlformats.org/presentationml/2006/main" userDrawn="1">
-  <p:cSld name="Title &amp; Content Bulleted Text">
-    <p:bg bwMode="ltGray">
-      <p:bgPr>
-        <a:solidFill>
-          <a:schemeClr val="accent1"/>
-        </a:solidFill>
-        <a:effectLst/>
-      </p:bgPr>
-    </p:bg>
+<file path=ppt/slideLayouts/slideLayout3.xml><?xml version="1.0" encoding="utf-8"?>
+<p:sldLayout xmlns:a="http://schemas.openxmlformats.org/drawingml/2006/main" xmlns:r="http://schemas.openxmlformats.org/officeDocument/2006/relationships" xmlns:p="http://schemas.openxmlformats.org/presentationml/2006/main" preserve="1" userDrawn="1">
+  <p:cSld name="Title &amp; Non-bulleted text">
     <p:spTree>
       <p:nvGrpSpPr>
         <p:cNvPr id="1" name=""/>
@@ -14698,23 +11616,47 @@
             <p:ph type="title"/>
           </p:nvPr>
         </p:nvSpPr>
+        <p:spPr/>
+        <p:txBody>
+          <a:bodyPr/>
+          <a:lstStyle/>
+          <a:p>
+            <a:r>
+              <a:rPr lang="en-US"/>
+              <a:t>Click to edit Master title style</a:t>
+            </a:r>
+            <a:endParaRPr lang="en-US" dirty="0"/>
+          </a:p>
+        </p:txBody>
+      </p:sp>
+      <p:sp>
+        <p:nvSpPr>
+          <p:cNvPr id="6" name="Text Placeholder 5"/>
+          <p:cNvSpPr>
+            <a:spLocks noGrp="1"/>
+          </p:cNvSpPr>
+          <p:nvPr>
+            <p:ph type="body" sz="quarter" idx="10"/>
+          </p:nvPr>
+        </p:nvSpPr>
         <p:spPr>
           <a:xfrm>
-            <a:off x="268934" y="291112"/>
-            <a:ext cx="11494682" cy="896518"/>
+            <a:off x="269239" y="1189177"/>
+            <a:ext cx="11653523" cy="1985641"/>
           </a:xfrm>
         </p:spPr>
         <p:txBody>
           <a:bodyPr/>
           <a:lstStyle>
-            <a:lvl1pPr>
-              <a:defRPr sz="4264">
+            <a:lvl1pPr marL="0" indent="0">
+              <a:buNone/>
+              <a:defRPr>
                 <a:gradFill>
                   <a:gsLst>
-                    <a:gs pos="6195">
+                    <a:gs pos="1250">
                       <a:schemeClr val="tx1"/>
                     </a:gs>
-                    <a:gs pos="26000">
+                    <a:gs pos="99000">
                       <a:schemeClr val="tx1"/>
                     </a:gs>
                   </a:gsLst>
@@ -14722,95 +11664,56 @@
                 </a:gradFill>
               </a:defRPr>
             </a:lvl1pPr>
-          </a:lstStyle>
-          <a:p>
-            <a:r>
-              <a:rPr lang="en-US"/>
-              <a:t>Click to edit Master title style</a:t>
-            </a:r>
-          </a:p>
-        </p:txBody>
-      </p:sp>
-      <p:sp>
-        <p:nvSpPr>
-          <p:cNvPr id="4" name="Content Placeholder 3"/>
-          <p:cNvSpPr>
-            <a:spLocks noGrp="1"/>
-          </p:cNvSpPr>
-          <p:nvPr>
-            <p:ph sz="quarter" idx="10"/>
-          </p:nvPr>
-        </p:nvSpPr>
-        <p:spPr>
-          <a:xfrm>
-            <a:off x="269239" y="1663947"/>
-            <a:ext cx="10757098" cy="1441702"/>
-          </a:xfrm>
-        </p:spPr>
-        <p:txBody>
-          <a:bodyPr/>
-          <a:lstStyle>
-            <a:lvl1pPr>
-              <a:defRPr sz="1912">
-                <a:gradFill>
-                  <a:gsLst>
-                    <a:gs pos="1250">
-                      <a:schemeClr val="tx1"/>
-                    </a:gs>
-                    <a:gs pos="100000">
-                      <a:schemeClr val="tx1"/>
-                    </a:gs>
-                  </a:gsLst>
-                  <a:lin ang="5400000" scaled="0"/>
-                </a:gradFill>
-                <a:latin typeface="+mn-lt"/>
-              </a:defRPr>
-            </a:lvl1pPr>
-            <a:lvl2pPr>
-              <a:defRPr sz="1765"/>
+            <a:lvl2pPr marL="0" indent="0">
+              <a:buFontTx/>
+              <a:buNone/>
+              <a:defRPr sz="1961"/>
             </a:lvl2pPr>
-            <a:lvl3pPr>
-              <a:defRPr sz="1471"/>
+            <a:lvl3pPr marL="224097" indent="0">
+              <a:buNone/>
+              <a:defRPr/>
             </a:lvl3pPr>
-            <a:lvl4pPr>
-              <a:defRPr sz="1324"/>
+            <a:lvl4pPr marL="448193" indent="0">
+              <a:buNone/>
+              <a:defRPr/>
             </a:lvl4pPr>
-            <a:lvl5pPr>
-              <a:defRPr sz="1324"/>
+            <a:lvl5pPr marL="672290" indent="0">
+              <a:buNone/>
+              <a:defRPr/>
             </a:lvl5pPr>
           </a:lstStyle>
           <a:p>
             <a:pPr lvl="0"/>
             <a:r>
-              <a:rPr lang="en-US"/>
+              <a:rPr lang="en-US" dirty="0"/>
               <a:t>Click to edit Master text styles</a:t>
             </a:r>
           </a:p>
           <a:p>
             <a:pPr lvl="1"/>
             <a:r>
-              <a:rPr lang="en-US"/>
+              <a:rPr lang="en-US" dirty="0"/>
               <a:t>Second level</a:t>
             </a:r>
           </a:p>
           <a:p>
             <a:pPr lvl="2"/>
             <a:r>
-              <a:rPr lang="en-US"/>
+              <a:rPr lang="en-US" dirty="0"/>
               <a:t>Third level</a:t>
             </a:r>
           </a:p>
           <a:p>
             <a:pPr lvl="3"/>
             <a:r>
-              <a:rPr lang="en-US"/>
+              <a:rPr lang="en-US" dirty="0"/>
               <a:t>Fourth level</a:t>
             </a:r>
           </a:p>
           <a:p>
             <a:pPr lvl="4"/>
             <a:r>
-              <a:rPr lang="en-US"/>
+              <a:rPr lang="en-US" dirty="0"/>
               <a:t>Fifth level</a:t>
             </a:r>
           </a:p>
@@ -14819,178 +11722,7 @@
     </p:spTree>
     <p:extLst>
       <p:ext uri="{BB962C8B-B14F-4D97-AF65-F5344CB8AC3E}">
-        <p14:creationId xmlns:p14="http://schemas.microsoft.com/office/powerpoint/2010/main" val="1285569782"/>
-      </p:ext>
-    </p:extLst>
-  </p:cSld>
-  <p:clrMapOvr>
-    <a:masterClrMapping/>
-  </p:clrMapOvr>
-  <p:transition>
-    <p:fade/>
-  </p:transition>
-</p:sldLayout>
-</file>
-
-<file path=ppt/slideLayouts/slideLayout3.xml><?xml version="1.0" encoding="utf-8"?>
-<p:sldLayout xmlns:a="http://schemas.openxmlformats.org/drawingml/2006/main" xmlns:r="http://schemas.openxmlformats.org/officeDocument/2006/relationships" xmlns:p="http://schemas.openxmlformats.org/presentationml/2006/main" userDrawn="1">
-  <p:cSld name="Title &amp; Content Bulleted Text">
-    <p:bg bwMode="ltGray">
-      <p:bgPr>
-        <a:solidFill>
-          <a:schemeClr val="accent1"/>
-        </a:solidFill>
-        <a:effectLst/>
-      </p:bgPr>
-    </p:bg>
-    <p:spTree>
-      <p:nvGrpSpPr>
-        <p:cNvPr id="1" name=""/>
-        <p:cNvGrpSpPr/>
-        <p:nvPr/>
-      </p:nvGrpSpPr>
-      <p:grpSpPr>
-        <a:xfrm>
-          <a:off x="0" y="0"/>
-          <a:ext cx="0" cy="0"/>
-          <a:chOff x="0" y="0"/>
-          <a:chExt cx="0" cy="0"/>
-        </a:xfrm>
-      </p:grpSpPr>
-      <p:sp>
-        <p:nvSpPr>
-          <p:cNvPr id="2" name="Title 1"/>
-          <p:cNvSpPr>
-            <a:spLocks noGrp="1"/>
-          </p:cNvSpPr>
-          <p:nvPr>
-            <p:ph type="title"/>
-          </p:nvPr>
-        </p:nvSpPr>
-        <p:spPr>
-          <a:xfrm>
-            <a:off x="268934" y="291112"/>
-            <a:ext cx="11494682" cy="896518"/>
-          </a:xfrm>
-        </p:spPr>
-        <p:txBody>
-          <a:bodyPr/>
-          <a:lstStyle>
-            <a:lvl1pPr>
-              <a:defRPr sz="4264">
-                <a:gradFill>
-                  <a:gsLst>
-                    <a:gs pos="6195">
-                      <a:schemeClr val="tx1"/>
-                    </a:gs>
-                    <a:gs pos="26000">
-                      <a:schemeClr val="tx1"/>
-                    </a:gs>
-                  </a:gsLst>
-                  <a:lin ang="5400000" scaled="0"/>
-                </a:gradFill>
-              </a:defRPr>
-            </a:lvl1pPr>
-          </a:lstStyle>
-          <a:p>
-            <a:r>
-              <a:rPr lang="en-US"/>
-              <a:t>Click to edit Master title style</a:t>
-            </a:r>
-            <a:endParaRPr lang="en-US" dirty="0"/>
-          </a:p>
-        </p:txBody>
-      </p:sp>
-      <p:sp>
-        <p:nvSpPr>
-          <p:cNvPr id="4" name="Content Placeholder 3"/>
-          <p:cNvSpPr>
-            <a:spLocks noGrp="1"/>
-          </p:cNvSpPr>
-          <p:nvPr>
-            <p:ph sz="quarter" idx="10"/>
-          </p:nvPr>
-        </p:nvSpPr>
-        <p:spPr>
-          <a:xfrm>
-            <a:off x="269239" y="1663948"/>
-            <a:ext cx="10757098" cy="1441702"/>
-          </a:xfrm>
-        </p:spPr>
-        <p:txBody>
-          <a:bodyPr/>
-          <a:lstStyle>
-            <a:lvl1pPr>
-              <a:defRPr sz="1912">
-                <a:gradFill>
-                  <a:gsLst>
-                    <a:gs pos="1250">
-                      <a:schemeClr val="tx1"/>
-                    </a:gs>
-                    <a:gs pos="100000">
-                      <a:schemeClr val="tx1"/>
-                    </a:gs>
-                  </a:gsLst>
-                  <a:lin ang="5400000" scaled="0"/>
-                </a:gradFill>
-                <a:latin typeface="+mn-lt"/>
-              </a:defRPr>
-            </a:lvl1pPr>
-            <a:lvl2pPr>
-              <a:defRPr sz="1765"/>
-            </a:lvl2pPr>
-            <a:lvl3pPr>
-              <a:defRPr sz="1471"/>
-            </a:lvl3pPr>
-            <a:lvl4pPr>
-              <a:defRPr sz="1324"/>
-            </a:lvl4pPr>
-            <a:lvl5pPr>
-              <a:defRPr sz="1324"/>
-            </a:lvl5pPr>
-          </a:lstStyle>
-          <a:p>
-            <a:pPr lvl="0"/>
-            <a:r>
-              <a:rPr lang="en-US"/>
-              <a:t>Click to edit Master text styles</a:t>
-            </a:r>
-          </a:p>
-          <a:p>
-            <a:pPr lvl="1"/>
-            <a:r>
-              <a:rPr lang="en-US"/>
-              <a:t>Second level</a:t>
-            </a:r>
-          </a:p>
-          <a:p>
-            <a:pPr lvl="2"/>
-            <a:r>
-              <a:rPr lang="en-US"/>
-              <a:t>Third level</a:t>
-            </a:r>
-          </a:p>
-          <a:p>
-            <a:pPr lvl="3"/>
-            <a:r>
-              <a:rPr lang="en-US"/>
-              <a:t>Fourth level</a:t>
-            </a:r>
-          </a:p>
-          <a:p>
-            <a:pPr lvl="4"/>
-            <a:r>
-              <a:rPr lang="en-US"/>
-              <a:t>Fifth level</a:t>
-            </a:r>
-            <a:endParaRPr lang="en-US" dirty="0"/>
-          </a:p>
-        </p:txBody>
-      </p:sp>
-    </p:spTree>
-    <p:extLst>
-      <p:ext uri="{BB962C8B-B14F-4D97-AF65-F5344CB8AC3E}">
-        <p14:creationId xmlns:p14="http://schemas.microsoft.com/office/powerpoint/2010/main" val="2060864498"/>
+        <p14:creationId xmlns:p14="http://schemas.microsoft.com/office/powerpoint/2010/main" val="2953391160"/>
       </p:ext>
     </p:extLst>
   </p:cSld>
@@ -15004,7 +11736,7 @@
 </file>
 
 <file path=ppt/slideLayouts/slideLayout4.xml><?xml version="1.0" encoding="utf-8"?>
-<p:sldLayout xmlns:a="http://schemas.openxmlformats.org/drawingml/2006/main" xmlns:r="http://schemas.openxmlformats.org/officeDocument/2006/relationships" xmlns:p="http://schemas.openxmlformats.org/presentationml/2006/main" userDrawn="1">
+<p:sldLayout xmlns:a="http://schemas.openxmlformats.org/drawingml/2006/main" xmlns:r="http://schemas.openxmlformats.org/officeDocument/2006/relationships" xmlns:p="http://schemas.openxmlformats.org/presentationml/2006/main" preserve="1" userDrawn="1">
   <p:cSld name="Title and Content">
     <p:spTree>
       <p:nvGrpSpPr>
@@ -15107,7 +11839,7 @@
     </p:spTree>
     <p:extLst>
       <p:ext uri="{BB962C8B-B14F-4D97-AF65-F5344CB8AC3E}">
-        <p14:creationId xmlns:p14="http://schemas.microsoft.com/office/powerpoint/2010/main" val="1573655177"/>
+        <p14:creationId xmlns:p14="http://schemas.microsoft.com/office/powerpoint/2010/main" val="2818576603"/>
       </p:ext>
     </p:extLst>
   </p:cSld>
@@ -15121,8 +11853,8 @@
 </file>
 
 <file path=ppt/slideLayouts/slideLayout5.xml><?xml version="1.0" encoding="utf-8"?>
-<p:sldLayout xmlns:a="http://schemas.openxmlformats.org/drawingml/2006/main" xmlns:r="http://schemas.openxmlformats.org/officeDocument/2006/relationships" xmlns:p="http://schemas.openxmlformats.org/presentationml/2006/main" userDrawn="1">
-  <p:cSld name="Square Right Photo Layout">
+<p:sldLayout xmlns:a="http://schemas.openxmlformats.org/drawingml/2006/main" xmlns:r="http://schemas.openxmlformats.org/officeDocument/2006/relationships" xmlns:p="http://schemas.openxmlformats.org/presentationml/2006/main" preserve="1" userDrawn="1">
+  <p:cSld name="Two Column Non-bulleted text">
     <p:spTree>
       <p:nvGrpSpPr>
         <p:cNvPr id="1" name=""/>
@@ -15144,133 +11876,202 @@
             <a:spLocks noGrp="1"/>
           </p:cNvSpPr>
           <p:nvPr>
-            <p:ph type="title" hasCustomPrompt="1"/>
+            <p:ph type="title"/>
+          </p:nvPr>
+        </p:nvSpPr>
+        <p:spPr/>
+        <p:txBody>
+          <a:bodyPr/>
+          <a:lstStyle/>
+          <a:p>
+            <a:r>
+              <a:rPr lang="en-US"/>
+              <a:t>Click to edit Master title style</a:t>
+            </a:r>
+            <a:endParaRPr lang="en-US" dirty="0"/>
+          </a:p>
+        </p:txBody>
+      </p:sp>
+      <p:sp>
+        <p:nvSpPr>
+          <p:cNvPr id="4" name="Text Placeholder 3"/>
+          <p:cNvSpPr>
+            <a:spLocks noGrp="1"/>
+          </p:cNvSpPr>
+          <p:nvPr>
+            <p:ph type="body" sz="quarter" idx="10"/>
           </p:nvPr>
         </p:nvSpPr>
         <p:spPr>
           <a:xfrm>
-            <a:off x="269240" y="2686648"/>
-            <a:ext cx="4795873" cy="1484704"/>
+            <a:off x="269241" y="1189175"/>
+            <a:ext cx="5378548" cy="1877004"/>
           </a:xfrm>
         </p:spPr>
         <p:txBody>
-          <a:bodyPr wrap="square" anchor="ctr">
+          <a:bodyPr wrap="square">
             <a:spAutoFit/>
           </a:bodyPr>
           <a:lstStyle>
-            <a:lvl1pPr>
-              <a:defRPr sz="4705" baseline="0">
-                <a:gradFill>
-                  <a:gsLst>
-                    <a:gs pos="1250">
-                      <a:schemeClr val="tx1"/>
-                    </a:gs>
-                    <a:gs pos="100000">
-                      <a:schemeClr val="tx1"/>
-                    </a:gs>
-                  </a:gsLst>
-                  <a:lin ang="5400000" scaled="0"/>
-                </a:gradFill>
-              </a:defRPr>
+            <a:lvl1pPr marL="0" indent="0">
+              <a:spcBef>
+                <a:spcPts val="1200"/>
+              </a:spcBef>
+              <a:buClr>
+                <a:schemeClr val="tx1"/>
+              </a:buClr>
+              <a:buFont typeface="Wingdings" pitchFamily="2" charset="2"/>
+              <a:buNone/>
+              <a:defRPr sz="3137"/>
             </a:lvl1pPr>
+            <a:lvl2pPr marL="0" indent="0">
+              <a:buNone/>
+              <a:defRPr sz="1961"/>
+            </a:lvl2pPr>
+            <a:lvl3pPr marL="227209" indent="0">
+              <a:buNone/>
+              <a:tabLst/>
+              <a:defRPr sz="1961"/>
+            </a:lvl3pPr>
+            <a:lvl4pPr marL="451306" indent="0">
+              <a:buNone/>
+              <a:defRPr/>
+            </a:lvl4pPr>
+            <a:lvl5pPr marL="672290" indent="0">
+              <a:buNone/>
+              <a:tabLst/>
+              <a:defRPr/>
+            </a:lvl5pPr>
           </a:lstStyle>
           <a:p>
+            <a:pPr lvl="0"/>
             <a:r>
               <a:rPr lang="en-US" dirty="0"/>
-              <a:t>Square photo layout</a:t>
+              <a:t>Click to edit Master text styles</a:t>
+            </a:r>
+          </a:p>
+          <a:p>
+            <a:pPr lvl="1"/>
+            <a:r>
+              <a:rPr lang="en-US" dirty="0"/>
+              <a:t>Second level</a:t>
+            </a:r>
+          </a:p>
+          <a:p>
+            <a:pPr lvl="2"/>
+            <a:r>
+              <a:rPr lang="en-US" dirty="0"/>
+              <a:t>Third level</a:t>
+            </a:r>
+          </a:p>
+          <a:p>
+            <a:pPr lvl="3"/>
+            <a:r>
+              <a:rPr lang="en-US" dirty="0"/>
+              <a:t>Fourth level</a:t>
+            </a:r>
+          </a:p>
+          <a:p>
+            <a:pPr lvl="4"/>
+            <a:r>
+              <a:rPr lang="en-US" dirty="0"/>
+              <a:t>Fifth level</a:t>
             </a:r>
           </a:p>
         </p:txBody>
       </p:sp>
       <p:sp>
         <p:nvSpPr>
-          <p:cNvPr id="5" name="Picture Placeholder 4"/>
+          <p:cNvPr id="5" name="Text Placeholder 3"/>
           <p:cNvSpPr>
-            <a:spLocks noGrp="1" noChangeAspect="1"/>
+            <a:spLocks noGrp="1"/>
           </p:cNvSpPr>
           <p:nvPr>
-            <p:ph type="pic" sz="quarter" idx="10"/>
+            <p:ph type="body" sz="quarter" idx="11"/>
           </p:nvPr>
         </p:nvSpPr>
-        <p:spPr bwMode="ltGray">
+        <p:spPr>
           <a:xfrm>
-            <a:off x="5334350" y="0"/>
-            <a:ext cx="6857650" cy="6856100"/>
+            <a:off x="6544214" y="1189175"/>
+            <a:ext cx="5378548" cy="1877004"/>
           </a:xfrm>
-          <a:prstGeom prst="rect">
-            <a:avLst/>
-          </a:prstGeom>
-          <a:blipFill>
-            <a:blip r:embed="rId2"/>
-            <a:stretch>
-              <a:fillRect/>
-            </a:stretch>
-          </a:blipFill>
         </p:spPr>
         <p:txBody>
-          <a:bodyPr tIns="548640" anchor="ctr" anchorCtr="0">
-            <a:noAutofit/>
+          <a:bodyPr wrap="square">
+            <a:spAutoFit/>
           </a:bodyPr>
           <a:lstStyle>
-            <a:lvl1pPr marL="0" indent="0" algn="ctr">
+            <a:lvl1pPr marL="0" indent="0">
+              <a:spcBef>
+                <a:spcPts val="1200"/>
+              </a:spcBef>
+              <a:buClr>
+                <a:schemeClr val="tx1"/>
+              </a:buClr>
+              <a:buFont typeface="Wingdings" pitchFamily="2" charset="2"/>
               <a:buNone/>
-              <a:defRPr sz="1568" b="1" cap="none" baseline="0">
-                <a:gradFill>
-                  <a:gsLst>
-                    <a:gs pos="0">
-                      <a:srgbClr val="FFFFFF"/>
-                    </a:gs>
-                    <a:gs pos="27000">
-                      <a:srgbClr val="FFFFFF"/>
-                    </a:gs>
-                  </a:gsLst>
-                  <a:lin ang="5400000" scaled="0"/>
-                </a:gradFill>
-                <a:latin typeface="+mn-lt"/>
-              </a:defRPr>
+              <a:defRPr sz="3137"/>
             </a:lvl1pPr>
+            <a:lvl2pPr marL="0" indent="0">
+              <a:buNone/>
+              <a:defRPr sz="1961"/>
+            </a:lvl2pPr>
+            <a:lvl3pPr marL="227209" indent="0">
+              <a:buNone/>
+              <a:tabLst/>
+              <a:defRPr sz="1961"/>
+            </a:lvl3pPr>
+            <a:lvl4pPr marL="451306" indent="0">
+              <a:buNone/>
+              <a:defRPr/>
+            </a:lvl4pPr>
+            <a:lvl5pPr marL="672290" indent="0">
+              <a:buNone/>
+              <a:tabLst/>
+              <a:defRPr/>
+            </a:lvl5pPr>
           </a:lstStyle>
           <a:p>
+            <a:pPr lvl="0"/>
             <a:r>
               <a:rPr lang="en-US" dirty="0"/>
-              <a:t>Click icon to add picture</a:t>
+              <a:t>Click to edit Master text styles</a:t>
+            </a:r>
+          </a:p>
+          <a:p>
+            <a:pPr lvl="1"/>
+            <a:r>
+              <a:rPr lang="en-US" dirty="0"/>
+              <a:t>Second level</a:t>
+            </a:r>
+          </a:p>
+          <a:p>
+            <a:pPr lvl="2"/>
+            <a:r>
+              <a:rPr lang="en-US" dirty="0"/>
+              <a:t>Third level</a:t>
+            </a:r>
+          </a:p>
+          <a:p>
+            <a:pPr lvl="3"/>
+            <a:r>
+              <a:rPr lang="en-US" dirty="0"/>
+              <a:t>Fourth level</a:t>
+            </a:r>
+          </a:p>
+          <a:p>
+            <a:pPr lvl="4"/>
+            <a:r>
+              <a:rPr lang="en-US" dirty="0"/>
+              <a:t>Fifth level</a:t>
             </a:r>
           </a:p>
         </p:txBody>
       </p:sp>
-      <p:pic>
-        <p:nvPicPr>
-          <p:cNvPr id="3" name="Picture 2"/>
-          <p:cNvPicPr>
-            <a:picLocks noChangeAspect="1"/>
-          </p:cNvPicPr>
-          <p:nvPr userDrawn="1"/>
-        </p:nvPicPr>
-        <p:blipFill rotWithShape="1">
-          <a:blip r:embed="rId3" cstate="screen">
-            <a:extLst>
-              <a:ext uri="{28A0092B-C50C-407E-A947-70E740481C1C}">
-                <a14:useLocalDpi xmlns:a14="http://schemas.microsoft.com/office/drawing/2010/main"/>
-              </a:ext>
-            </a:extLst>
-          </a:blip>
-          <a:srcRect/>
-          <a:stretch/>
-        </p:blipFill>
-        <p:spPr>
-          <a:xfrm>
-            <a:off x="5334350" y="0"/>
-            <a:ext cx="6857650" cy="6858623"/>
-          </a:xfrm>
-          <a:prstGeom prst="rect">
-            <a:avLst/>
-          </a:prstGeom>
-        </p:spPr>
-      </p:pic>
     </p:spTree>
     <p:extLst>
       <p:ext uri="{BB962C8B-B14F-4D97-AF65-F5344CB8AC3E}">
-        <p14:creationId xmlns:p14="http://schemas.microsoft.com/office/powerpoint/2010/main" val="2227173609"/>
+        <p14:creationId xmlns:p14="http://schemas.microsoft.com/office/powerpoint/2010/main" val="628879157"/>
       </p:ext>
     </p:extLst>
   </p:cSld>
@@ -15280,22 +12081,290 @@
   <p:transition>
     <p:fade/>
   </p:transition>
-  <p:extLst>
-    <p:ext uri="{DCECCB84-F9BA-43D5-87BE-67443E8EF086}">
-      <p15:sldGuideLst xmlns:p15="http://schemas.microsoft.com/office/powerpoint/2012/main">
-        <p15:guide id="1" pos="3427">
-          <p15:clr>
-            <a:srgbClr val="FBAE40"/>
-          </p15:clr>
-        </p15:guide>
-      </p15:sldGuideLst>
-    </p:ext>
-  </p:extLst>
 </p:sldLayout>
 </file>
 
 <file path=ppt/slideLayouts/slideLayout6.xml><?xml version="1.0" encoding="utf-8"?>
-<p:sldLayout xmlns:a="http://schemas.openxmlformats.org/drawingml/2006/main" xmlns:r="http://schemas.openxmlformats.org/officeDocument/2006/relationships" xmlns:p="http://schemas.openxmlformats.org/presentationml/2006/main" userDrawn="1">
+<p:sldLayout xmlns:a="http://schemas.openxmlformats.org/drawingml/2006/main" xmlns:r="http://schemas.openxmlformats.org/officeDocument/2006/relationships" xmlns:p="http://schemas.openxmlformats.org/presentationml/2006/main" preserve="1" userDrawn="1">
+  <p:cSld name="Two Column Bullet text">
+    <p:spTree>
+      <p:nvGrpSpPr>
+        <p:cNvPr id="1" name=""/>
+        <p:cNvGrpSpPr/>
+        <p:nvPr/>
+      </p:nvGrpSpPr>
+      <p:grpSpPr>
+        <a:xfrm>
+          <a:off x="0" y="0"/>
+          <a:ext cx="0" cy="0"/>
+          <a:chOff x="0" y="0"/>
+          <a:chExt cx="0" cy="0"/>
+        </a:xfrm>
+      </p:grpSpPr>
+      <p:sp>
+        <p:nvSpPr>
+          <p:cNvPr id="2" name="Title 1"/>
+          <p:cNvSpPr>
+            <a:spLocks noGrp="1"/>
+          </p:cNvSpPr>
+          <p:nvPr>
+            <p:ph type="title"/>
+          </p:nvPr>
+        </p:nvSpPr>
+        <p:spPr/>
+        <p:txBody>
+          <a:bodyPr/>
+          <a:lstStyle/>
+          <a:p>
+            <a:r>
+              <a:rPr lang="en-US"/>
+              <a:t>Click to edit Master title style</a:t>
+            </a:r>
+            <a:endParaRPr lang="en-US" dirty="0"/>
+          </a:p>
+        </p:txBody>
+      </p:sp>
+      <p:sp>
+        <p:nvSpPr>
+          <p:cNvPr id="4" name="Text Placeholder 3"/>
+          <p:cNvSpPr>
+            <a:spLocks noGrp="1"/>
+          </p:cNvSpPr>
+          <p:nvPr>
+            <p:ph type="body" sz="quarter" idx="10"/>
+          </p:nvPr>
+        </p:nvSpPr>
+        <p:spPr>
+          <a:xfrm>
+            <a:off x="269241" y="1189176"/>
+            <a:ext cx="5378548" cy="2377940"/>
+          </a:xfrm>
+        </p:spPr>
+        <p:txBody>
+          <a:bodyPr wrap="square">
+            <a:spAutoFit/>
+          </a:bodyPr>
+          <a:lstStyle>
+            <a:lvl1pPr marL="281677" indent="-281677">
+              <a:spcBef>
+                <a:spcPts val="1200"/>
+              </a:spcBef>
+              <a:buClr>
+                <a:schemeClr val="tx1"/>
+              </a:buClr>
+              <a:buFont typeface="Arial" pitchFamily="34" charset="0"/>
+              <a:buChar char="•"/>
+              <a:defRPr sz="3137"/>
+            </a:lvl1pPr>
+            <a:lvl2pPr marL="520702" indent="-228601">
+              <a:defRPr sz="2353"/>
+            </a:lvl2pPr>
+            <a:lvl3pPr marL="685803" indent="-165101">
+              <a:tabLst/>
+              <a:defRPr sz="1961"/>
+            </a:lvl3pPr>
+            <a:lvl4pPr marL="863603" indent="-177801">
+              <a:defRPr/>
+            </a:lvl4pPr>
+            <a:lvl5pPr marL="1028704" indent="-165101">
+              <a:tabLst/>
+              <a:defRPr/>
+            </a:lvl5pPr>
+          </a:lstStyle>
+          <a:p>
+            <a:pPr lvl="0"/>
+            <a:r>
+              <a:rPr lang="en-US" dirty="0"/>
+              <a:t>Click to edit Master text styles</a:t>
+            </a:r>
+          </a:p>
+          <a:p>
+            <a:pPr lvl="1"/>
+            <a:r>
+              <a:rPr lang="en-US" dirty="0"/>
+              <a:t>Second level</a:t>
+            </a:r>
+          </a:p>
+          <a:p>
+            <a:pPr lvl="2"/>
+            <a:r>
+              <a:rPr lang="en-US" dirty="0"/>
+              <a:t>Third level</a:t>
+            </a:r>
+          </a:p>
+          <a:p>
+            <a:pPr lvl="3"/>
+            <a:r>
+              <a:rPr lang="en-US" dirty="0"/>
+              <a:t>Fourth level</a:t>
+            </a:r>
+          </a:p>
+          <a:p>
+            <a:pPr lvl="4"/>
+            <a:r>
+              <a:rPr lang="en-US" dirty="0"/>
+              <a:t>Fifth level</a:t>
+            </a:r>
+          </a:p>
+        </p:txBody>
+      </p:sp>
+      <p:sp>
+        <p:nvSpPr>
+          <p:cNvPr id="5" name="Text Placeholder 3"/>
+          <p:cNvSpPr>
+            <a:spLocks noGrp="1"/>
+          </p:cNvSpPr>
+          <p:nvPr>
+            <p:ph type="body" sz="quarter" idx="11"/>
+          </p:nvPr>
+        </p:nvSpPr>
+        <p:spPr>
+          <a:xfrm>
+            <a:off x="6544214" y="1189176"/>
+            <a:ext cx="5378548" cy="2377940"/>
+          </a:xfrm>
+        </p:spPr>
+        <p:txBody>
+          <a:bodyPr wrap="square">
+            <a:spAutoFit/>
+          </a:bodyPr>
+          <a:lstStyle>
+            <a:lvl1pPr marL="281677" indent="-281677">
+              <a:spcBef>
+                <a:spcPts val="1200"/>
+              </a:spcBef>
+              <a:buClr>
+                <a:schemeClr val="tx1"/>
+              </a:buClr>
+              <a:buFont typeface="Arial" pitchFamily="34" charset="0"/>
+              <a:buChar char="•"/>
+              <a:defRPr sz="3137"/>
+            </a:lvl1pPr>
+            <a:lvl2pPr marL="520702" indent="-228601">
+              <a:defRPr sz="2353"/>
+            </a:lvl2pPr>
+            <a:lvl3pPr marL="685803" indent="-165101">
+              <a:tabLst/>
+              <a:defRPr sz="1961"/>
+            </a:lvl3pPr>
+            <a:lvl4pPr marL="863603" indent="-177801">
+              <a:defRPr/>
+            </a:lvl4pPr>
+            <a:lvl5pPr marL="1028704" indent="-165101">
+              <a:tabLst/>
+              <a:defRPr/>
+            </a:lvl5pPr>
+          </a:lstStyle>
+          <a:p>
+            <a:pPr lvl="0"/>
+            <a:r>
+              <a:rPr lang="en-US" dirty="0"/>
+              <a:t>Click to edit Master text styles</a:t>
+            </a:r>
+          </a:p>
+          <a:p>
+            <a:pPr lvl="1"/>
+            <a:r>
+              <a:rPr lang="en-US" dirty="0"/>
+              <a:t>Second level</a:t>
+            </a:r>
+          </a:p>
+          <a:p>
+            <a:pPr lvl="2"/>
+            <a:r>
+              <a:rPr lang="en-US" dirty="0"/>
+              <a:t>Third level</a:t>
+            </a:r>
+          </a:p>
+          <a:p>
+            <a:pPr lvl="3"/>
+            <a:r>
+              <a:rPr lang="en-US" dirty="0"/>
+              <a:t>Fourth level</a:t>
+            </a:r>
+          </a:p>
+          <a:p>
+            <a:pPr lvl="4"/>
+            <a:r>
+              <a:rPr lang="en-US" dirty="0"/>
+              <a:t>Fifth level</a:t>
+            </a:r>
+          </a:p>
+        </p:txBody>
+      </p:sp>
+    </p:spTree>
+    <p:extLst>
+      <p:ext uri="{BB962C8B-B14F-4D97-AF65-F5344CB8AC3E}">
+        <p14:creationId xmlns:p14="http://schemas.microsoft.com/office/powerpoint/2010/main" val="2610195946"/>
+      </p:ext>
+    </p:extLst>
+  </p:cSld>
+  <p:clrMapOvr>
+    <a:masterClrMapping/>
+  </p:clrMapOvr>
+  <p:transition>
+    <p:fade/>
+  </p:transition>
+</p:sldLayout>
+</file>
+
+<file path=ppt/slideLayouts/slideLayout7.xml><?xml version="1.0" encoding="utf-8"?>
+<p:sldLayout xmlns:a="http://schemas.openxmlformats.org/drawingml/2006/main" xmlns:r="http://schemas.openxmlformats.org/officeDocument/2006/relationships" xmlns:p="http://schemas.openxmlformats.org/presentationml/2006/main" preserve="1" userDrawn="1">
+  <p:cSld name="Title Only">
+    <p:spTree>
+      <p:nvGrpSpPr>
+        <p:cNvPr id="1" name=""/>
+        <p:cNvGrpSpPr/>
+        <p:nvPr/>
+      </p:nvGrpSpPr>
+      <p:grpSpPr>
+        <a:xfrm>
+          <a:off x="0" y="0"/>
+          <a:ext cx="0" cy="0"/>
+          <a:chOff x="0" y="0"/>
+          <a:chExt cx="0" cy="0"/>
+        </a:xfrm>
+      </p:grpSpPr>
+      <p:sp>
+        <p:nvSpPr>
+          <p:cNvPr id="2" name="Title 1"/>
+          <p:cNvSpPr>
+            <a:spLocks noGrp="1"/>
+          </p:cNvSpPr>
+          <p:nvPr>
+            <p:ph type="title"/>
+          </p:nvPr>
+        </p:nvSpPr>
+        <p:spPr/>
+        <p:txBody>
+          <a:bodyPr/>
+          <a:lstStyle/>
+          <a:p>
+            <a:r>
+              <a:rPr lang="en-US" dirty="0"/>
+              <a:t>Click to edit Master title style</a:t>
+            </a:r>
+          </a:p>
+        </p:txBody>
+      </p:sp>
+    </p:spTree>
+    <p:extLst>
+      <p:ext uri="{BB962C8B-B14F-4D97-AF65-F5344CB8AC3E}">
+        <p14:creationId xmlns:p14="http://schemas.microsoft.com/office/powerpoint/2010/main" val="4236199967"/>
+      </p:ext>
+    </p:extLst>
+  </p:cSld>
+  <p:clrMapOvr>
+    <a:masterClrMapping/>
+  </p:clrMapOvr>
+  <p:transition>
+    <p:fade/>
+  </p:transition>
+</p:sldLayout>
+</file>
+
+<file path=ppt/slideLayouts/slideLayout8.xml><?xml version="1.0" encoding="utf-8"?>
+<p:sldLayout xmlns:a="http://schemas.openxmlformats.org/drawingml/2006/main" xmlns:r="http://schemas.openxmlformats.org/officeDocument/2006/relationships" xmlns:p="http://schemas.openxmlformats.org/presentationml/2006/main" preserve="1" userDrawn="1">
   <p:cSld name="Demo slide">
     <p:bg>
       <p:bgPr>
@@ -15420,7 +12489,7 @@
     </p:spTree>
     <p:extLst>
       <p:ext uri="{BB962C8B-B14F-4D97-AF65-F5344CB8AC3E}">
-        <p14:creationId xmlns:p14="http://schemas.microsoft.com/office/powerpoint/2010/main" val="4095936665"/>
+        <p14:creationId xmlns:p14="http://schemas.microsoft.com/office/powerpoint/2010/main" val="2875692455"/>
       </p:ext>
     </p:extLst>
   </p:cSld>
@@ -15442,8 +12511,8 @@
 </p:sldLayout>
 </file>
 
-<file path=ppt/slideLayouts/slideLayout7.xml><?xml version="1.0" encoding="utf-8"?>
-<p:sldLayout xmlns:a="http://schemas.openxmlformats.org/drawingml/2006/main" xmlns:r="http://schemas.openxmlformats.org/officeDocument/2006/relationships" xmlns:p="http://schemas.openxmlformats.org/presentationml/2006/main" userDrawn="1">
+<file path=ppt/slideLayouts/slideLayout9.xml><?xml version="1.0" encoding="utf-8"?>
+<p:sldLayout xmlns:a="http://schemas.openxmlformats.org/drawingml/2006/main" xmlns:r="http://schemas.openxmlformats.org/officeDocument/2006/relationships" xmlns:p="http://schemas.openxmlformats.org/presentationml/2006/main" preserve="1" userDrawn="1">
   <p:cSld name="Video slide">
     <p:bg>
       <p:bgPr>
@@ -15523,7 +12592,7 @@
     </p:spTree>
     <p:extLst>
       <p:ext uri="{BB962C8B-B14F-4D97-AF65-F5344CB8AC3E}">
-        <p14:creationId xmlns:p14="http://schemas.microsoft.com/office/powerpoint/2010/main" val="3248886419"/>
+        <p14:creationId xmlns:p14="http://schemas.microsoft.com/office/powerpoint/2010/main" val="3710251443"/>
       </p:ext>
     </p:extLst>
   </p:cSld>
@@ -15545,1120 +12614,7 @@
 </p:sldLayout>
 </file>
 
-<file path=ppt/slideLayouts/slideLayout8.xml><?xml version="1.0" encoding="utf-8"?>
-<p:sldLayout xmlns:a="http://schemas.openxmlformats.org/drawingml/2006/main" xmlns:r="http://schemas.openxmlformats.org/officeDocument/2006/relationships" xmlns:p="http://schemas.openxmlformats.org/presentationml/2006/main" userDrawn="1">
-  <p:cSld name="Section Title Accent Color 1">
-    <p:bg>
-      <p:bgPr>
-        <a:solidFill>
-          <a:schemeClr val="accent1"/>
-        </a:solidFill>
-        <a:effectLst/>
-      </p:bgPr>
-    </p:bg>
-    <p:spTree>
-      <p:nvGrpSpPr>
-        <p:cNvPr id="1" name=""/>
-        <p:cNvGrpSpPr/>
-        <p:nvPr/>
-      </p:nvGrpSpPr>
-      <p:grpSpPr>
-        <a:xfrm>
-          <a:off x="0" y="0"/>
-          <a:ext cx="0" cy="0"/>
-          <a:chOff x="0" y="0"/>
-          <a:chExt cx="0" cy="0"/>
-        </a:xfrm>
-      </p:grpSpPr>
-      <p:sp>
-        <p:nvSpPr>
-          <p:cNvPr id="2" name="Title 1"/>
-          <p:cNvSpPr>
-            <a:spLocks noGrp="1"/>
-          </p:cNvSpPr>
-          <p:nvPr>
-            <p:ph type="title" hasCustomPrompt="1"/>
-          </p:nvPr>
-        </p:nvSpPr>
-        <p:spPr>
-          <a:xfrm>
-            <a:off x="269239" y="2084172"/>
-            <a:ext cx="11653523" cy="1158793"/>
-          </a:xfrm>
-          <a:noFill/>
-        </p:spPr>
-        <p:txBody>
-          <a:bodyPr tIns="91440" bIns="91440" anchor="t" anchorCtr="0">
-            <a:spAutoFit/>
-          </a:bodyPr>
-          <a:lstStyle>
-            <a:lvl1pPr>
-              <a:defRPr sz="7058" spc="-98" baseline="0">
-                <a:gradFill>
-                  <a:gsLst>
-                    <a:gs pos="100000">
-                      <a:schemeClr val="tx1"/>
-                    </a:gs>
-                    <a:gs pos="0">
-                      <a:schemeClr val="tx1"/>
-                    </a:gs>
-                  </a:gsLst>
-                  <a:lin ang="5400000" scaled="0"/>
-                </a:gradFill>
-              </a:defRPr>
-            </a:lvl1pPr>
-          </a:lstStyle>
-          <a:p>
-            <a:r>
-              <a:rPr lang="en-US" dirty="0"/>
-              <a:t>Section title</a:t>
-            </a:r>
-          </a:p>
-        </p:txBody>
-      </p:sp>
-    </p:spTree>
-    <p:extLst>
-      <p:ext uri="{BB962C8B-B14F-4D97-AF65-F5344CB8AC3E}">
-        <p14:creationId xmlns:p14="http://schemas.microsoft.com/office/powerpoint/2010/main" val="3755532300"/>
-      </p:ext>
-    </p:extLst>
-  </p:cSld>
-  <p:clrMapOvr>
-    <a:masterClrMapping/>
-  </p:clrMapOvr>
-  <p:transition>
-    <p:fade/>
-  </p:transition>
-</p:sldLayout>
-</file>
-
-<file path=ppt/slideLayouts/slideLayout9.xml><?xml version="1.0" encoding="utf-8"?>
-<p:sldLayout xmlns:a="http://schemas.openxmlformats.org/drawingml/2006/main" xmlns:r="http://schemas.openxmlformats.org/officeDocument/2006/relationships" xmlns:p="http://schemas.openxmlformats.org/presentationml/2006/main" userDrawn="1">
-  <p:cSld name="Developer Code Layout">
-    <p:spTree>
-      <p:nvGrpSpPr>
-        <p:cNvPr id="1" name=""/>
-        <p:cNvGrpSpPr/>
-        <p:nvPr/>
-      </p:nvGrpSpPr>
-      <p:grpSpPr>
-        <a:xfrm>
-          <a:off x="0" y="0"/>
-          <a:ext cx="0" cy="0"/>
-          <a:chOff x="0" y="0"/>
-          <a:chExt cx="0" cy="0"/>
-        </a:xfrm>
-      </p:grpSpPr>
-      <p:sp>
-        <p:nvSpPr>
-          <p:cNvPr id="2" name="Title 1"/>
-          <p:cNvSpPr>
-            <a:spLocks noGrp="1"/>
-          </p:cNvSpPr>
-          <p:nvPr>
-            <p:ph type="title" hasCustomPrompt="1"/>
-          </p:nvPr>
-        </p:nvSpPr>
-        <p:spPr/>
-        <p:txBody>
-          <a:bodyPr/>
-          <a:lstStyle>
-            <a:lvl1pPr>
-              <a:defRPr baseline="0"/>
-            </a:lvl1pPr>
-          </a:lstStyle>
-          <a:p>
-            <a:r>
-              <a:rPr lang="en-US" dirty="0"/>
-              <a:t>Slide for developer code</a:t>
-            </a:r>
-          </a:p>
-        </p:txBody>
-      </p:sp>
-      <p:sp>
-        <p:nvSpPr>
-          <p:cNvPr id="3" name="Rectangle 2"/>
-          <p:cNvSpPr/>
-          <p:nvPr userDrawn="1"/>
-        </p:nvSpPr>
-        <p:spPr bwMode="hidden">
-          <a:xfrm>
-            <a:off x="1" y="1189176"/>
-            <a:ext cx="12192000" cy="5668824"/>
-          </a:xfrm>
-          <a:prstGeom prst="rect">
-            <a:avLst/>
-          </a:prstGeom>
-          <a:solidFill>
-            <a:srgbClr val="FFFFFF"/>
-          </a:solidFill>
-          <a:ln>
-            <a:noFill/>
-            <a:headEnd type="none" w="med" len="med"/>
-            <a:tailEnd type="none" w="med" len="med"/>
-          </a:ln>
-          <a:effectLst/>
-        </p:spPr>
-        <p:style>
-          <a:lnRef idx="1">
-            <a:schemeClr val="accent2"/>
-          </a:lnRef>
-          <a:fillRef idx="3">
-            <a:schemeClr val="accent2"/>
-          </a:fillRef>
-          <a:effectRef idx="2">
-            <a:schemeClr val="accent2"/>
-          </a:effectRef>
-          <a:fontRef idx="minor">
-            <a:schemeClr val="lt1"/>
-          </a:fontRef>
-        </p:style>
-        <p:txBody>
-          <a:bodyPr rot="0" spcFirstLastPara="0" vertOverflow="overflow" horzOverflow="overflow" vert="horz" wrap="square" lIns="45722" tIns="45722" rIns="45722" bIns="45722" numCol="1" spcCol="0" rtlCol="0" fromWordArt="0" anchor="ctr" anchorCtr="0" forceAA="0" compatLnSpc="1">
-            <a:prstTxWarp prst="textNoShape">
-              <a:avLst/>
-            </a:prstTxWarp>
-            <a:noAutofit/>
-          </a:bodyPr>
-          <a:lstStyle/>
-          <a:p>
-            <a:pPr algn="ctr" defTabSz="914102" fontAlgn="base">
-              <a:spcBef>
-                <a:spcPct val="0"/>
-              </a:spcBef>
-              <a:spcAft>
-                <a:spcPct val="0"/>
-              </a:spcAft>
-            </a:pPr>
-            <a:endParaRPr lang="en-US" sz="1765" dirty="0">
-              <a:gradFill>
-                <a:gsLst>
-                  <a:gs pos="0">
-                    <a:srgbClr val="FFFFFF"/>
-                  </a:gs>
-                  <a:gs pos="100000">
-                    <a:srgbClr val="FFFFFF"/>
-                  </a:gs>
-                </a:gsLst>
-                <a:lin ang="5400000" scaled="0"/>
-              </a:gradFill>
-              <a:ea typeface="Segoe UI" pitchFamily="34" charset="0"/>
-              <a:cs typeface="Segoe UI" pitchFamily="34" charset="0"/>
-            </a:endParaRPr>
-          </a:p>
-        </p:txBody>
-      </p:sp>
-      <p:sp>
-        <p:nvSpPr>
-          <p:cNvPr id="5" name="Text Placeholder 4"/>
-          <p:cNvSpPr>
-            <a:spLocks noGrp="1"/>
-          </p:cNvSpPr>
-          <p:nvPr>
-            <p:ph type="body" sz="quarter" idx="10"/>
-          </p:nvPr>
-        </p:nvSpPr>
-        <p:spPr>
-          <a:xfrm>
-            <a:off x="269239" y="1197322"/>
-            <a:ext cx="11653522" cy="1956973"/>
-          </a:xfrm>
-        </p:spPr>
-        <p:txBody>
-          <a:bodyPr/>
-          <a:lstStyle>
-            <a:lvl1pPr marL="0" indent="0">
-              <a:buNone/>
-              <a:defRPr sz="3235">
-                <a:gradFill>
-                  <a:gsLst>
-                    <a:gs pos="8718">
-                      <a:srgbClr val="353535"/>
-                    </a:gs>
-                    <a:gs pos="34000">
-                      <a:srgbClr val="353535"/>
-                    </a:gs>
-                  </a:gsLst>
-                  <a:lin ang="5400000" scaled="0"/>
-                </a:gradFill>
-                <a:latin typeface="Consolas" panose="020B0609020204030204" pitchFamily="49" charset="0"/>
-                <a:cs typeface="Consolas" panose="020B0609020204030204" pitchFamily="49" charset="0"/>
-              </a:defRPr>
-            </a:lvl1pPr>
-            <a:lvl2pPr marL="339726" indent="0">
-              <a:buNone/>
-              <a:defRPr>
-                <a:gradFill>
-                  <a:gsLst>
-                    <a:gs pos="8718">
-                      <a:srgbClr val="353535"/>
-                    </a:gs>
-                    <a:gs pos="34000">
-                      <a:srgbClr val="353535"/>
-                    </a:gs>
-                  </a:gsLst>
-                  <a:lin ang="5400000" scaled="0"/>
-                </a:gradFill>
-                <a:latin typeface="Consolas" panose="020B0609020204030204" pitchFamily="49" charset="0"/>
-                <a:cs typeface="Consolas" panose="020B0609020204030204" pitchFamily="49" charset="0"/>
-              </a:defRPr>
-            </a:lvl2pPr>
-            <a:lvl3pPr marL="573090" indent="0">
-              <a:buNone/>
-              <a:defRPr>
-                <a:gradFill>
-                  <a:gsLst>
-                    <a:gs pos="8718">
-                      <a:srgbClr val="353535"/>
-                    </a:gs>
-                    <a:gs pos="34000">
-                      <a:srgbClr val="353535"/>
-                    </a:gs>
-                  </a:gsLst>
-                  <a:lin ang="5400000" scaled="0"/>
-                </a:gradFill>
-                <a:latin typeface="Consolas" panose="020B0609020204030204" pitchFamily="49" charset="0"/>
-                <a:cs typeface="Consolas" panose="020B0609020204030204" pitchFamily="49" charset="0"/>
-              </a:defRPr>
-            </a:lvl3pPr>
-            <a:lvl4pPr marL="798516" indent="0">
-              <a:buNone/>
-              <a:defRPr>
-                <a:gradFill>
-                  <a:gsLst>
-                    <a:gs pos="8718">
-                      <a:srgbClr val="353535"/>
-                    </a:gs>
-                    <a:gs pos="34000">
-                      <a:srgbClr val="353535"/>
-                    </a:gs>
-                  </a:gsLst>
-                  <a:lin ang="5400000" scaled="0"/>
-                </a:gradFill>
-                <a:latin typeface="Consolas" panose="020B0609020204030204" pitchFamily="49" charset="0"/>
-                <a:cs typeface="Consolas" panose="020B0609020204030204" pitchFamily="49" charset="0"/>
-              </a:defRPr>
-            </a:lvl4pPr>
-            <a:lvl5pPr marL="1030292" indent="0">
-              <a:buNone/>
-              <a:defRPr>
-                <a:gradFill>
-                  <a:gsLst>
-                    <a:gs pos="8718">
-                      <a:srgbClr val="353535"/>
-                    </a:gs>
-                    <a:gs pos="34000">
-                      <a:srgbClr val="353535"/>
-                    </a:gs>
-                  </a:gsLst>
-                  <a:lin ang="5400000" scaled="0"/>
-                </a:gradFill>
-                <a:latin typeface="Consolas" panose="020B0609020204030204" pitchFamily="49" charset="0"/>
-                <a:cs typeface="Consolas" panose="020B0609020204030204" pitchFamily="49" charset="0"/>
-              </a:defRPr>
-            </a:lvl5pPr>
-          </a:lstStyle>
-          <a:p>
-            <a:pPr lvl="0"/>
-            <a:r>
-              <a:rPr lang="en-US" dirty="0"/>
-              <a:t>Click to edit Master text styles</a:t>
-            </a:r>
-          </a:p>
-          <a:p>
-            <a:pPr lvl="1"/>
-            <a:r>
-              <a:rPr lang="en-US" dirty="0"/>
-              <a:t>Second level</a:t>
-            </a:r>
-          </a:p>
-          <a:p>
-            <a:pPr lvl="2"/>
-            <a:r>
-              <a:rPr lang="en-US" dirty="0"/>
-              <a:t>Third level</a:t>
-            </a:r>
-          </a:p>
-          <a:p>
-            <a:pPr lvl="3"/>
-            <a:r>
-              <a:rPr lang="en-US" dirty="0"/>
-              <a:t>Fourth level</a:t>
-            </a:r>
-          </a:p>
-          <a:p>
-            <a:pPr lvl="4"/>
-            <a:r>
-              <a:rPr lang="en-US" dirty="0"/>
-              <a:t>Fifth level</a:t>
-            </a:r>
-          </a:p>
-        </p:txBody>
-      </p:sp>
-    </p:spTree>
-    <p:extLst>
-      <p:ext uri="{BB962C8B-B14F-4D97-AF65-F5344CB8AC3E}">
-        <p14:creationId xmlns:p14="http://schemas.microsoft.com/office/powerpoint/2010/main" val="3222835809"/>
-      </p:ext>
-    </p:extLst>
-  </p:cSld>
-  <p:clrMapOvr>
-    <a:masterClrMapping/>
-  </p:clrMapOvr>
-  <p:transition>
-    <p:fade/>
-  </p:transition>
-</p:sldLayout>
-</file>
-
 <file path=ppt/slideMasters/slideMaster1.xml><?xml version="1.0" encoding="utf-8"?>
-<p:sldMaster xmlns:a="http://schemas.openxmlformats.org/drawingml/2006/main" xmlns:r="http://schemas.openxmlformats.org/officeDocument/2006/relationships" xmlns:p="http://schemas.openxmlformats.org/presentationml/2006/main" preserve="1">
-  <p:cSld>
-    <p:bg>
-      <p:bgRef idx="1001">
-        <a:schemeClr val="bg1"/>
-      </p:bgRef>
-    </p:bg>
-    <p:spTree>
-      <p:nvGrpSpPr>
-        <p:cNvPr id="1" name=""/>
-        <p:cNvGrpSpPr/>
-        <p:nvPr/>
-      </p:nvGrpSpPr>
-      <p:grpSpPr>
-        <a:xfrm>
-          <a:off x="0" y="0"/>
-          <a:ext cx="0" cy="0"/>
-          <a:chOff x="0" y="0"/>
-          <a:chExt cx="0" cy="0"/>
-        </a:xfrm>
-      </p:grpSpPr>
-      <p:sp>
-        <p:nvSpPr>
-          <p:cNvPr id="2" name="Title Placeholder 1"/>
-          <p:cNvSpPr>
-            <a:spLocks noGrp="1"/>
-          </p:cNvSpPr>
-          <p:nvPr>
-            <p:ph type="title"/>
-          </p:nvPr>
-        </p:nvSpPr>
-        <p:spPr>
-          <a:xfrm>
-            <a:off x="268929" y="291114"/>
-            <a:ext cx="11655840" cy="899665"/>
-          </a:xfrm>
-          <a:prstGeom prst="rect">
-            <a:avLst/>
-          </a:prstGeom>
-        </p:spPr>
-        <p:txBody>
-          <a:bodyPr vert="horz" wrap="square" lIns="146304" tIns="91440" rIns="146304" bIns="91440" rtlCol="0" anchor="t">
-            <a:noAutofit/>
-          </a:bodyPr>
-          <a:lstStyle/>
-          <a:p>
-            <a:r>
-              <a:rPr lang="en-US"/>
-              <a:t>Click to edit Master title style</a:t>
-            </a:r>
-            <a:endParaRPr lang="en-US" dirty="0"/>
-          </a:p>
-        </p:txBody>
-      </p:sp>
-      <p:sp>
-        <p:nvSpPr>
-          <p:cNvPr id="4" name="Text Placeholder 3"/>
-          <p:cNvSpPr>
-            <a:spLocks noGrp="1"/>
-          </p:cNvSpPr>
-          <p:nvPr>
-            <p:ph type="body" idx="1"/>
-          </p:nvPr>
-        </p:nvSpPr>
-        <p:spPr>
-          <a:xfrm>
-            <a:off x="269241" y="1189182"/>
-            <a:ext cx="11653521" cy="1683871"/>
-          </a:xfrm>
-          <a:prstGeom prst="rect">
-            <a:avLst/>
-          </a:prstGeom>
-        </p:spPr>
-        <p:txBody>
-          <a:bodyPr vert="horz" wrap="square" lIns="146304" tIns="91440" rIns="146304" bIns="91440" rtlCol="0">
-            <a:spAutoFit/>
-          </a:bodyPr>
-          <a:lstStyle/>
-          <a:p>
-            <a:pPr lvl="0"/>
-            <a:r>
-              <a:rPr lang="en-US"/>
-              <a:t>Click to edit Master text styles</a:t>
-            </a:r>
-          </a:p>
-          <a:p>
-            <a:pPr lvl="1"/>
-            <a:r>
-              <a:rPr lang="en-US"/>
-              <a:t>Second level</a:t>
-            </a:r>
-          </a:p>
-          <a:p>
-            <a:pPr lvl="2"/>
-            <a:r>
-              <a:rPr lang="en-US"/>
-              <a:t>Third level</a:t>
-            </a:r>
-          </a:p>
-          <a:p>
-            <a:pPr lvl="3"/>
-            <a:r>
-              <a:rPr lang="en-US"/>
-              <a:t>Fourth level</a:t>
-            </a:r>
-          </a:p>
-          <a:p>
-            <a:pPr lvl="4"/>
-            <a:r>
-              <a:rPr lang="en-US"/>
-              <a:t>Fifth level</a:t>
-            </a:r>
-            <a:endParaRPr lang="en-US" dirty="0"/>
-          </a:p>
-        </p:txBody>
-      </p:sp>
-      <p:sp>
-        <p:nvSpPr>
-          <p:cNvPr id="5" name="Footer Placeholder 2"/>
-          <p:cNvSpPr>
-            <a:spLocks noGrp="1"/>
-          </p:cNvSpPr>
-          <p:nvPr>
-            <p:ph type="ftr" sz="quarter" idx="3"/>
-          </p:nvPr>
-        </p:nvSpPr>
-        <p:spPr>
-          <a:xfrm>
-            <a:off x="269242" y="6558796"/>
-            <a:ext cx="3859607" cy="134483"/>
-          </a:xfrm>
-          <a:prstGeom prst="rect">
-            <a:avLst/>
-          </a:prstGeom>
-        </p:spPr>
-        <p:txBody>
-          <a:bodyPr vert="horz" lIns="0" tIns="0" rIns="91440" bIns="0" rtlCol="0" anchor="ctr"/>
-          <a:lstStyle>
-            <a:lvl1pPr marL="0" algn="l" defTabSz="685692" rtl="0" eaLnBrk="1" latinLnBrk="0" hangingPunct="1">
-              <a:defRPr lang="en-US" sz="662" kern="1200">
-                <a:gradFill>
-                  <a:gsLst>
-                    <a:gs pos="2239">
-                      <a:schemeClr val="tx1"/>
-                    </a:gs>
-                    <a:gs pos="11940">
-                      <a:schemeClr val="tx1"/>
-                    </a:gs>
-                  </a:gsLst>
-                  <a:lin ang="5400000" scaled="0"/>
-                </a:gradFill>
-                <a:latin typeface="+mn-lt"/>
-                <a:ea typeface="+mn-ea"/>
-                <a:cs typeface="+mn-cs"/>
-              </a:defRPr>
-            </a:lvl1pPr>
-          </a:lstStyle>
-          <a:p>
-            <a:r>
-              <a:rPr dirty="0">
-                <a:gradFill>
-                  <a:gsLst>
-                    <a:gs pos="2239">
-                      <a:srgbClr val="505050"/>
-                    </a:gs>
-                    <a:gs pos="11940">
-                      <a:srgbClr val="505050"/>
-                    </a:gs>
-                  </a:gsLst>
-                  <a:lin ang="5400000" scaled="0"/>
-                </a:gradFill>
-              </a:rPr>
-              <a:t>Microsoft Confidential</a:t>
-            </a:r>
-          </a:p>
-        </p:txBody>
-      </p:sp>
-      <p:sp>
-        <p:nvSpPr>
-          <p:cNvPr id="6" name="Slide Number Placeholder 4"/>
-          <p:cNvSpPr>
-            <a:spLocks noGrp="1"/>
-          </p:cNvSpPr>
-          <p:nvPr>
-            <p:ph type="sldNum" sz="quarter" idx="4"/>
-          </p:nvPr>
-        </p:nvSpPr>
-        <p:spPr>
-          <a:xfrm>
-            <a:off x="11367168" y="6558796"/>
-            <a:ext cx="555596" cy="134483"/>
-          </a:xfrm>
-          <a:prstGeom prst="rect">
-            <a:avLst/>
-          </a:prstGeom>
-        </p:spPr>
-        <p:txBody>
-          <a:bodyPr vert="horz" lIns="91440" tIns="0" rIns="0" bIns="0" rtlCol="0" anchor="ctr"/>
-          <a:lstStyle>
-            <a:lvl1pPr algn="r">
-              <a:defRPr lang="en-US" sz="662" b="0" kern="1200" smtClean="0">
-                <a:gradFill>
-                  <a:gsLst>
-                    <a:gs pos="2239">
-                      <a:schemeClr val="tx1"/>
-                    </a:gs>
-                    <a:gs pos="11940">
-                      <a:schemeClr val="tx1"/>
-                    </a:gs>
-                  </a:gsLst>
-                  <a:lin ang="5400000" scaled="0"/>
-                </a:gradFill>
-                <a:latin typeface="+mn-lt"/>
-                <a:ea typeface="+mn-ea"/>
-                <a:cs typeface="+mn-cs"/>
-              </a:defRPr>
-            </a:lvl1pPr>
-          </a:lstStyle>
-          <a:p>
-            <a:pPr defTabSz="914554"/>
-            <a:fld id="{27258FFF-F925-446B-8502-81C933981705}" type="slidenum">
-              <a:rPr lang="en-US" smtClean="0">
-                <a:gradFill>
-                  <a:gsLst>
-                    <a:gs pos="2239">
-                      <a:srgbClr val="505050"/>
-                    </a:gs>
-                    <a:gs pos="11940">
-                      <a:srgbClr val="505050"/>
-                    </a:gs>
-                  </a:gsLst>
-                  <a:lin ang="5400000" scaled="0"/>
-                </a:gradFill>
-              </a:rPr>
-              <a:pPr defTabSz="914554"/>
-              <a:t>‹#›</a:t>
-            </a:fld>
-            <a:endParaRPr lang="en-US" dirty="0">
-              <a:gradFill>
-                <a:gsLst>
-                  <a:gs pos="2239">
-                    <a:srgbClr val="505050"/>
-                  </a:gs>
-                  <a:gs pos="11940">
-                    <a:srgbClr val="505050"/>
-                  </a:gs>
-                </a:gsLst>
-                <a:lin ang="5400000" scaled="0"/>
-              </a:gradFill>
-            </a:endParaRPr>
-          </a:p>
-        </p:txBody>
-      </p:sp>
-    </p:spTree>
-    <p:extLst>
-      <p:ext uri="{BB962C8B-B14F-4D97-AF65-F5344CB8AC3E}">
-        <p14:creationId xmlns:p14="http://schemas.microsoft.com/office/powerpoint/2010/main" val="4040844910"/>
-      </p:ext>
-    </p:extLst>
-  </p:cSld>
-  <p:clrMap bg1="lt1" tx1="dk1" bg2="lt2" tx2="dk2" accent1="accent1" accent2="accent2" accent3="accent3" accent4="accent4" accent5="accent5" accent6="accent6" hlink="hlink" folHlink="folHlink"/>
-  <p:sldLayoutIdLst>
-    <p:sldLayoutId id="2147483661" r:id="rId1"/>
-    <p:sldLayoutId id="2147483662" r:id="rId2"/>
-    <p:sldLayoutId id="2147483663" r:id="rId3"/>
-    <p:sldLayoutId id="2147483685" r:id="rId4"/>
-    <p:sldLayoutId id="2147483686" r:id="rId5"/>
-    <p:sldLayoutId id="2147483687" r:id="rId6"/>
-    <p:sldLayoutId id="2147483688" r:id="rId7"/>
-    <p:sldLayoutId id="2147483689" r:id="rId8"/>
-    <p:sldLayoutId id="2147483690" r:id="rId9"/>
-    <p:sldLayoutId id="2147483692" r:id="rId10"/>
-  </p:sldLayoutIdLst>
-  <p:transition>
-    <p:fade/>
-  </p:transition>
-  <p:hf sldNum="0" hdr="0" dt="0"/>
-  <p:txStyles>
-    <p:titleStyle>
-      <a:lvl1pPr algn="l" defTabSz="685692" rtl="0" eaLnBrk="1" latinLnBrk="0" hangingPunct="1">
-        <a:lnSpc>
-          <a:spcPct val="90000"/>
-        </a:lnSpc>
-        <a:spcBef>
-          <a:spcPct val="0"/>
-        </a:spcBef>
-        <a:buNone/>
-        <a:defRPr lang="en-US" sz="3970" b="0" kern="1200" cap="none" spc="-75" baseline="0" dirty="0" smtClean="0">
-          <a:ln w="3175">
-            <a:noFill/>
-          </a:ln>
-          <a:gradFill>
-            <a:gsLst>
-              <a:gs pos="1250">
-                <a:schemeClr val="tx1"/>
-              </a:gs>
-              <a:gs pos="100000">
-                <a:schemeClr val="tx1"/>
-              </a:gs>
-            </a:gsLst>
-            <a:lin ang="5400000" scaled="0"/>
-          </a:gradFill>
-          <a:effectLst/>
-          <a:latin typeface="+mj-lt"/>
-          <a:ea typeface="+mn-ea"/>
-          <a:cs typeface="Segoe UI" pitchFamily="34" charset="0"/>
-        </a:defRPr>
-      </a:lvl1pPr>
-    </p:titleStyle>
-    <p:bodyStyle>
-      <a:lvl1pPr marL="252080" marR="0" indent="-252080" algn="l" defTabSz="685692" rtl="0" eaLnBrk="1" fontAlgn="auto" latinLnBrk="0" hangingPunct="1">
-        <a:lnSpc>
-          <a:spcPct val="90000"/>
-        </a:lnSpc>
-        <a:spcBef>
-          <a:spcPct val="20000"/>
-        </a:spcBef>
-        <a:spcAft>
-          <a:spcPts val="0"/>
-        </a:spcAft>
-        <a:buClrTx/>
-        <a:buSzPct val="90000"/>
-        <a:buFont typeface="Arial" pitchFamily="34" charset="0"/>
-        <a:buChar char="•"/>
-        <a:tabLst/>
-        <a:defRPr sz="2942" kern="1200" spc="0" baseline="0">
-          <a:gradFill>
-            <a:gsLst>
-              <a:gs pos="1250">
-                <a:schemeClr val="tx1"/>
-              </a:gs>
-              <a:gs pos="100000">
-                <a:schemeClr val="tx1"/>
-              </a:gs>
-            </a:gsLst>
-            <a:lin ang="5400000" scaled="0"/>
-          </a:gradFill>
-          <a:latin typeface="+mj-lt"/>
-          <a:ea typeface="+mn-ea"/>
-          <a:cs typeface="+mn-cs"/>
-        </a:defRPr>
-      </a:lvl1pPr>
-      <a:lvl2pPr marL="429468" marR="0" indent="-177389" algn="l" defTabSz="685692" rtl="0" eaLnBrk="1" fontAlgn="auto" latinLnBrk="0" hangingPunct="1">
-        <a:lnSpc>
-          <a:spcPct val="90000"/>
-        </a:lnSpc>
-        <a:spcBef>
-          <a:spcPct val="20000"/>
-        </a:spcBef>
-        <a:spcAft>
-          <a:spcPts val="0"/>
-        </a:spcAft>
-        <a:buClrTx/>
-        <a:buSzPct val="90000"/>
-        <a:buFont typeface="Arial" pitchFamily="34" charset="0"/>
-        <a:buChar char="•"/>
-        <a:tabLst/>
-        <a:defRPr sz="1765" kern="1200" spc="0" baseline="0">
-          <a:gradFill>
-            <a:gsLst>
-              <a:gs pos="1250">
-                <a:schemeClr val="tx1"/>
-              </a:gs>
-              <a:gs pos="100000">
-                <a:schemeClr val="tx1"/>
-              </a:gs>
-            </a:gsLst>
-            <a:lin ang="5400000" scaled="0"/>
-          </a:gradFill>
-          <a:latin typeface="+mn-lt"/>
-          <a:ea typeface="+mn-ea"/>
-          <a:cs typeface="+mn-cs"/>
-        </a:defRPr>
-      </a:lvl2pPr>
-      <a:lvl3pPr marL="588182" marR="0" indent="-168053" algn="l" defTabSz="685692" rtl="0" eaLnBrk="1" fontAlgn="auto" latinLnBrk="0" hangingPunct="1">
-        <a:lnSpc>
-          <a:spcPct val="90000"/>
-        </a:lnSpc>
-        <a:spcBef>
-          <a:spcPct val="20000"/>
-        </a:spcBef>
-        <a:spcAft>
-          <a:spcPts val="0"/>
-        </a:spcAft>
-        <a:buClrTx/>
-        <a:buSzPct val="90000"/>
-        <a:buFont typeface="Arial" pitchFamily="34" charset="0"/>
-        <a:buChar char="•"/>
-        <a:tabLst/>
-        <a:defRPr sz="1765" kern="1200" spc="0" baseline="0">
-          <a:gradFill>
-            <a:gsLst>
-              <a:gs pos="1250">
-                <a:schemeClr val="tx1"/>
-              </a:gs>
-              <a:gs pos="100000">
-                <a:schemeClr val="tx1"/>
-              </a:gs>
-            </a:gsLst>
-            <a:lin ang="5400000" scaled="0"/>
-          </a:gradFill>
-          <a:latin typeface="+mn-lt"/>
-          <a:ea typeface="+mn-ea"/>
-          <a:cs typeface="+mn-cs"/>
-        </a:defRPr>
-      </a:lvl3pPr>
-      <a:lvl4pPr marL="756235" marR="0" indent="-168053" algn="l" defTabSz="685692" rtl="0" eaLnBrk="1" fontAlgn="auto" latinLnBrk="0" hangingPunct="1">
-        <a:lnSpc>
-          <a:spcPct val="90000"/>
-        </a:lnSpc>
-        <a:spcBef>
-          <a:spcPct val="20000"/>
-        </a:spcBef>
-        <a:spcAft>
-          <a:spcPts val="0"/>
-        </a:spcAft>
-        <a:buClrTx/>
-        <a:buSzPct val="90000"/>
-        <a:buFont typeface="Arial" pitchFamily="34" charset="0"/>
-        <a:buChar char="•"/>
-        <a:tabLst/>
-        <a:defRPr sz="1471" kern="1200" spc="0" baseline="0">
-          <a:gradFill>
-            <a:gsLst>
-              <a:gs pos="1250">
-                <a:schemeClr val="tx1"/>
-              </a:gs>
-              <a:gs pos="100000">
-                <a:schemeClr val="tx1"/>
-              </a:gs>
-            </a:gsLst>
-            <a:lin ang="5400000" scaled="0"/>
-          </a:gradFill>
-          <a:latin typeface="+mn-lt"/>
-          <a:ea typeface="+mn-ea"/>
-          <a:cs typeface="+mn-cs"/>
-        </a:defRPr>
-      </a:lvl4pPr>
-      <a:lvl5pPr marL="924288" marR="0" indent="-168053" algn="l" defTabSz="685692" rtl="0" eaLnBrk="1" fontAlgn="auto" latinLnBrk="0" hangingPunct="1">
-        <a:lnSpc>
-          <a:spcPct val="90000"/>
-        </a:lnSpc>
-        <a:spcBef>
-          <a:spcPct val="20000"/>
-        </a:spcBef>
-        <a:spcAft>
-          <a:spcPts val="0"/>
-        </a:spcAft>
-        <a:buClrTx/>
-        <a:buSzPct val="90000"/>
-        <a:buFont typeface="Arial" pitchFamily="34" charset="0"/>
-        <a:buChar char="•"/>
-        <a:tabLst/>
-        <a:defRPr sz="1471" kern="1200" spc="0" baseline="0">
-          <a:gradFill>
-            <a:gsLst>
-              <a:gs pos="1250">
-                <a:schemeClr val="tx1"/>
-              </a:gs>
-              <a:gs pos="100000">
-                <a:schemeClr val="tx1"/>
-              </a:gs>
-            </a:gsLst>
-            <a:lin ang="5400000" scaled="0"/>
-          </a:gradFill>
-          <a:latin typeface="+mn-lt"/>
-          <a:ea typeface="+mn-ea"/>
-          <a:cs typeface="+mn-cs"/>
-        </a:defRPr>
-      </a:lvl5pPr>
-      <a:lvl6pPr marL="1885653" indent="-171423" algn="l" defTabSz="685692" rtl="0" eaLnBrk="1" latinLnBrk="0" hangingPunct="1">
-        <a:spcBef>
-          <a:spcPct val="20000"/>
-        </a:spcBef>
-        <a:buFont typeface="Arial" pitchFamily="34" charset="0"/>
-        <a:buChar char="•"/>
-        <a:defRPr sz="1471" kern="1200">
-          <a:solidFill>
-            <a:schemeClr val="tx1"/>
-          </a:solidFill>
-          <a:latin typeface="+mn-lt"/>
-          <a:ea typeface="+mn-ea"/>
-          <a:cs typeface="+mn-cs"/>
-        </a:defRPr>
-      </a:lvl6pPr>
-      <a:lvl7pPr marL="2228501" indent="-171423" algn="l" defTabSz="685692" rtl="0" eaLnBrk="1" latinLnBrk="0" hangingPunct="1">
-        <a:spcBef>
-          <a:spcPct val="20000"/>
-        </a:spcBef>
-        <a:buFont typeface="Arial" pitchFamily="34" charset="0"/>
-        <a:buChar char="•"/>
-        <a:defRPr sz="1471" kern="1200">
-          <a:solidFill>
-            <a:schemeClr val="tx1"/>
-          </a:solidFill>
-          <a:latin typeface="+mn-lt"/>
-          <a:ea typeface="+mn-ea"/>
-          <a:cs typeface="+mn-cs"/>
-        </a:defRPr>
-      </a:lvl7pPr>
-      <a:lvl8pPr marL="2571347" indent="-171423" algn="l" defTabSz="685692" rtl="0" eaLnBrk="1" latinLnBrk="0" hangingPunct="1">
-        <a:spcBef>
-          <a:spcPct val="20000"/>
-        </a:spcBef>
-        <a:buFont typeface="Arial" pitchFamily="34" charset="0"/>
-        <a:buChar char="•"/>
-        <a:defRPr sz="1471" kern="1200">
-          <a:solidFill>
-            <a:schemeClr val="tx1"/>
-          </a:solidFill>
-          <a:latin typeface="+mn-lt"/>
-          <a:ea typeface="+mn-ea"/>
-          <a:cs typeface="+mn-cs"/>
-        </a:defRPr>
-      </a:lvl8pPr>
-      <a:lvl9pPr marL="2914193" indent="-171423" algn="l" defTabSz="685692" rtl="0" eaLnBrk="1" latinLnBrk="0" hangingPunct="1">
-        <a:spcBef>
-          <a:spcPct val="20000"/>
-        </a:spcBef>
-        <a:buFont typeface="Arial" pitchFamily="34" charset="0"/>
-        <a:buChar char="•"/>
-        <a:defRPr sz="1471" kern="1200">
-          <a:solidFill>
-            <a:schemeClr val="tx1"/>
-          </a:solidFill>
-          <a:latin typeface="+mn-lt"/>
-          <a:ea typeface="+mn-ea"/>
-          <a:cs typeface="+mn-cs"/>
-        </a:defRPr>
-      </a:lvl9pPr>
-    </p:bodyStyle>
-    <p:otherStyle>
-      <a:defPPr>
-        <a:defRPr lang="en-US"/>
-      </a:defPPr>
-      <a:lvl1pPr marL="0" algn="l" defTabSz="685692" rtl="0" eaLnBrk="1" latinLnBrk="0" hangingPunct="1">
-        <a:defRPr sz="1324" kern="1200">
-          <a:solidFill>
-            <a:schemeClr val="tx1"/>
-          </a:solidFill>
-          <a:latin typeface="+mn-lt"/>
-          <a:ea typeface="+mn-ea"/>
-          <a:cs typeface="+mn-cs"/>
-        </a:defRPr>
-      </a:lvl1pPr>
-      <a:lvl2pPr marL="342847" algn="l" defTabSz="685692" rtl="0" eaLnBrk="1" latinLnBrk="0" hangingPunct="1">
-        <a:defRPr sz="1324" kern="1200">
-          <a:solidFill>
-            <a:schemeClr val="tx1"/>
-          </a:solidFill>
-          <a:latin typeface="+mn-lt"/>
-          <a:ea typeface="+mn-ea"/>
-          <a:cs typeface="+mn-cs"/>
-        </a:defRPr>
-      </a:lvl2pPr>
-      <a:lvl3pPr marL="685692" algn="l" defTabSz="685692" rtl="0" eaLnBrk="1" latinLnBrk="0" hangingPunct="1">
-        <a:defRPr sz="1324" kern="1200">
-          <a:solidFill>
-            <a:schemeClr val="tx1"/>
-          </a:solidFill>
-          <a:latin typeface="+mn-lt"/>
-          <a:ea typeface="+mn-ea"/>
-          <a:cs typeface="+mn-cs"/>
-        </a:defRPr>
-      </a:lvl3pPr>
-      <a:lvl4pPr marL="1028540" algn="l" defTabSz="685692" rtl="0" eaLnBrk="1" latinLnBrk="0" hangingPunct="1">
-        <a:defRPr sz="1324" kern="1200">
-          <a:solidFill>
-            <a:schemeClr val="tx1"/>
-          </a:solidFill>
-          <a:latin typeface="+mn-lt"/>
-          <a:ea typeface="+mn-ea"/>
-          <a:cs typeface="+mn-cs"/>
-        </a:defRPr>
-      </a:lvl4pPr>
-      <a:lvl5pPr marL="1371383" algn="l" defTabSz="685692" rtl="0" eaLnBrk="1" latinLnBrk="0" hangingPunct="1">
-        <a:defRPr sz="1324" kern="1200">
-          <a:solidFill>
-            <a:schemeClr val="tx1"/>
-          </a:solidFill>
-          <a:latin typeface="+mn-lt"/>
-          <a:ea typeface="+mn-ea"/>
-          <a:cs typeface="+mn-cs"/>
-        </a:defRPr>
-      </a:lvl5pPr>
-      <a:lvl6pPr marL="1714232" algn="l" defTabSz="685692" rtl="0" eaLnBrk="1" latinLnBrk="0" hangingPunct="1">
-        <a:defRPr sz="1324" kern="1200">
-          <a:solidFill>
-            <a:schemeClr val="tx1"/>
-          </a:solidFill>
-          <a:latin typeface="+mn-lt"/>
-          <a:ea typeface="+mn-ea"/>
-          <a:cs typeface="+mn-cs"/>
-        </a:defRPr>
-      </a:lvl6pPr>
-      <a:lvl7pPr marL="2057077" algn="l" defTabSz="685692" rtl="0" eaLnBrk="1" latinLnBrk="0" hangingPunct="1">
-        <a:defRPr sz="1324" kern="1200">
-          <a:solidFill>
-            <a:schemeClr val="tx1"/>
-          </a:solidFill>
-          <a:latin typeface="+mn-lt"/>
-          <a:ea typeface="+mn-ea"/>
-          <a:cs typeface="+mn-cs"/>
-        </a:defRPr>
-      </a:lvl7pPr>
-      <a:lvl8pPr marL="2399923" algn="l" defTabSz="685692" rtl="0" eaLnBrk="1" latinLnBrk="0" hangingPunct="1">
-        <a:defRPr sz="1324" kern="1200">
-          <a:solidFill>
-            <a:schemeClr val="tx1"/>
-          </a:solidFill>
-          <a:latin typeface="+mn-lt"/>
-          <a:ea typeface="+mn-ea"/>
-          <a:cs typeface="+mn-cs"/>
-        </a:defRPr>
-      </a:lvl8pPr>
-      <a:lvl9pPr marL="2742770" algn="l" defTabSz="685692" rtl="0" eaLnBrk="1" latinLnBrk="0" hangingPunct="1">
-        <a:defRPr sz="1324" kern="1200">
-          <a:solidFill>
-            <a:schemeClr val="tx1"/>
-          </a:solidFill>
-          <a:latin typeface="+mn-lt"/>
-          <a:ea typeface="+mn-ea"/>
-          <a:cs typeface="+mn-cs"/>
-        </a:defRPr>
-      </a:lvl9pPr>
-    </p:otherStyle>
-  </p:txStyles>
-  <p:extLst mod="1">
-    <p:ext uri="{27BBF7A9-308A-43DC-89C8-2F10F3537804}">
-      <p15:sldGuideLst xmlns:p15="http://schemas.microsoft.com/office/powerpoint/2012/main">
-        <p15:guide id="1" orient="horz" pos="187">
-          <p15:clr>
-            <a:srgbClr val="5ACBF0"/>
-          </p15:clr>
-        </p15:guide>
-        <p15:guide id="2" pos="173">
-          <p15:clr>
-            <a:srgbClr val="5ACBF0"/>
-          </p15:clr>
-        </p15:guide>
-        <p15:guide id="3" orient="horz" pos="763">
-          <p15:clr>
-            <a:srgbClr val="A4A3A4"/>
-          </p15:clr>
-        </p15:guide>
-        <p15:guide id="4" orient="horz" pos="1339">
-          <p15:clr>
-            <a:srgbClr val="A4A3A4"/>
-          </p15:clr>
-        </p15:guide>
-        <p15:guide id="5" orient="horz" pos="1915">
-          <p15:clr>
-            <a:srgbClr val="A4A3A4"/>
-          </p15:clr>
-        </p15:guide>
-        <p15:guide id="6" orient="horz" pos="2491">
-          <p15:clr>
-            <a:srgbClr val="A4A3A4"/>
-          </p15:clr>
-        </p15:guide>
-        <p15:guide id="7" orient="horz" pos="3067">
-          <p15:clr>
-            <a:srgbClr val="A4A3A4"/>
-          </p15:clr>
-        </p15:guide>
-        <p15:guide id="8" orient="horz" pos="3643">
-          <p15:clr>
-            <a:srgbClr val="A4A3A4"/>
-          </p15:clr>
-        </p15:guide>
-        <p15:guide id="9" orient="horz" pos="4219">
-          <p15:clr>
-            <a:srgbClr val="5ACBF0"/>
-          </p15:clr>
-        </p15:guide>
-        <p15:guide id="10" pos="749">
-          <p15:clr>
-            <a:srgbClr val="A4A3A4"/>
-          </p15:clr>
-        </p15:guide>
-        <p15:guide id="11" pos="1325">
-          <p15:clr>
-            <a:srgbClr val="A4A3A4"/>
-          </p15:clr>
-        </p15:guide>
-        <p15:guide id="12" pos="1901">
-          <p15:clr>
-            <a:srgbClr val="A4A3A4"/>
-          </p15:clr>
-        </p15:guide>
-        <p15:guide id="13" pos="2477">
-          <p15:clr>
-            <a:srgbClr val="A4A3A4"/>
-          </p15:clr>
-        </p15:guide>
-        <p15:guide id="14" pos="3053">
-          <p15:clr>
-            <a:srgbClr val="A4A3A4"/>
-          </p15:clr>
-        </p15:guide>
-        <p15:guide id="15" pos="3629">
-          <p15:clr>
-            <a:srgbClr val="A4A3A4"/>
-          </p15:clr>
-        </p15:guide>
-        <p15:guide id="16" pos="4204">
-          <p15:clr>
-            <a:srgbClr val="A4A3A4"/>
-          </p15:clr>
-        </p15:guide>
-        <p15:guide id="17" pos="4780">
-          <p15:clr>
-            <a:srgbClr val="A4A3A4"/>
-          </p15:clr>
-        </p15:guide>
-        <p15:guide id="18" pos="5356">
-          <p15:clr>
-            <a:srgbClr val="A4A3A4"/>
-          </p15:clr>
-        </p15:guide>
-        <p15:guide id="19" pos="5932">
-          <p15:clr>
-            <a:srgbClr val="A4A3A4"/>
-          </p15:clr>
-        </p15:guide>
-        <p15:guide id="20" pos="6508">
-          <p15:clr>
-            <a:srgbClr val="A4A3A4"/>
-          </p15:clr>
-        </p15:guide>
-        <p15:guide id="21" pos="7084">
-          <p15:clr>
-            <a:srgbClr val="A4A3A4"/>
-          </p15:clr>
-        </p15:guide>
-        <p15:guide id="22" pos="7660">
-          <p15:clr>
-            <a:srgbClr val="5ACBF0"/>
-          </p15:clr>
-        </p15:guide>
-      </p15:sldGuideLst>
-    </p:ext>
-  </p:extLst>
-</p:sldMaster>
-</file>
-
-<file path=ppt/slideMasters/slideMaster2.xml><?xml version="1.0" encoding="utf-8"?>
 <p:sldMaster xmlns:a="http://schemas.openxmlformats.org/drawingml/2006/main" xmlns:r="http://schemas.openxmlformats.org/officeDocument/2006/relationships" xmlns:p="http://schemas.openxmlformats.org/presentationml/2006/main" preserve="1">
   <p:cSld>
     <p:bg>
@@ -16799,8 +12755,6 @@
     <p:sldLayoutId id="2147483680" r:id="rId15"/>
     <p:sldLayoutId id="2147483681" r:id="rId16"/>
     <p:sldLayoutId id="2147483682" r:id="rId17"/>
-    <p:sldLayoutId id="2147483683" r:id="rId18"/>
-    <p:sldLayoutId id="2147483693" r:id="rId19"/>
   </p:sldLayoutIdLst>
   <p:transition>
     <p:fade/>
@@ -18726,7 +14680,7 @@
             <p:nvPr/>
           </p:nvPicPr>
           <p:blipFill>
-            <a:blip r:embed="rId4" cstate="print">
+            <a:blip r:embed="rId3" cstate="print">
               <a:extLst>
                 <a:ext uri="{28A0092B-C50C-407E-A947-70E740481C1C}">
                   <a14:useLocalDpi xmlns:a14="http://schemas.microsoft.com/office/drawing/2010/main" val="0"/>
@@ -18762,7 +14716,7 @@
             <p:nvPr/>
           </p:nvPicPr>
           <p:blipFill>
-            <a:blip r:embed="rId5" cstate="print">
+            <a:blip r:embed="rId4" cstate="print">
               <a:extLst>
                 <a:ext uri="{28A0092B-C50C-407E-A947-70E740481C1C}">
                   <a14:useLocalDpi xmlns:a14="http://schemas.microsoft.com/office/drawing/2010/main" val="0"/>
@@ -18798,7 +14752,7 @@
             <p:nvPr/>
           </p:nvPicPr>
           <p:blipFill>
-            <a:blip r:embed="rId6"/>
+            <a:blip r:embed="rId5"/>
             <a:stretch>
               <a:fillRect/>
             </a:stretch>
@@ -19133,75 +15087,6 @@
             </a:p>
           </p:txBody>
         </p:sp>
-        <p:graphicFrame>
-          <p:nvGraphicFramePr>
-            <p:cNvPr id="15" name="Object 14">
-              <a:extLst>
-                <a:ext uri="{FF2B5EF4-FFF2-40B4-BE49-F238E27FC236}">
-                  <a16:creationId xmlns:a16="http://schemas.microsoft.com/office/drawing/2014/main" id="{1B1D727A-5590-4D6A-9D23-240008B728CE}"/>
-                </a:ext>
-              </a:extLst>
-            </p:cNvPr>
-            <p:cNvGraphicFramePr>
-              <a:graphicFrameLocks noChangeAspect="1"/>
-            </p:cNvGraphicFramePr>
-            <p:nvPr>
-              <p:extLst>
-                <p:ext uri="{D42A27DB-BD31-4B8C-83A1-F6EECF244321}">
-                  <p14:modId xmlns:p14="http://schemas.microsoft.com/office/powerpoint/2010/main" val="3510267888"/>
-                </p:ext>
-              </p:extLst>
-            </p:nvPr>
-          </p:nvGraphicFramePr>
-          <p:xfrm>
-            <a:off x="7352723" y="3305011"/>
-            <a:ext cx="946031" cy="922201"/>
-          </p:xfrm>
-          <a:graphic>
-            <a:graphicData uri="http://schemas.openxmlformats.org/presentationml/2006/ole">
-              <mc:AlternateContent xmlns:mc="http://schemas.openxmlformats.org/markup-compatibility/2006">
-                <mc:Choice xmlns:v="urn:schemas-microsoft-com:vml" Requires="v">
-                  <p:oleObj spid="_x0000_s1035" name="Bitmap Image" r:id="rId7" imgW="1890720" imgH="1843200" progId="Paint.Picture">
-                    <p:embed/>
-                  </p:oleObj>
-                </mc:Choice>
-                <mc:Fallback>
-                  <p:oleObj name="Bitmap Image" r:id="rId7" imgW="1890720" imgH="1843200" progId="Paint.Picture">
-                    <p:embed/>
-                    <p:pic>
-                      <p:nvPicPr>
-                        <p:cNvPr id="15" name="Object 14">
-                          <a:extLst>
-                            <a:ext uri="{FF2B5EF4-FFF2-40B4-BE49-F238E27FC236}">
-                              <a16:creationId xmlns:a16="http://schemas.microsoft.com/office/drawing/2014/main" id="{1B1D727A-5590-4D6A-9D23-240008B728CE}"/>
-                            </a:ext>
-                          </a:extLst>
-                        </p:cNvPr>
-                        <p:cNvPicPr/>
-                        <p:nvPr/>
-                      </p:nvPicPr>
-                      <p:blipFill>
-                        <a:blip r:embed="rId8"/>
-                        <a:stretch>
-                          <a:fillRect/>
-                        </a:stretch>
-                      </p:blipFill>
-                      <p:spPr>
-                        <a:xfrm>
-                          <a:off x="7352723" y="3305011"/>
-                          <a:ext cx="946031" cy="922201"/>
-                        </a:xfrm>
-                        <a:prstGeom prst="rect">
-                          <a:avLst/>
-                        </a:prstGeom>
-                      </p:spPr>
-                    </p:pic>
-                  </p:oleObj>
-                </mc:Fallback>
-              </mc:AlternateContent>
-            </a:graphicData>
-          </a:graphic>
-        </p:graphicFrame>
         <p:pic>
           <p:nvPicPr>
             <p:cNvPr id="16" name="Picture 15" descr="Database migration service icon" title="Database migration service icon">
@@ -19217,7 +15102,7 @@
             <p:nvPr/>
           </p:nvPicPr>
           <p:blipFill>
-            <a:blip r:embed="rId9"/>
+            <a:blip r:embed="rId6"/>
             <a:stretch>
               <a:fillRect/>
             </a:stretch>
@@ -19247,7 +15132,7 @@
             <p:nvPr/>
           </p:nvPicPr>
           <p:blipFill>
-            <a:blip r:embed="rId10" cstate="print">
+            <a:blip r:embed="rId7" cstate="print">
               <a:extLst>
                 <a:ext uri="{28A0092B-C50C-407E-A947-70E740481C1C}">
                   <a14:useLocalDpi xmlns:a14="http://schemas.microsoft.com/office/drawing/2010/main" val="0"/>
@@ -19434,6 +15319,36 @@
           </a:p>
         </p:txBody>
       </p:sp>
+      <p:pic>
+        <p:nvPicPr>
+          <p:cNvPr id="6" name="Picture 5">
+            <a:extLst>
+              <a:ext uri="{FF2B5EF4-FFF2-40B4-BE49-F238E27FC236}">
+                <a16:creationId xmlns:a16="http://schemas.microsoft.com/office/drawing/2014/main" id="{E2693FC4-CB4C-4A82-A403-086B32052248}"/>
+              </a:ext>
+            </a:extLst>
+          </p:cNvPr>
+          <p:cNvPicPr>
+            <a:picLocks noChangeAspect="1"/>
+          </p:cNvPicPr>
+          <p:nvPr/>
+        </p:nvPicPr>
+        <p:blipFill>
+          <a:blip r:embed="rId8"/>
+          <a:stretch>
+            <a:fillRect/>
+          </a:stretch>
+        </p:blipFill>
+        <p:spPr>
+          <a:xfrm>
+            <a:off x="7420169" y="2875066"/>
+            <a:ext cx="792387" cy="780290"/>
+          </a:xfrm>
+          <a:prstGeom prst="rect">
+            <a:avLst/>
+          </a:prstGeom>
+        </p:spPr>
+      </p:pic>
     </p:spTree>
     <p:extLst>
       <p:ext uri="{BB962C8B-B14F-4D97-AF65-F5344CB8AC3E}">
@@ -25962,308 +21877,6 @@
 </file>
 
 <file path=ppt/theme/theme1.xml><?xml version="1.0" encoding="utf-8"?>
-<a:theme xmlns:a="http://schemas.openxmlformats.org/drawingml/2006/main" name="2_Server and Cloud 2013">
-  <a:themeElements>
-    <a:clrScheme name="STB Template">
-      <a:dk1>
-        <a:srgbClr val="505050"/>
-      </a:dk1>
-      <a:lt1>
-        <a:srgbClr val="FFFFFF"/>
-      </a:lt1>
-      <a:dk2>
-        <a:srgbClr val="008272"/>
-      </a:dk2>
-      <a:lt2>
-        <a:srgbClr val="D2D2D2"/>
-      </a:lt2>
-      <a:accent1>
-        <a:srgbClr val="0072C6"/>
-      </a:accent1>
-      <a:accent2>
-        <a:srgbClr val="DC3C00"/>
-      </a:accent2>
-      <a:accent3>
-        <a:srgbClr val="008272"/>
-      </a:accent3>
-      <a:accent4>
-        <a:srgbClr val="68217A"/>
-      </a:accent4>
-      <a:accent5>
-        <a:srgbClr val="002050"/>
-      </a:accent5>
-      <a:accent6>
-        <a:srgbClr val="442359"/>
-      </a:accent6>
-      <a:hlink>
-        <a:srgbClr val="002050"/>
-      </a:hlink>
-      <a:folHlink>
-        <a:srgbClr val="002050"/>
-      </a:folHlink>
-    </a:clrScheme>
-    <a:fontScheme name="Custom 1">
-      <a:majorFont>
-        <a:latin typeface="Segoe UI Light"/>
-        <a:ea typeface=""/>
-        <a:cs typeface=""/>
-      </a:majorFont>
-      <a:minorFont>
-        <a:latin typeface="Segoe UI"/>
-        <a:ea typeface=""/>
-        <a:cs typeface=""/>
-      </a:minorFont>
-    </a:fontScheme>
-    <a:fmtScheme name="Couture">
-      <a:fillStyleLst>
-        <a:solidFill>
-          <a:schemeClr val="phClr"/>
-        </a:solidFill>
-        <a:solidFill>
-          <a:schemeClr val="phClr">
-            <a:tint val="65000"/>
-          </a:schemeClr>
-        </a:solidFill>
-        <a:solidFill>
-          <a:schemeClr val="phClr">
-            <a:shade val="80000"/>
-            <a:satMod val="180000"/>
-          </a:schemeClr>
-        </a:solidFill>
-      </a:fillStyleLst>
-      <a:lnStyleLst>
-        <a:ln w="9525" cap="flat" cmpd="sng" algn="ctr">
-          <a:solidFill>
-            <a:schemeClr val="phClr"/>
-          </a:solidFill>
-          <a:prstDash val="solid"/>
-        </a:ln>
-        <a:ln w="10795" cap="flat" cmpd="sng" algn="ctr">
-          <a:solidFill>
-            <a:schemeClr val="phClr"/>
-          </a:solidFill>
-          <a:prstDash val="solid"/>
-        </a:ln>
-        <a:ln w="17145" cap="flat" cmpd="sng" algn="ctr">
-          <a:solidFill>
-            <a:schemeClr val="phClr">
-              <a:shade val="95000"/>
-              <a:alpha val="50000"/>
-              <a:satMod val="150000"/>
-            </a:schemeClr>
-          </a:solidFill>
-          <a:prstDash val="solid"/>
-        </a:ln>
-      </a:lnStyleLst>
-      <a:effectStyleLst>
-        <a:effectStyle>
-          <a:effectLst/>
-        </a:effectStyle>
-        <a:effectStyle>
-          <a:effectLst/>
-        </a:effectStyle>
-        <a:effectStyle>
-          <a:effectLst>
-            <a:outerShdw blurRad="44450" dist="13970" dir="5400000" algn="ctr" rotWithShape="0">
-              <a:srgbClr val="000000">
-                <a:alpha val="45000"/>
-              </a:srgbClr>
-            </a:outerShdw>
-          </a:effectLst>
-          <a:scene3d>
-            <a:camera prst="orthographicFront">
-              <a:rot lat="0" lon="0" rev="0"/>
-            </a:camera>
-            <a:lightRig rig="twoPt" dir="tl"/>
-          </a:scene3d>
-          <a:sp3d prstMaterial="flat">
-            <a:bevelT w="19050" h="31750" prst="coolSlant"/>
-          </a:sp3d>
-        </a:effectStyle>
-      </a:effectStyleLst>
-      <a:bgFillStyleLst>
-        <a:solidFill>
-          <a:schemeClr val="phClr"/>
-        </a:solidFill>
-        <a:gradFill rotWithShape="1">
-          <a:gsLst>
-            <a:gs pos="0">
-              <a:schemeClr val="phClr">
-                <a:tint val="40000"/>
-                <a:satMod val="350000"/>
-              </a:schemeClr>
-            </a:gs>
-            <a:gs pos="40000">
-              <a:schemeClr val="phClr">
-                <a:tint val="45000"/>
-                <a:shade val="99000"/>
-                <a:satMod val="350000"/>
-              </a:schemeClr>
-            </a:gs>
-            <a:gs pos="100000">
-              <a:schemeClr val="phClr">
-                <a:shade val="20000"/>
-                <a:satMod val="255000"/>
-              </a:schemeClr>
-            </a:gs>
-          </a:gsLst>
-          <a:path path="circle">
-            <a:fillToRect l="50000" t="-80000" r="50000" b="180000"/>
-          </a:path>
-        </a:gradFill>
-        <a:gradFill rotWithShape="1">
-          <a:gsLst>
-            <a:gs pos="0">
-              <a:schemeClr val="phClr">
-                <a:tint val="80000"/>
-                <a:satMod val="300000"/>
-              </a:schemeClr>
-            </a:gs>
-            <a:gs pos="100000">
-              <a:schemeClr val="phClr">
-                <a:shade val="30000"/>
-                <a:satMod val="200000"/>
-              </a:schemeClr>
-            </a:gs>
-          </a:gsLst>
-          <a:path path="circle">
-            <a:fillToRect l="50000" t="50000" r="50000" b="50000"/>
-          </a:path>
-        </a:gradFill>
-      </a:bgFillStyleLst>
-    </a:fmtScheme>
-  </a:themeElements>
-  <a:objectDefaults>
-    <a:spDef>
-      <a:spPr bwMode="auto">
-        <a:solidFill>
-          <a:schemeClr val="accent1"/>
-        </a:solidFill>
-        <a:ln>
-          <a:noFill/>
-          <a:headEnd type="none" w="med" len="med"/>
-          <a:tailEnd type="none" w="med" len="med"/>
-        </a:ln>
-        <a:effectLst/>
-      </a:spPr>
-      <a:bodyPr rot="0" spcFirstLastPara="0" vertOverflow="overflow" horzOverflow="overflow" vert="horz" wrap="square" lIns="182880" tIns="146304" rIns="182880" bIns="146304" numCol="1" spcCol="0" rtlCol="0" fromWordArt="0" anchor="t" anchorCtr="0" forceAA="0" compatLnSpc="1">
-        <a:prstTxWarp prst="textNoShape">
-          <a:avLst/>
-        </a:prstTxWarp>
-        <a:noAutofit/>
-      </a:bodyPr>
-      <a:lstStyle>
-        <a:defPPr defTabSz="932472" fontAlgn="base">
-          <a:lnSpc>
-            <a:spcPct val="90000"/>
-          </a:lnSpc>
-          <a:spcBef>
-            <a:spcPct val="0"/>
-          </a:spcBef>
-          <a:spcAft>
-            <a:spcPct val="0"/>
-          </a:spcAft>
-          <a:defRPr sz="2400" dirty="0" err="1" smtClean="0">
-            <a:gradFill>
-              <a:gsLst>
-                <a:gs pos="0">
-                  <a:srgbClr val="FFFFFF"/>
-                </a:gs>
-                <a:gs pos="100000">
-                  <a:srgbClr val="FFFFFF"/>
-                </a:gs>
-              </a:gsLst>
-              <a:lin ang="5400000" scaled="0"/>
-            </a:gradFill>
-            <a:ea typeface="Segoe UI" pitchFamily="34" charset="0"/>
-            <a:cs typeface="Segoe UI" pitchFamily="34" charset="0"/>
-          </a:defRPr>
-        </a:defPPr>
-      </a:lstStyle>
-      <a:style>
-        <a:lnRef idx="1">
-          <a:schemeClr val="accent2"/>
-        </a:lnRef>
-        <a:fillRef idx="3">
-          <a:schemeClr val="accent2"/>
-        </a:fillRef>
-        <a:effectRef idx="2">
-          <a:schemeClr val="accent2"/>
-        </a:effectRef>
-        <a:fontRef idx="minor">
-          <a:schemeClr val="lt1"/>
-        </a:fontRef>
-      </a:style>
-    </a:spDef>
-    <a:lnDef>
-      <a:spPr>
-        <a:ln>
-          <a:solidFill>
-            <a:schemeClr val="tx1"/>
-          </a:solidFill>
-          <a:headEnd type="none"/>
-          <a:tailEnd type="none"/>
-        </a:ln>
-      </a:spPr>
-      <a:bodyPr/>
-      <a:lstStyle/>
-      <a:style>
-        <a:lnRef idx="1">
-          <a:schemeClr val="accent1"/>
-        </a:lnRef>
-        <a:fillRef idx="0">
-          <a:schemeClr val="accent1"/>
-        </a:fillRef>
-        <a:effectRef idx="0">
-          <a:schemeClr val="accent1"/>
-        </a:effectRef>
-        <a:fontRef idx="minor">
-          <a:schemeClr val="tx1"/>
-        </a:fontRef>
-      </a:style>
-    </a:lnDef>
-    <a:txDef>
-      <a:spPr>
-        <a:noFill/>
-      </a:spPr>
-      <a:bodyPr wrap="square" lIns="182880" tIns="146304" rIns="182880" bIns="146304" rtlCol="0">
-        <a:spAutoFit/>
-      </a:bodyPr>
-      <a:lstStyle>
-        <a:defPPr>
-          <a:lnSpc>
-            <a:spcPct val="90000"/>
-          </a:lnSpc>
-          <a:spcAft>
-            <a:spcPts val="600"/>
-          </a:spcAft>
-          <a:defRPr sz="2400" dirty="0" err="1" smtClean="0">
-            <a:gradFill>
-              <a:gsLst>
-                <a:gs pos="2917">
-                  <a:schemeClr val="tx1"/>
-                </a:gs>
-                <a:gs pos="30000">
-                  <a:schemeClr val="tx1"/>
-                </a:gs>
-              </a:gsLst>
-              <a:lin ang="5400000" scaled="0"/>
-            </a:gradFill>
-          </a:defRPr>
-        </a:defPPr>
-      </a:lstStyle>
-    </a:txDef>
-  </a:objectDefaults>
-  <a:extraClrSchemeLst/>
-  <a:extLst>
-    <a:ext uri="{05A4C25C-085E-4340-85A3-A5531E510DB2}">
-      <thm15:themeFamily xmlns:thm15="http://schemas.microsoft.com/office/thememl/2012/main" name="STB_Template_16-9_Sept2013_v12.potx" id="{9C7765DE-A674-4011-A212-5D742AF30369}" vid="{5465D01F-9AE6-47ED-AC67-4D8944814AA9}"/>
-    </a:ext>
-  </a:extLst>
-</a:theme>
-</file>
-
-<file path=ppt/theme/theme2.xml><?xml version="1.0" encoding="utf-8"?>
 <a:theme xmlns:a="http://schemas.openxmlformats.org/drawingml/2006/main" name="C+E Readiness Template">
   <a:themeElements>
     <a:clrScheme name="S4 Feb 2017 Dark Back">
@@ -26565,7 +22178,7 @@
 </a:theme>
 </file>
 
-<file path=ppt/theme/theme3.xml><?xml version="1.0" encoding="utf-8"?>
+<file path=ppt/theme/theme2.xml><?xml version="1.0" encoding="utf-8"?>
 <a:theme xmlns:a="http://schemas.openxmlformats.org/drawingml/2006/main" name="Office Theme">
   <a:themeElements>
     <a:clrScheme name="Office">
@@ -26826,7 +22439,7 @@
 </a:theme>
 </file>
 
-<file path=ppt/theme/theme4.xml><?xml version="1.0" encoding="utf-8"?>
+<file path=ppt/theme/theme3.xml><?xml version="1.0" encoding="utf-8"?>
 <a:theme xmlns:a="http://schemas.openxmlformats.org/drawingml/2006/main" name="Office Theme">
   <a:themeElements>
     <a:clrScheme name="Office">
